--- a/Terraform/Terraform.pptx
+++ b/Terraform/Terraform.pptx
@@ -5,7 +5,7 @@
     <p:sldMasterId id="2147483659" r:id="rId1"/>
   </p:sldMasterIdLst>
   <p:notesMasterIdLst>
-    <p:notesMasterId r:id="rId52"/>
+    <p:notesMasterId r:id="rId38"/>
   </p:notesMasterIdLst>
   <p:sldIdLst>
     <p:sldId id="256" r:id="rId2"/>
@@ -38,42 +38,28 @@
     <p:sldId id="290" r:id="rId29"/>
     <p:sldId id="291" r:id="rId30"/>
     <p:sldId id="292" r:id="rId31"/>
-    <p:sldId id="293" r:id="rId32"/>
-    <p:sldId id="294" r:id="rId33"/>
-    <p:sldId id="295" r:id="rId34"/>
-    <p:sldId id="296" r:id="rId35"/>
-    <p:sldId id="297" r:id="rId36"/>
-    <p:sldId id="298" r:id="rId37"/>
-    <p:sldId id="299" r:id="rId38"/>
-    <p:sldId id="300" r:id="rId39"/>
-    <p:sldId id="301" r:id="rId40"/>
-    <p:sldId id="302" r:id="rId41"/>
-    <p:sldId id="303" r:id="rId42"/>
-    <p:sldId id="304" r:id="rId43"/>
-    <p:sldId id="305" r:id="rId44"/>
-    <p:sldId id="306" r:id="rId45"/>
-    <p:sldId id="307" r:id="rId46"/>
-    <p:sldId id="308" r:id="rId47"/>
-    <p:sldId id="309" r:id="rId48"/>
-    <p:sldId id="310" r:id="rId49"/>
-    <p:sldId id="311" r:id="rId50"/>
-    <p:sldId id="312" r:id="rId51"/>
+    <p:sldId id="306" r:id="rId32"/>
+    <p:sldId id="307" r:id="rId33"/>
+    <p:sldId id="308" r:id="rId34"/>
+    <p:sldId id="309" r:id="rId35"/>
+    <p:sldId id="310" r:id="rId36"/>
+    <p:sldId id="311" r:id="rId37"/>
   </p:sldIdLst>
   <p:sldSz cx="9144000" cy="5143500" type="screen16x9"/>
   <p:notesSz cx="6858000" cy="9144000"/>
   <p:embeddedFontLst>
     <p:embeddedFont>
       <p:font typeface="Old Standard TT" panose="020B0604020202020204" charset="0"/>
-      <p:regular r:id="rId53"/>
-      <p:bold r:id="rId54"/>
-      <p:italic r:id="rId55"/>
+      <p:regular r:id="rId39"/>
+      <p:bold r:id="rId40"/>
+      <p:italic r:id="rId41"/>
     </p:embeddedFont>
     <p:embeddedFont>
       <p:font typeface="Roboto Mono" panose="00000009000000000000" pitchFamily="49" charset="0"/>
-      <p:regular r:id="rId56"/>
-      <p:bold r:id="rId57"/>
-      <p:italic r:id="rId58"/>
-      <p:boldItalic r:id="rId59"/>
+      <p:regular r:id="rId42"/>
+      <p:bold r:id="rId43"/>
+      <p:italic r:id="rId44"/>
+      <p:boldItalic r:id="rId45"/>
     </p:embeddedFont>
   </p:embeddedFontLst>
   <p:defaultTextStyle>
@@ -1626,8 +1612,8 @@
         </p:nvSpPr>
         <p:spPr>
           <a:xfrm>
-            <a:off x="381188" y="685800"/>
-            <a:ext cx="6096300" cy="3429000"/>
+            <a:off x="381000" y="685800"/>
+            <a:ext cx="6096000" cy="3429000"/>
           </a:xfrm>
           <a:custGeom>
             <a:avLst/>
@@ -2562,8 +2548,8 @@
         </p:nvSpPr>
         <p:spPr>
           <a:xfrm>
-            <a:off x="381188" y="685800"/>
-            <a:ext cx="6096300" cy="3429000"/>
+            <a:off x="381000" y="685800"/>
+            <a:ext cx="6096000" cy="3429000"/>
           </a:xfrm>
           <a:custGeom>
             <a:avLst/>
@@ -3266,1462 +3252,6 @@
   <p:cSld>
     <p:spTree>
       <p:nvGrpSpPr>
-        <p:cNvPr id="1" name="Shape 282"/>
-        <p:cNvGrpSpPr/>
-        <p:nvPr/>
-      </p:nvGrpSpPr>
-      <p:grpSpPr>
-        <a:xfrm>
-          <a:off x="0" y="0"/>
-          <a:ext cx="0" cy="0"/>
-          <a:chOff x="0" y="0"/>
-          <a:chExt cx="0" cy="0"/>
-        </a:xfrm>
-      </p:grpSpPr>
-      <p:sp>
-        <p:nvSpPr>
-          <p:cNvPr id="283" name="Google Shape;283;g31851766b0d_0_45:notes"/>
-          <p:cNvSpPr>
-            <a:spLocks noGrp="1" noRot="1" noChangeAspect="1"/>
-          </p:cNvSpPr>
-          <p:nvPr>
-            <p:ph type="sldImg" idx="2"/>
-          </p:nvPr>
-        </p:nvSpPr>
-        <p:spPr>
-          <a:xfrm>
-            <a:off x="381000" y="685800"/>
-            <a:ext cx="6096000" cy="3429000"/>
-          </a:xfrm>
-          <a:custGeom>
-            <a:avLst/>
-            <a:gdLst/>
-            <a:ahLst/>
-            <a:cxnLst/>
-            <a:rect l="l" t="t" r="r" b="b"/>
-            <a:pathLst>
-              <a:path w="120000" h="120000" extrusionOk="0">
-                <a:moveTo>
-                  <a:pt x="0" y="0"/>
-                </a:moveTo>
-                <a:lnTo>
-                  <a:pt x="120000" y="0"/>
-                </a:lnTo>
-                <a:lnTo>
-                  <a:pt x="120000" y="120000"/>
-                </a:lnTo>
-                <a:lnTo>
-                  <a:pt x="0" y="120000"/>
-                </a:lnTo>
-                <a:close/>
-              </a:path>
-            </a:pathLst>
-          </a:custGeom>
-        </p:spPr>
-      </p:sp>
-      <p:sp>
-        <p:nvSpPr>
-          <p:cNvPr id="284" name="Google Shape;284;g31851766b0d_0_45:notes"/>
-          <p:cNvSpPr txBox="1">
-            <a:spLocks noGrp="1"/>
-          </p:cNvSpPr>
-          <p:nvPr>
-            <p:ph type="body" idx="1"/>
-          </p:nvPr>
-        </p:nvSpPr>
-        <p:spPr>
-          <a:xfrm>
-            <a:off x="685800" y="4343400"/>
-            <a:ext cx="5486400" cy="4114800"/>
-          </a:xfrm>
-          <a:prstGeom prst="rect">
-            <a:avLst/>
-          </a:prstGeom>
-        </p:spPr>
-        <p:txBody>
-          <a:bodyPr spcFirstLastPara="1" wrap="square" lIns="91425" tIns="91425" rIns="91425" bIns="91425" anchor="t" anchorCtr="0">
-            <a:noAutofit/>
-          </a:bodyPr>
-          <a:lstStyle/>
-          <a:p>
-            <a:pPr marL="0" lvl="0" indent="0" algn="l" rtl="0">
-              <a:spcBef>
-                <a:spcPts val="0"/>
-              </a:spcBef>
-              <a:spcAft>
-                <a:spcPts val="0"/>
-              </a:spcAft>
-              <a:buNone/>
-            </a:pPr>
-            <a:endParaRPr/>
-          </a:p>
-        </p:txBody>
-      </p:sp>
-    </p:spTree>
-  </p:cSld>
-  <p:clrMapOvr>
-    <a:masterClrMapping/>
-  </p:clrMapOvr>
-</p:notes>
-</file>
-
-<file path=ppt/notesSlides/notesSlide32.xml><?xml version="1.0" encoding="utf-8"?>
-<p:notes xmlns:a="http://schemas.openxmlformats.org/drawingml/2006/main" xmlns:r="http://schemas.openxmlformats.org/officeDocument/2006/relationships" xmlns:p="http://schemas.openxmlformats.org/presentationml/2006/main" showMasterSp="0" showMasterPhAnim="0">
-  <p:cSld>
-    <p:spTree>
-      <p:nvGrpSpPr>
-        <p:cNvPr id="1" name="Shape 288"/>
-        <p:cNvGrpSpPr/>
-        <p:nvPr/>
-      </p:nvGrpSpPr>
-      <p:grpSpPr>
-        <a:xfrm>
-          <a:off x="0" y="0"/>
-          <a:ext cx="0" cy="0"/>
-          <a:chOff x="0" y="0"/>
-          <a:chExt cx="0" cy="0"/>
-        </a:xfrm>
-      </p:grpSpPr>
-      <p:sp>
-        <p:nvSpPr>
-          <p:cNvPr id="289" name="Google Shape;289;g31851766b0d_0_90:notes"/>
-          <p:cNvSpPr>
-            <a:spLocks noGrp="1" noRot="1" noChangeAspect="1"/>
-          </p:cNvSpPr>
-          <p:nvPr>
-            <p:ph type="sldImg" idx="2"/>
-          </p:nvPr>
-        </p:nvSpPr>
-        <p:spPr>
-          <a:xfrm>
-            <a:off x="381188" y="685800"/>
-            <a:ext cx="6096300" cy="3429000"/>
-          </a:xfrm>
-          <a:custGeom>
-            <a:avLst/>
-            <a:gdLst/>
-            <a:ahLst/>
-            <a:cxnLst/>
-            <a:rect l="l" t="t" r="r" b="b"/>
-            <a:pathLst>
-              <a:path w="120000" h="120000" extrusionOk="0">
-                <a:moveTo>
-                  <a:pt x="0" y="0"/>
-                </a:moveTo>
-                <a:lnTo>
-                  <a:pt x="120000" y="0"/>
-                </a:lnTo>
-                <a:lnTo>
-                  <a:pt x="120000" y="120000"/>
-                </a:lnTo>
-                <a:lnTo>
-                  <a:pt x="0" y="120000"/>
-                </a:lnTo>
-                <a:close/>
-              </a:path>
-            </a:pathLst>
-          </a:custGeom>
-        </p:spPr>
-      </p:sp>
-      <p:sp>
-        <p:nvSpPr>
-          <p:cNvPr id="290" name="Google Shape;290;g31851766b0d_0_90:notes"/>
-          <p:cNvSpPr txBox="1">
-            <a:spLocks noGrp="1"/>
-          </p:cNvSpPr>
-          <p:nvPr>
-            <p:ph type="body" idx="1"/>
-          </p:nvPr>
-        </p:nvSpPr>
-        <p:spPr>
-          <a:xfrm>
-            <a:off x="685800" y="4343400"/>
-            <a:ext cx="5486400" cy="4114800"/>
-          </a:xfrm>
-          <a:prstGeom prst="rect">
-            <a:avLst/>
-          </a:prstGeom>
-        </p:spPr>
-        <p:txBody>
-          <a:bodyPr spcFirstLastPara="1" wrap="square" lIns="91425" tIns="91425" rIns="91425" bIns="91425" anchor="t" anchorCtr="0">
-            <a:noAutofit/>
-          </a:bodyPr>
-          <a:lstStyle/>
-          <a:p>
-            <a:pPr marL="0" lvl="0" indent="0" algn="l" rtl="0">
-              <a:spcBef>
-                <a:spcPts val="0"/>
-              </a:spcBef>
-              <a:spcAft>
-                <a:spcPts val="0"/>
-              </a:spcAft>
-              <a:buNone/>
-            </a:pPr>
-            <a:endParaRPr/>
-          </a:p>
-        </p:txBody>
-      </p:sp>
-    </p:spTree>
-  </p:cSld>
-  <p:clrMapOvr>
-    <a:masterClrMapping/>
-  </p:clrMapOvr>
-</p:notes>
-</file>
-
-<file path=ppt/notesSlides/notesSlide33.xml><?xml version="1.0" encoding="utf-8"?>
-<p:notes xmlns:a="http://schemas.openxmlformats.org/drawingml/2006/main" xmlns:r="http://schemas.openxmlformats.org/officeDocument/2006/relationships" xmlns:p="http://schemas.openxmlformats.org/presentationml/2006/main" showMasterSp="0" showMasterPhAnim="0">
-  <p:cSld>
-    <p:spTree>
-      <p:nvGrpSpPr>
-        <p:cNvPr id="1" name="Shape 294"/>
-        <p:cNvGrpSpPr/>
-        <p:nvPr/>
-      </p:nvGrpSpPr>
-      <p:grpSpPr>
-        <a:xfrm>
-          <a:off x="0" y="0"/>
-          <a:ext cx="0" cy="0"/>
-          <a:chOff x="0" y="0"/>
-          <a:chExt cx="0" cy="0"/>
-        </a:xfrm>
-      </p:grpSpPr>
-      <p:sp>
-        <p:nvSpPr>
-          <p:cNvPr id="295" name="Google Shape;295;g31851766b0d_0_99:notes"/>
-          <p:cNvSpPr>
-            <a:spLocks noGrp="1" noRot="1" noChangeAspect="1"/>
-          </p:cNvSpPr>
-          <p:nvPr>
-            <p:ph type="sldImg" idx="2"/>
-          </p:nvPr>
-        </p:nvSpPr>
-        <p:spPr>
-          <a:xfrm>
-            <a:off x="381188" y="685800"/>
-            <a:ext cx="6096300" cy="3429000"/>
-          </a:xfrm>
-          <a:custGeom>
-            <a:avLst/>
-            <a:gdLst/>
-            <a:ahLst/>
-            <a:cxnLst/>
-            <a:rect l="l" t="t" r="r" b="b"/>
-            <a:pathLst>
-              <a:path w="120000" h="120000" extrusionOk="0">
-                <a:moveTo>
-                  <a:pt x="0" y="0"/>
-                </a:moveTo>
-                <a:lnTo>
-                  <a:pt x="120000" y="0"/>
-                </a:lnTo>
-                <a:lnTo>
-                  <a:pt x="120000" y="120000"/>
-                </a:lnTo>
-                <a:lnTo>
-                  <a:pt x="0" y="120000"/>
-                </a:lnTo>
-                <a:close/>
-              </a:path>
-            </a:pathLst>
-          </a:custGeom>
-        </p:spPr>
-      </p:sp>
-      <p:sp>
-        <p:nvSpPr>
-          <p:cNvPr id="296" name="Google Shape;296;g31851766b0d_0_99:notes"/>
-          <p:cNvSpPr txBox="1">
-            <a:spLocks noGrp="1"/>
-          </p:cNvSpPr>
-          <p:nvPr>
-            <p:ph type="body" idx="1"/>
-          </p:nvPr>
-        </p:nvSpPr>
-        <p:spPr>
-          <a:xfrm>
-            <a:off x="685800" y="4343400"/>
-            <a:ext cx="5486400" cy="4114800"/>
-          </a:xfrm>
-          <a:prstGeom prst="rect">
-            <a:avLst/>
-          </a:prstGeom>
-        </p:spPr>
-        <p:txBody>
-          <a:bodyPr spcFirstLastPara="1" wrap="square" lIns="91425" tIns="91425" rIns="91425" bIns="91425" anchor="t" anchorCtr="0">
-            <a:noAutofit/>
-          </a:bodyPr>
-          <a:lstStyle/>
-          <a:p>
-            <a:pPr marL="0" lvl="0" indent="0" algn="l" rtl="0">
-              <a:spcBef>
-                <a:spcPts val="0"/>
-              </a:spcBef>
-              <a:spcAft>
-                <a:spcPts val="0"/>
-              </a:spcAft>
-              <a:buNone/>
-            </a:pPr>
-            <a:endParaRPr/>
-          </a:p>
-        </p:txBody>
-      </p:sp>
-    </p:spTree>
-  </p:cSld>
-  <p:clrMapOvr>
-    <a:masterClrMapping/>
-  </p:clrMapOvr>
-</p:notes>
-</file>
-
-<file path=ppt/notesSlides/notesSlide34.xml><?xml version="1.0" encoding="utf-8"?>
-<p:notes xmlns:a="http://schemas.openxmlformats.org/drawingml/2006/main" xmlns:r="http://schemas.openxmlformats.org/officeDocument/2006/relationships" xmlns:p="http://schemas.openxmlformats.org/presentationml/2006/main" showMasterSp="0" showMasterPhAnim="0">
-  <p:cSld>
-    <p:spTree>
-      <p:nvGrpSpPr>
-        <p:cNvPr id="1" name="Shape 300"/>
-        <p:cNvGrpSpPr/>
-        <p:nvPr/>
-      </p:nvGrpSpPr>
-      <p:grpSpPr>
-        <a:xfrm>
-          <a:off x="0" y="0"/>
-          <a:ext cx="0" cy="0"/>
-          <a:chOff x="0" y="0"/>
-          <a:chExt cx="0" cy="0"/>
-        </a:xfrm>
-      </p:grpSpPr>
-      <p:sp>
-        <p:nvSpPr>
-          <p:cNvPr id="301" name="Google Shape;301;g31851766b0d_0_105:notes"/>
-          <p:cNvSpPr>
-            <a:spLocks noGrp="1" noRot="1" noChangeAspect="1"/>
-          </p:cNvSpPr>
-          <p:nvPr>
-            <p:ph type="sldImg" idx="2"/>
-          </p:nvPr>
-        </p:nvSpPr>
-        <p:spPr>
-          <a:xfrm>
-            <a:off x="381000" y="685800"/>
-            <a:ext cx="6096000" cy="3429000"/>
-          </a:xfrm>
-          <a:custGeom>
-            <a:avLst/>
-            <a:gdLst/>
-            <a:ahLst/>
-            <a:cxnLst/>
-            <a:rect l="l" t="t" r="r" b="b"/>
-            <a:pathLst>
-              <a:path w="120000" h="120000" extrusionOk="0">
-                <a:moveTo>
-                  <a:pt x="0" y="0"/>
-                </a:moveTo>
-                <a:lnTo>
-                  <a:pt x="120000" y="0"/>
-                </a:lnTo>
-                <a:lnTo>
-                  <a:pt x="120000" y="120000"/>
-                </a:lnTo>
-                <a:lnTo>
-                  <a:pt x="0" y="120000"/>
-                </a:lnTo>
-                <a:close/>
-              </a:path>
-            </a:pathLst>
-          </a:custGeom>
-        </p:spPr>
-      </p:sp>
-      <p:sp>
-        <p:nvSpPr>
-          <p:cNvPr id="302" name="Google Shape;302;g31851766b0d_0_105:notes"/>
-          <p:cNvSpPr txBox="1">
-            <a:spLocks noGrp="1"/>
-          </p:cNvSpPr>
-          <p:nvPr>
-            <p:ph type="body" idx="1"/>
-          </p:nvPr>
-        </p:nvSpPr>
-        <p:spPr>
-          <a:xfrm>
-            <a:off x="685800" y="4343400"/>
-            <a:ext cx="5486400" cy="4114800"/>
-          </a:xfrm>
-          <a:prstGeom prst="rect">
-            <a:avLst/>
-          </a:prstGeom>
-        </p:spPr>
-        <p:txBody>
-          <a:bodyPr spcFirstLastPara="1" wrap="square" lIns="91425" tIns="91425" rIns="91425" bIns="91425" anchor="t" anchorCtr="0">
-            <a:noAutofit/>
-          </a:bodyPr>
-          <a:lstStyle/>
-          <a:p>
-            <a:pPr marL="0" lvl="0" indent="0" algn="l" rtl="0">
-              <a:spcBef>
-                <a:spcPts val="0"/>
-              </a:spcBef>
-              <a:spcAft>
-                <a:spcPts val="0"/>
-              </a:spcAft>
-              <a:buNone/>
-            </a:pPr>
-            <a:endParaRPr/>
-          </a:p>
-        </p:txBody>
-      </p:sp>
-    </p:spTree>
-  </p:cSld>
-  <p:clrMapOvr>
-    <a:masterClrMapping/>
-  </p:clrMapOvr>
-</p:notes>
-</file>
-
-<file path=ppt/notesSlides/notesSlide35.xml><?xml version="1.0" encoding="utf-8"?>
-<p:notes xmlns:a="http://schemas.openxmlformats.org/drawingml/2006/main" xmlns:r="http://schemas.openxmlformats.org/officeDocument/2006/relationships" xmlns:p="http://schemas.openxmlformats.org/presentationml/2006/main" showMasterSp="0" showMasterPhAnim="0">
-  <p:cSld>
-    <p:spTree>
-      <p:nvGrpSpPr>
-        <p:cNvPr id="1" name="Shape 306"/>
-        <p:cNvGrpSpPr/>
-        <p:nvPr/>
-      </p:nvGrpSpPr>
-      <p:grpSpPr>
-        <a:xfrm>
-          <a:off x="0" y="0"/>
-          <a:ext cx="0" cy="0"/>
-          <a:chOff x="0" y="0"/>
-          <a:chExt cx="0" cy="0"/>
-        </a:xfrm>
-      </p:grpSpPr>
-      <p:sp>
-        <p:nvSpPr>
-          <p:cNvPr id="307" name="Google Shape;307;g31851766b0d_0_75:notes"/>
-          <p:cNvSpPr>
-            <a:spLocks noGrp="1" noRot="1" noChangeAspect="1"/>
-          </p:cNvSpPr>
-          <p:nvPr>
-            <p:ph type="sldImg" idx="2"/>
-          </p:nvPr>
-        </p:nvSpPr>
-        <p:spPr>
-          <a:xfrm>
-            <a:off x="381188" y="685800"/>
-            <a:ext cx="6096300" cy="3429000"/>
-          </a:xfrm>
-          <a:custGeom>
-            <a:avLst/>
-            <a:gdLst/>
-            <a:ahLst/>
-            <a:cxnLst/>
-            <a:rect l="l" t="t" r="r" b="b"/>
-            <a:pathLst>
-              <a:path w="120000" h="120000" extrusionOk="0">
-                <a:moveTo>
-                  <a:pt x="0" y="0"/>
-                </a:moveTo>
-                <a:lnTo>
-                  <a:pt x="120000" y="0"/>
-                </a:lnTo>
-                <a:lnTo>
-                  <a:pt x="120000" y="120000"/>
-                </a:lnTo>
-                <a:lnTo>
-                  <a:pt x="0" y="120000"/>
-                </a:lnTo>
-                <a:close/>
-              </a:path>
-            </a:pathLst>
-          </a:custGeom>
-        </p:spPr>
-      </p:sp>
-      <p:sp>
-        <p:nvSpPr>
-          <p:cNvPr id="308" name="Google Shape;308;g31851766b0d_0_75:notes"/>
-          <p:cNvSpPr txBox="1">
-            <a:spLocks noGrp="1"/>
-          </p:cNvSpPr>
-          <p:nvPr>
-            <p:ph type="body" idx="1"/>
-          </p:nvPr>
-        </p:nvSpPr>
-        <p:spPr>
-          <a:xfrm>
-            <a:off x="685800" y="4343400"/>
-            <a:ext cx="5486400" cy="4114800"/>
-          </a:xfrm>
-          <a:prstGeom prst="rect">
-            <a:avLst/>
-          </a:prstGeom>
-        </p:spPr>
-        <p:txBody>
-          <a:bodyPr spcFirstLastPara="1" wrap="square" lIns="91425" tIns="91425" rIns="91425" bIns="91425" anchor="t" anchorCtr="0">
-            <a:noAutofit/>
-          </a:bodyPr>
-          <a:lstStyle/>
-          <a:p>
-            <a:pPr marL="0" lvl="0" indent="0" algn="l" rtl="0">
-              <a:spcBef>
-                <a:spcPts val="0"/>
-              </a:spcBef>
-              <a:spcAft>
-                <a:spcPts val="0"/>
-              </a:spcAft>
-              <a:buNone/>
-            </a:pPr>
-            <a:endParaRPr/>
-          </a:p>
-        </p:txBody>
-      </p:sp>
-    </p:spTree>
-  </p:cSld>
-  <p:clrMapOvr>
-    <a:masterClrMapping/>
-  </p:clrMapOvr>
-</p:notes>
-</file>
-
-<file path=ppt/notesSlides/notesSlide36.xml><?xml version="1.0" encoding="utf-8"?>
-<p:notes xmlns:a="http://schemas.openxmlformats.org/drawingml/2006/main" xmlns:r="http://schemas.openxmlformats.org/officeDocument/2006/relationships" xmlns:p="http://schemas.openxmlformats.org/presentationml/2006/main" showMasterSp="0" showMasterPhAnim="0">
-  <p:cSld>
-    <p:spTree>
-      <p:nvGrpSpPr>
-        <p:cNvPr id="1" name="Shape 312"/>
-        <p:cNvGrpSpPr/>
-        <p:nvPr/>
-      </p:nvGrpSpPr>
-      <p:grpSpPr>
-        <a:xfrm>
-          <a:off x="0" y="0"/>
-          <a:ext cx="0" cy="0"/>
-          <a:chOff x="0" y="0"/>
-          <a:chExt cx="0" cy="0"/>
-        </a:xfrm>
-      </p:grpSpPr>
-      <p:sp>
-        <p:nvSpPr>
-          <p:cNvPr id="313" name="Google Shape;313;g31851766b0d_0_114:notes"/>
-          <p:cNvSpPr>
-            <a:spLocks noGrp="1" noRot="1" noChangeAspect="1"/>
-          </p:cNvSpPr>
-          <p:nvPr>
-            <p:ph type="sldImg" idx="2"/>
-          </p:nvPr>
-        </p:nvSpPr>
-        <p:spPr>
-          <a:xfrm>
-            <a:off x="381188" y="685800"/>
-            <a:ext cx="6096300" cy="3429000"/>
-          </a:xfrm>
-          <a:custGeom>
-            <a:avLst/>
-            <a:gdLst/>
-            <a:ahLst/>
-            <a:cxnLst/>
-            <a:rect l="l" t="t" r="r" b="b"/>
-            <a:pathLst>
-              <a:path w="120000" h="120000" extrusionOk="0">
-                <a:moveTo>
-                  <a:pt x="0" y="0"/>
-                </a:moveTo>
-                <a:lnTo>
-                  <a:pt x="120000" y="0"/>
-                </a:lnTo>
-                <a:lnTo>
-                  <a:pt x="120000" y="120000"/>
-                </a:lnTo>
-                <a:lnTo>
-                  <a:pt x="0" y="120000"/>
-                </a:lnTo>
-                <a:close/>
-              </a:path>
-            </a:pathLst>
-          </a:custGeom>
-        </p:spPr>
-      </p:sp>
-      <p:sp>
-        <p:nvSpPr>
-          <p:cNvPr id="314" name="Google Shape;314;g31851766b0d_0_114:notes"/>
-          <p:cNvSpPr txBox="1">
-            <a:spLocks noGrp="1"/>
-          </p:cNvSpPr>
-          <p:nvPr>
-            <p:ph type="body" idx="1"/>
-          </p:nvPr>
-        </p:nvSpPr>
-        <p:spPr>
-          <a:xfrm>
-            <a:off x="685800" y="4343400"/>
-            <a:ext cx="5486400" cy="4114800"/>
-          </a:xfrm>
-          <a:prstGeom prst="rect">
-            <a:avLst/>
-          </a:prstGeom>
-        </p:spPr>
-        <p:txBody>
-          <a:bodyPr spcFirstLastPara="1" wrap="square" lIns="91425" tIns="91425" rIns="91425" bIns="91425" anchor="t" anchorCtr="0">
-            <a:noAutofit/>
-          </a:bodyPr>
-          <a:lstStyle/>
-          <a:p>
-            <a:pPr marL="0" lvl="0" indent="0" algn="l" rtl="0">
-              <a:spcBef>
-                <a:spcPts val="0"/>
-              </a:spcBef>
-              <a:spcAft>
-                <a:spcPts val="0"/>
-              </a:spcAft>
-              <a:buNone/>
-            </a:pPr>
-            <a:endParaRPr/>
-          </a:p>
-        </p:txBody>
-      </p:sp>
-    </p:spTree>
-  </p:cSld>
-  <p:clrMapOvr>
-    <a:masterClrMapping/>
-  </p:clrMapOvr>
-</p:notes>
-</file>
-
-<file path=ppt/notesSlides/notesSlide37.xml><?xml version="1.0" encoding="utf-8"?>
-<p:notes xmlns:a="http://schemas.openxmlformats.org/drawingml/2006/main" xmlns:r="http://schemas.openxmlformats.org/officeDocument/2006/relationships" xmlns:p="http://schemas.openxmlformats.org/presentationml/2006/main" showMasterSp="0" showMasterPhAnim="0">
-  <p:cSld>
-    <p:spTree>
-      <p:nvGrpSpPr>
-        <p:cNvPr id="1" name="Shape 318"/>
-        <p:cNvGrpSpPr/>
-        <p:nvPr/>
-      </p:nvGrpSpPr>
-      <p:grpSpPr>
-        <a:xfrm>
-          <a:off x="0" y="0"/>
-          <a:ext cx="0" cy="0"/>
-          <a:chOff x="0" y="0"/>
-          <a:chExt cx="0" cy="0"/>
-        </a:xfrm>
-      </p:grpSpPr>
-      <p:sp>
-        <p:nvSpPr>
-          <p:cNvPr id="319" name="Google Shape;319;g31851766b0d_0_122:notes"/>
-          <p:cNvSpPr>
-            <a:spLocks noGrp="1" noRot="1" noChangeAspect="1"/>
-          </p:cNvSpPr>
-          <p:nvPr>
-            <p:ph type="sldImg" idx="2"/>
-          </p:nvPr>
-        </p:nvSpPr>
-        <p:spPr>
-          <a:xfrm>
-            <a:off x="381188" y="685800"/>
-            <a:ext cx="6096300" cy="3429000"/>
-          </a:xfrm>
-          <a:custGeom>
-            <a:avLst/>
-            <a:gdLst/>
-            <a:ahLst/>
-            <a:cxnLst/>
-            <a:rect l="l" t="t" r="r" b="b"/>
-            <a:pathLst>
-              <a:path w="120000" h="120000" extrusionOk="0">
-                <a:moveTo>
-                  <a:pt x="0" y="0"/>
-                </a:moveTo>
-                <a:lnTo>
-                  <a:pt x="120000" y="0"/>
-                </a:lnTo>
-                <a:lnTo>
-                  <a:pt x="120000" y="120000"/>
-                </a:lnTo>
-                <a:lnTo>
-                  <a:pt x="0" y="120000"/>
-                </a:lnTo>
-                <a:close/>
-              </a:path>
-            </a:pathLst>
-          </a:custGeom>
-        </p:spPr>
-      </p:sp>
-      <p:sp>
-        <p:nvSpPr>
-          <p:cNvPr id="320" name="Google Shape;320;g31851766b0d_0_122:notes"/>
-          <p:cNvSpPr txBox="1">
-            <a:spLocks noGrp="1"/>
-          </p:cNvSpPr>
-          <p:nvPr>
-            <p:ph type="body" idx="1"/>
-          </p:nvPr>
-        </p:nvSpPr>
-        <p:spPr>
-          <a:xfrm>
-            <a:off x="685800" y="4343400"/>
-            <a:ext cx="5486400" cy="4114800"/>
-          </a:xfrm>
-          <a:prstGeom prst="rect">
-            <a:avLst/>
-          </a:prstGeom>
-        </p:spPr>
-        <p:txBody>
-          <a:bodyPr spcFirstLastPara="1" wrap="square" lIns="91425" tIns="91425" rIns="91425" bIns="91425" anchor="t" anchorCtr="0">
-            <a:noAutofit/>
-          </a:bodyPr>
-          <a:lstStyle/>
-          <a:p>
-            <a:pPr marL="0" lvl="0" indent="0" algn="l" rtl="0">
-              <a:spcBef>
-                <a:spcPts val="0"/>
-              </a:spcBef>
-              <a:spcAft>
-                <a:spcPts val="0"/>
-              </a:spcAft>
-              <a:buNone/>
-            </a:pPr>
-            <a:endParaRPr/>
-          </a:p>
-        </p:txBody>
-      </p:sp>
-    </p:spTree>
-  </p:cSld>
-  <p:clrMapOvr>
-    <a:masterClrMapping/>
-  </p:clrMapOvr>
-</p:notes>
-</file>
-
-<file path=ppt/notesSlides/notesSlide38.xml><?xml version="1.0" encoding="utf-8"?>
-<p:notes xmlns:a="http://schemas.openxmlformats.org/drawingml/2006/main" xmlns:r="http://schemas.openxmlformats.org/officeDocument/2006/relationships" xmlns:p="http://schemas.openxmlformats.org/presentationml/2006/main" showMasterSp="0" showMasterPhAnim="0">
-  <p:cSld>
-    <p:spTree>
-      <p:nvGrpSpPr>
-        <p:cNvPr id="1" name="Shape 324"/>
-        <p:cNvGrpSpPr/>
-        <p:nvPr/>
-      </p:nvGrpSpPr>
-      <p:grpSpPr>
-        <a:xfrm>
-          <a:off x="0" y="0"/>
-          <a:ext cx="0" cy="0"/>
-          <a:chOff x="0" y="0"/>
-          <a:chExt cx="0" cy="0"/>
-        </a:xfrm>
-      </p:grpSpPr>
-      <p:sp>
-        <p:nvSpPr>
-          <p:cNvPr id="325" name="Google Shape;325;g31851766b0d_0_80:notes"/>
-          <p:cNvSpPr>
-            <a:spLocks noGrp="1" noRot="1" noChangeAspect="1"/>
-          </p:cNvSpPr>
-          <p:nvPr>
-            <p:ph type="sldImg" idx="2"/>
-          </p:nvPr>
-        </p:nvSpPr>
-        <p:spPr>
-          <a:xfrm>
-            <a:off x="381188" y="685800"/>
-            <a:ext cx="6096300" cy="3429000"/>
-          </a:xfrm>
-          <a:custGeom>
-            <a:avLst/>
-            <a:gdLst/>
-            <a:ahLst/>
-            <a:cxnLst/>
-            <a:rect l="l" t="t" r="r" b="b"/>
-            <a:pathLst>
-              <a:path w="120000" h="120000" extrusionOk="0">
-                <a:moveTo>
-                  <a:pt x="0" y="0"/>
-                </a:moveTo>
-                <a:lnTo>
-                  <a:pt x="120000" y="0"/>
-                </a:lnTo>
-                <a:lnTo>
-                  <a:pt x="120000" y="120000"/>
-                </a:lnTo>
-                <a:lnTo>
-                  <a:pt x="0" y="120000"/>
-                </a:lnTo>
-                <a:close/>
-              </a:path>
-            </a:pathLst>
-          </a:custGeom>
-        </p:spPr>
-      </p:sp>
-      <p:sp>
-        <p:nvSpPr>
-          <p:cNvPr id="326" name="Google Shape;326;g31851766b0d_0_80:notes"/>
-          <p:cNvSpPr txBox="1">
-            <a:spLocks noGrp="1"/>
-          </p:cNvSpPr>
-          <p:nvPr>
-            <p:ph type="body" idx="1"/>
-          </p:nvPr>
-        </p:nvSpPr>
-        <p:spPr>
-          <a:xfrm>
-            <a:off x="685800" y="4343400"/>
-            <a:ext cx="5486400" cy="4114800"/>
-          </a:xfrm>
-          <a:prstGeom prst="rect">
-            <a:avLst/>
-          </a:prstGeom>
-        </p:spPr>
-        <p:txBody>
-          <a:bodyPr spcFirstLastPara="1" wrap="square" lIns="91425" tIns="91425" rIns="91425" bIns="91425" anchor="t" anchorCtr="0">
-            <a:noAutofit/>
-          </a:bodyPr>
-          <a:lstStyle/>
-          <a:p>
-            <a:pPr marL="0" lvl="0" indent="0" algn="l" rtl="0">
-              <a:spcBef>
-                <a:spcPts val="0"/>
-              </a:spcBef>
-              <a:spcAft>
-                <a:spcPts val="0"/>
-              </a:spcAft>
-              <a:buNone/>
-            </a:pPr>
-            <a:endParaRPr/>
-          </a:p>
-        </p:txBody>
-      </p:sp>
-    </p:spTree>
-  </p:cSld>
-  <p:clrMapOvr>
-    <a:masterClrMapping/>
-  </p:clrMapOvr>
-</p:notes>
-</file>
-
-<file path=ppt/notesSlides/notesSlide39.xml><?xml version="1.0" encoding="utf-8"?>
-<p:notes xmlns:a="http://schemas.openxmlformats.org/drawingml/2006/main" xmlns:r="http://schemas.openxmlformats.org/officeDocument/2006/relationships" xmlns:p="http://schemas.openxmlformats.org/presentationml/2006/main" showMasterSp="0" showMasterPhAnim="0">
-  <p:cSld>
-    <p:spTree>
-      <p:nvGrpSpPr>
-        <p:cNvPr id="1" name="Shape 330"/>
-        <p:cNvGrpSpPr/>
-        <p:nvPr/>
-      </p:nvGrpSpPr>
-      <p:grpSpPr>
-        <a:xfrm>
-          <a:off x="0" y="0"/>
-          <a:ext cx="0" cy="0"/>
-          <a:chOff x="0" y="0"/>
-          <a:chExt cx="0" cy="0"/>
-        </a:xfrm>
-      </p:grpSpPr>
-      <p:sp>
-        <p:nvSpPr>
-          <p:cNvPr id="331" name="Google Shape;331;g31851766b0d_0_133:notes"/>
-          <p:cNvSpPr>
-            <a:spLocks noGrp="1" noRot="1" noChangeAspect="1"/>
-          </p:cNvSpPr>
-          <p:nvPr>
-            <p:ph type="sldImg" idx="2"/>
-          </p:nvPr>
-        </p:nvSpPr>
-        <p:spPr>
-          <a:xfrm>
-            <a:off x="381188" y="685800"/>
-            <a:ext cx="6096300" cy="3429000"/>
-          </a:xfrm>
-          <a:custGeom>
-            <a:avLst/>
-            <a:gdLst/>
-            <a:ahLst/>
-            <a:cxnLst/>
-            <a:rect l="l" t="t" r="r" b="b"/>
-            <a:pathLst>
-              <a:path w="120000" h="120000" extrusionOk="0">
-                <a:moveTo>
-                  <a:pt x="0" y="0"/>
-                </a:moveTo>
-                <a:lnTo>
-                  <a:pt x="120000" y="0"/>
-                </a:lnTo>
-                <a:lnTo>
-                  <a:pt x="120000" y="120000"/>
-                </a:lnTo>
-                <a:lnTo>
-                  <a:pt x="0" y="120000"/>
-                </a:lnTo>
-                <a:close/>
-              </a:path>
-            </a:pathLst>
-          </a:custGeom>
-        </p:spPr>
-      </p:sp>
-      <p:sp>
-        <p:nvSpPr>
-          <p:cNvPr id="332" name="Google Shape;332;g31851766b0d_0_133:notes"/>
-          <p:cNvSpPr txBox="1">
-            <a:spLocks noGrp="1"/>
-          </p:cNvSpPr>
-          <p:nvPr>
-            <p:ph type="body" idx="1"/>
-          </p:nvPr>
-        </p:nvSpPr>
-        <p:spPr>
-          <a:xfrm>
-            <a:off x="685800" y="4343400"/>
-            <a:ext cx="5486400" cy="4114800"/>
-          </a:xfrm>
-          <a:prstGeom prst="rect">
-            <a:avLst/>
-          </a:prstGeom>
-        </p:spPr>
-        <p:txBody>
-          <a:bodyPr spcFirstLastPara="1" wrap="square" lIns="91425" tIns="91425" rIns="91425" bIns="91425" anchor="t" anchorCtr="0">
-            <a:noAutofit/>
-          </a:bodyPr>
-          <a:lstStyle/>
-          <a:p>
-            <a:pPr marL="0" lvl="0" indent="0" algn="l" rtl="0">
-              <a:spcBef>
-                <a:spcPts val="0"/>
-              </a:spcBef>
-              <a:spcAft>
-                <a:spcPts val="0"/>
-              </a:spcAft>
-              <a:buNone/>
-            </a:pPr>
-            <a:endParaRPr/>
-          </a:p>
-        </p:txBody>
-      </p:sp>
-    </p:spTree>
-  </p:cSld>
-  <p:clrMapOvr>
-    <a:masterClrMapping/>
-  </p:clrMapOvr>
-</p:notes>
-</file>
-
-<file path=ppt/notesSlides/notesSlide4.xml><?xml version="1.0" encoding="utf-8"?>
-<p:notes xmlns:a="http://schemas.openxmlformats.org/drawingml/2006/main" xmlns:r="http://schemas.openxmlformats.org/officeDocument/2006/relationships" xmlns:p="http://schemas.openxmlformats.org/presentationml/2006/main" showMasterSp="0" showMasterPhAnim="0">
-  <p:cSld>
-    <p:spTree>
-      <p:nvGrpSpPr>
-        <p:cNvPr id="1" name="Shape 73"/>
-        <p:cNvGrpSpPr/>
-        <p:nvPr/>
-      </p:nvGrpSpPr>
-      <p:grpSpPr>
-        <a:xfrm>
-          <a:off x="0" y="0"/>
-          <a:ext cx="0" cy="0"/>
-          <a:chOff x="0" y="0"/>
-          <a:chExt cx="0" cy="0"/>
-        </a:xfrm>
-      </p:grpSpPr>
-      <p:sp>
-        <p:nvSpPr>
-          <p:cNvPr id="74" name="Google Shape;74;gc6f90357f_0_9:notes"/>
-          <p:cNvSpPr>
-            <a:spLocks noGrp="1" noRot="1" noChangeAspect="1"/>
-          </p:cNvSpPr>
-          <p:nvPr>
-            <p:ph type="sldImg" idx="2"/>
-          </p:nvPr>
-        </p:nvSpPr>
-        <p:spPr>
-          <a:xfrm>
-            <a:off x="381188" y="685800"/>
-            <a:ext cx="6096300" cy="3429000"/>
-          </a:xfrm>
-          <a:custGeom>
-            <a:avLst/>
-            <a:gdLst/>
-            <a:ahLst/>
-            <a:cxnLst/>
-            <a:rect l="l" t="t" r="r" b="b"/>
-            <a:pathLst>
-              <a:path w="120000" h="120000" extrusionOk="0">
-                <a:moveTo>
-                  <a:pt x="0" y="0"/>
-                </a:moveTo>
-                <a:lnTo>
-                  <a:pt x="120000" y="0"/>
-                </a:lnTo>
-                <a:lnTo>
-                  <a:pt x="120000" y="120000"/>
-                </a:lnTo>
-                <a:lnTo>
-                  <a:pt x="0" y="120000"/>
-                </a:lnTo>
-                <a:close/>
-              </a:path>
-            </a:pathLst>
-          </a:custGeom>
-        </p:spPr>
-      </p:sp>
-      <p:sp>
-        <p:nvSpPr>
-          <p:cNvPr id="75" name="Google Shape;75;gc6f90357f_0_9:notes"/>
-          <p:cNvSpPr txBox="1">
-            <a:spLocks noGrp="1"/>
-          </p:cNvSpPr>
-          <p:nvPr>
-            <p:ph type="body" idx="1"/>
-          </p:nvPr>
-        </p:nvSpPr>
-        <p:spPr>
-          <a:xfrm>
-            <a:off x="685800" y="4343400"/>
-            <a:ext cx="5486400" cy="4114800"/>
-          </a:xfrm>
-          <a:prstGeom prst="rect">
-            <a:avLst/>
-          </a:prstGeom>
-        </p:spPr>
-        <p:txBody>
-          <a:bodyPr spcFirstLastPara="1" wrap="square" lIns="91425" tIns="91425" rIns="91425" bIns="91425" anchor="t" anchorCtr="0">
-            <a:noAutofit/>
-          </a:bodyPr>
-          <a:lstStyle/>
-          <a:p>
-            <a:pPr marL="0" lvl="0" indent="0" algn="l" rtl="0">
-              <a:spcBef>
-                <a:spcPts val="0"/>
-              </a:spcBef>
-              <a:spcAft>
-                <a:spcPts val="0"/>
-              </a:spcAft>
-              <a:buNone/>
-            </a:pPr>
-            <a:endParaRPr/>
-          </a:p>
-        </p:txBody>
-      </p:sp>
-    </p:spTree>
-  </p:cSld>
-  <p:clrMapOvr>
-    <a:masterClrMapping/>
-  </p:clrMapOvr>
-</p:notes>
-</file>
-
-<file path=ppt/notesSlides/notesSlide40.xml><?xml version="1.0" encoding="utf-8"?>
-<p:notes xmlns:a="http://schemas.openxmlformats.org/drawingml/2006/main" xmlns:r="http://schemas.openxmlformats.org/officeDocument/2006/relationships" xmlns:p="http://schemas.openxmlformats.org/presentationml/2006/main" showMasterSp="0" showMasterPhAnim="0">
-  <p:cSld>
-    <p:spTree>
-      <p:nvGrpSpPr>
-        <p:cNvPr id="1" name="Shape 336"/>
-        <p:cNvGrpSpPr/>
-        <p:nvPr/>
-      </p:nvGrpSpPr>
-      <p:grpSpPr>
-        <a:xfrm>
-          <a:off x="0" y="0"/>
-          <a:ext cx="0" cy="0"/>
-          <a:chOff x="0" y="0"/>
-          <a:chExt cx="0" cy="0"/>
-        </a:xfrm>
-      </p:grpSpPr>
-      <p:sp>
-        <p:nvSpPr>
-          <p:cNvPr id="337" name="Google Shape;337;g31851766b0d_0_153:notes"/>
-          <p:cNvSpPr>
-            <a:spLocks noGrp="1" noRot="1" noChangeAspect="1"/>
-          </p:cNvSpPr>
-          <p:nvPr>
-            <p:ph type="sldImg" idx="2"/>
-          </p:nvPr>
-        </p:nvSpPr>
-        <p:spPr>
-          <a:xfrm>
-            <a:off x="381188" y="685800"/>
-            <a:ext cx="6096300" cy="3429000"/>
-          </a:xfrm>
-          <a:custGeom>
-            <a:avLst/>
-            <a:gdLst/>
-            <a:ahLst/>
-            <a:cxnLst/>
-            <a:rect l="l" t="t" r="r" b="b"/>
-            <a:pathLst>
-              <a:path w="120000" h="120000" extrusionOk="0">
-                <a:moveTo>
-                  <a:pt x="0" y="0"/>
-                </a:moveTo>
-                <a:lnTo>
-                  <a:pt x="120000" y="0"/>
-                </a:lnTo>
-                <a:lnTo>
-                  <a:pt x="120000" y="120000"/>
-                </a:lnTo>
-                <a:lnTo>
-                  <a:pt x="0" y="120000"/>
-                </a:lnTo>
-                <a:close/>
-              </a:path>
-            </a:pathLst>
-          </a:custGeom>
-        </p:spPr>
-      </p:sp>
-      <p:sp>
-        <p:nvSpPr>
-          <p:cNvPr id="338" name="Google Shape;338;g31851766b0d_0_153:notes"/>
-          <p:cNvSpPr txBox="1">
-            <a:spLocks noGrp="1"/>
-          </p:cNvSpPr>
-          <p:nvPr>
-            <p:ph type="body" idx="1"/>
-          </p:nvPr>
-        </p:nvSpPr>
-        <p:spPr>
-          <a:xfrm>
-            <a:off x="685800" y="4343400"/>
-            <a:ext cx="5486400" cy="4114800"/>
-          </a:xfrm>
-          <a:prstGeom prst="rect">
-            <a:avLst/>
-          </a:prstGeom>
-        </p:spPr>
-        <p:txBody>
-          <a:bodyPr spcFirstLastPara="1" wrap="square" lIns="91425" tIns="91425" rIns="91425" bIns="91425" anchor="t" anchorCtr="0">
-            <a:noAutofit/>
-          </a:bodyPr>
-          <a:lstStyle/>
-          <a:p>
-            <a:pPr marL="0" lvl="0" indent="0" algn="l" rtl="0">
-              <a:spcBef>
-                <a:spcPts val="0"/>
-              </a:spcBef>
-              <a:spcAft>
-                <a:spcPts val="0"/>
-              </a:spcAft>
-              <a:buNone/>
-            </a:pPr>
-            <a:endParaRPr/>
-          </a:p>
-        </p:txBody>
-      </p:sp>
-    </p:spTree>
-  </p:cSld>
-  <p:clrMapOvr>
-    <a:masterClrMapping/>
-  </p:clrMapOvr>
-</p:notes>
-</file>
-
-<file path=ppt/notesSlides/notesSlide41.xml><?xml version="1.0" encoding="utf-8"?>
-<p:notes xmlns:a="http://schemas.openxmlformats.org/drawingml/2006/main" xmlns:r="http://schemas.openxmlformats.org/officeDocument/2006/relationships" xmlns:p="http://schemas.openxmlformats.org/presentationml/2006/main" showMasterSp="0" showMasterPhAnim="0">
-  <p:cSld>
-    <p:spTree>
-      <p:nvGrpSpPr>
-        <p:cNvPr id="1" name="Shape 342"/>
-        <p:cNvGrpSpPr/>
-        <p:nvPr/>
-      </p:nvGrpSpPr>
-      <p:grpSpPr>
-        <a:xfrm>
-          <a:off x="0" y="0"/>
-          <a:ext cx="0" cy="0"/>
-          <a:chOff x="0" y="0"/>
-          <a:chExt cx="0" cy="0"/>
-        </a:xfrm>
-      </p:grpSpPr>
-      <p:sp>
-        <p:nvSpPr>
-          <p:cNvPr id="343" name="Google Shape;343;g31851766b0d_0_140:notes"/>
-          <p:cNvSpPr>
-            <a:spLocks noGrp="1" noRot="1" noChangeAspect="1"/>
-          </p:cNvSpPr>
-          <p:nvPr>
-            <p:ph type="sldImg" idx="2"/>
-          </p:nvPr>
-        </p:nvSpPr>
-        <p:spPr>
-          <a:xfrm>
-            <a:off x="381000" y="685800"/>
-            <a:ext cx="6096000" cy="3429000"/>
-          </a:xfrm>
-          <a:custGeom>
-            <a:avLst/>
-            <a:gdLst/>
-            <a:ahLst/>
-            <a:cxnLst/>
-            <a:rect l="l" t="t" r="r" b="b"/>
-            <a:pathLst>
-              <a:path w="120000" h="120000" extrusionOk="0">
-                <a:moveTo>
-                  <a:pt x="0" y="0"/>
-                </a:moveTo>
-                <a:lnTo>
-                  <a:pt x="120000" y="0"/>
-                </a:lnTo>
-                <a:lnTo>
-                  <a:pt x="120000" y="120000"/>
-                </a:lnTo>
-                <a:lnTo>
-                  <a:pt x="0" y="120000"/>
-                </a:lnTo>
-                <a:close/>
-              </a:path>
-            </a:pathLst>
-          </a:custGeom>
-        </p:spPr>
-      </p:sp>
-      <p:sp>
-        <p:nvSpPr>
-          <p:cNvPr id="344" name="Google Shape;344;g31851766b0d_0_140:notes"/>
-          <p:cNvSpPr txBox="1">
-            <a:spLocks noGrp="1"/>
-          </p:cNvSpPr>
-          <p:nvPr>
-            <p:ph type="body" idx="1"/>
-          </p:nvPr>
-        </p:nvSpPr>
-        <p:spPr>
-          <a:xfrm>
-            <a:off x="685800" y="4343400"/>
-            <a:ext cx="5486400" cy="4114800"/>
-          </a:xfrm>
-          <a:prstGeom prst="rect">
-            <a:avLst/>
-          </a:prstGeom>
-        </p:spPr>
-        <p:txBody>
-          <a:bodyPr spcFirstLastPara="1" wrap="square" lIns="91425" tIns="91425" rIns="91425" bIns="91425" anchor="t" anchorCtr="0">
-            <a:noAutofit/>
-          </a:bodyPr>
-          <a:lstStyle/>
-          <a:p>
-            <a:pPr marL="0" lvl="0" indent="0" algn="l" rtl="0">
-              <a:spcBef>
-                <a:spcPts val="0"/>
-              </a:spcBef>
-              <a:spcAft>
-                <a:spcPts val="0"/>
-              </a:spcAft>
-              <a:buNone/>
-            </a:pPr>
-            <a:endParaRPr/>
-          </a:p>
-        </p:txBody>
-      </p:sp>
-    </p:spTree>
-  </p:cSld>
-  <p:clrMapOvr>
-    <a:masterClrMapping/>
-  </p:clrMapOvr>
-</p:notes>
-</file>
-
-<file path=ppt/notesSlides/notesSlide42.xml><?xml version="1.0" encoding="utf-8"?>
-<p:notes xmlns:a="http://schemas.openxmlformats.org/drawingml/2006/main" xmlns:r="http://schemas.openxmlformats.org/officeDocument/2006/relationships" xmlns:p="http://schemas.openxmlformats.org/presentationml/2006/main" showMasterSp="0" showMasterPhAnim="0">
-  <p:cSld>
-    <p:spTree>
-      <p:nvGrpSpPr>
-        <p:cNvPr id="1" name="Shape 348"/>
-        <p:cNvGrpSpPr/>
-        <p:nvPr/>
-      </p:nvGrpSpPr>
-      <p:grpSpPr>
-        <a:xfrm>
-          <a:off x="0" y="0"/>
-          <a:ext cx="0" cy="0"/>
-          <a:chOff x="0" y="0"/>
-          <a:chExt cx="0" cy="0"/>
-        </a:xfrm>
-      </p:grpSpPr>
-      <p:sp>
-        <p:nvSpPr>
-          <p:cNvPr id="349" name="Google Shape;349;g31851766b0d_0_186:notes"/>
-          <p:cNvSpPr>
-            <a:spLocks noGrp="1" noRot="1" noChangeAspect="1"/>
-          </p:cNvSpPr>
-          <p:nvPr>
-            <p:ph type="sldImg" idx="2"/>
-          </p:nvPr>
-        </p:nvSpPr>
-        <p:spPr>
-          <a:xfrm>
-            <a:off x="381000" y="685800"/>
-            <a:ext cx="6096000" cy="3429000"/>
-          </a:xfrm>
-          <a:custGeom>
-            <a:avLst/>
-            <a:gdLst/>
-            <a:ahLst/>
-            <a:cxnLst/>
-            <a:rect l="l" t="t" r="r" b="b"/>
-            <a:pathLst>
-              <a:path w="120000" h="120000" extrusionOk="0">
-                <a:moveTo>
-                  <a:pt x="0" y="0"/>
-                </a:moveTo>
-                <a:lnTo>
-                  <a:pt x="120000" y="0"/>
-                </a:lnTo>
-                <a:lnTo>
-                  <a:pt x="120000" y="120000"/>
-                </a:lnTo>
-                <a:lnTo>
-                  <a:pt x="0" y="120000"/>
-                </a:lnTo>
-                <a:close/>
-              </a:path>
-            </a:pathLst>
-          </a:custGeom>
-        </p:spPr>
-      </p:sp>
-      <p:sp>
-        <p:nvSpPr>
-          <p:cNvPr id="350" name="Google Shape;350;g31851766b0d_0_186:notes"/>
-          <p:cNvSpPr txBox="1">
-            <a:spLocks noGrp="1"/>
-          </p:cNvSpPr>
-          <p:nvPr>
-            <p:ph type="body" idx="1"/>
-          </p:nvPr>
-        </p:nvSpPr>
-        <p:spPr>
-          <a:xfrm>
-            <a:off x="685800" y="4343400"/>
-            <a:ext cx="5486400" cy="4114800"/>
-          </a:xfrm>
-          <a:prstGeom prst="rect">
-            <a:avLst/>
-          </a:prstGeom>
-        </p:spPr>
-        <p:txBody>
-          <a:bodyPr spcFirstLastPara="1" wrap="square" lIns="91425" tIns="91425" rIns="91425" bIns="91425" anchor="t" anchorCtr="0">
-            <a:noAutofit/>
-          </a:bodyPr>
-          <a:lstStyle/>
-          <a:p>
-            <a:pPr marL="0" lvl="0" indent="0" algn="l" rtl="0">
-              <a:spcBef>
-                <a:spcPts val="0"/>
-              </a:spcBef>
-              <a:spcAft>
-                <a:spcPts val="0"/>
-              </a:spcAft>
-              <a:buNone/>
-            </a:pPr>
-            <a:endParaRPr/>
-          </a:p>
-        </p:txBody>
-      </p:sp>
-    </p:spTree>
-  </p:cSld>
-  <p:clrMapOvr>
-    <a:masterClrMapping/>
-  </p:clrMapOvr>
-</p:notes>
-</file>
-
-<file path=ppt/notesSlides/notesSlide43.xml><?xml version="1.0" encoding="utf-8"?>
-<p:notes xmlns:a="http://schemas.openxmlformats.org/drawingml/2006/main" xmlns:r="http://schemas.openxmlformats.org/officeDocument/2006/relationships" xmlns:p="http://schemas.openxmlformats.org/presentationml/2006/main" showMasterSp="0" showMasterPhAnim="0">
-  <p:cSld>
-    <p:spTree>
-      <p:nvGrpSpPr>
-        <p:cNvPr id="1" name="Shape 354"/>
-        <p:cNvGrpSpPr/>
-        <p:nvPr/>
-      </p:nvGrpSpPr>
-      <p:grpSpPr>
-        <a:xfrm>
-          <a:off x="0" y="0"/>
-          <a:ext cx="0" cy="0"/>
-          <a:chOff x="0" y="0"/>
-          <a:chExt cx="0" cy="0"/>
-        </a:xfrm>
-      </p:grpSpPr>
-      <p:sp>
-        <p:nvSpPr>
-          <p:cNvPr id="355" name="Google Shape;355;g31851766b0d_0_146:notes"/>
-          <p:cNvSpPr>
-            <a:spLocks noGrp="1" noRot="1" noChangeAspect="1"/>
-          </p:cNvSpPr>
-          <p:nvPr>
-            <p:ph type="sldImg" idx="2"/>
-          </p:nvPr>
-        </p:nvSpPr>
-        <p:spPr>
-          <a:xfrm>
-            <a:off x="381000" y="685800"/>
-            <a:ext cx="6096000" cy="3429000"/>
-          </a:xfrm>
-          <a:custGeom>
-            <a:avLst/>
-            <a:gdLst/>
-            <a:ahLst/>
-            <a:cxnLst/>
-            <a:rect l="l" t="t" r="r" b="b"/>
-            <a:pathLst>
-              <a:path w="120000" h="120000" extrusionOk="0">
-                <a:moveTo>
-                  <a:pt x="0" y="0"/>
-                </a:moveTo>
-                <a:lnTo>
-                  <a:pt x="120000" y="0"/>
-                </a:lnTo>
-                <a:lnTo>
-                  <a:pt x="120000" y="120000"/>
-                </a:lnTo>
-                <a:lnTo>
-                  <a:pt x="0" y="120000"/>
-                </a:lnTo>
-                <a:close/>
-              </a:path>
-            </a:pathLst>
-          </a:custGeom>
-        </p:spPr>
-      </p:sp>
-      <p:sp>
-        <p:nvSpPr>
-          <p:cNvPr id="356" name="Google Shape;356;g31851766b0d_0_146:notes"/>
-          <p:cNvSpPr txBox="1">
-            <a:spLocks noGrp="1"/>
-          </p:cNvSpPr>
-          <p:nvPr>
-            <p:ph type="body" idx="1"/>
-          </p:nvPr>
-        </p:nvSpPr>
-        <p:spPr>
-          <a:xfrm>
-            <a:off x="685800" y="4343400"/>
-            <a:ext cx="5486400" cy="4114800"/>
-          </a:xfrm>
-          <a:prstGeom prst="rect">
-            <a:avLst/>
-          </a:prstGeom>
-        </p:spPr>
-        <p:txBody>
-          <a:bodyPr spcFirstLastPara="1" wrap="square" lIns="91425" tIns="91425" rIns="91425" bIns="91425" anchor="t" anchorCtr="0">
-            <a:noAutofit/>
-          </a:bodyPr>
-          <a:lstStyle/>
-          <a:p>
-            <a:pPr marL="0" lvl="0" indent="0" algn="l" rtl="0">
-              <a:spcBef>
-                <a:spcPts val="0"/>
-              </a:spcBef>
-              <a:spcAft>
-                <a:spcPts val="0"/>
-              </a:spcAft>
-              <a:buNone/>
-            </a:pPr>
-            <a:endParaRPr/>
-          </a:p>
-        </p:txBody>
-      </p:sp>
-    </p:spTree>
-  </p:cSld>
-  <p:clrMapOvr>
-    <a:masterClrMapping/>
-  </p:clrMapOvr>
-</p:notes>
-</file>
-
-<file path=ppt/notesSlides/notesSlide44.xml><?xml version="1.0" encoding="utf-8"?>
-<p:notes xmlns:a="http://schemas.openxmlformats.org/drawingml/2006/main" xmlns:r="http://schemas.openxmlformats.org/officeDocument/2006/relationships" xmlns:p="http://schemas.openxmlformats.org/presentationml/2006/main" showMasterSp="0" showMasterPhAnim="0">
-  <p:cSld>
-    <p:spTree>
-      <p:nvGrpSpPr>
         <p:cNvPr id="1" name="Shape 360"/>
         <p:cNvGrpSpPr/>
         <p:nvPr/>
@@ -4821,7 +3351,7 @@
 </p:notes>
 </file>
 
-<file path=ppt/notesSlides/notesSlide45.xml><?xml version="1.0" encoding="utf-8"?>
+<file path=ppt/notesSlides/notesSlide32.xml><?xml version="1.0" encoding="utf-8"?>
 <p:notes xmlns:a="http://schemas.openxmlformats.org/drawingml/2006/main" xmlns:r="http://schemas.openxmlformats.org/officeDocument/2006/relationships" xmlns:p="http://schemas.openxmlformats.org/presentationml/2006/main" showMasterSp="0" showMasterPhAnim="0">
   <p:cSld>
     <p:spTree>
@@ -4925,7 +3455,7 @@
 </p:notes>
 </file>
 
-<file path=ppt/notesSlides/notesSlide46.xml><?xml version="1.0" encoding="utf-8"?>
+<file path=ppt/notesSlides/notesSlide33.xml><?xml version="1.0" encoding="utf-8"?>
 <p:notes xmlns:a="http://schemas.openxmlformats.org/drawingml/2006/main" xmlns:r="http://schemas.openxmlformats.org/officeDocument/2006/relationships" xmlns:p="http://schemas.openxmlformats.org/presentationml/2006/main" showMasterSp="0" showMasterPhAnim="0">
   <p:cSld>
     <p:spTree>
@@ -5029,7 +3559,7 @@
 </p:notes>
 </file>
 
-<file path=ppt/notesSlides/notesSlide47.xml><?xml version="1.0" encoding="utf-8"?>
+<file path=ppt/notesSlides/notesSlide34.xml><?xml version="1.0" encoding="utf-8"?>
 <p:notes xmlns:a="http://schemas.openxmlformats.org/drawingml/2006/main" xmlns:r="http://schemas.openxmlformats.org/officeDocument/2006/relationships" xmlns:p="http://schemas.openxmlformats.org/presentationml/2006/main" showMasterSp="0" showMasterPhAnim="0">
   <p:cSld>
     <p:spTree>
@@ -5133,7 +3663,7 @@
 </p:notes>
 </file>
 
-<file path=ppt/notesSlides/notesSlide48.xml><?xml version="1.0" encoding="utf-8"?>
+<file path=ppt/notesSlides/notesSlide35.xml><?xml version="1.0" encoding="utf-8"?>
 <p:notes xmlns:a="http://schemas.openxmlformats.org/drawingml/2006/main" xmlns:r="http://schemas.openxmlformats.org/officeDocument/2006/relationships" xmlns:p="http://schemas.openxmlformats.org/presentationml/2006/main" showMasterSp="0" showMasterPhAnim="0">
   <p:cSld>
     <p:spTree>
@@ -5237,7 +3767,7 @@
 </p:notes>
 </file>
 
-<file path=ppt/notesSlides/notesSlide49.xml><?xml version="1.0" encoding="utf-8"?>
+<file path=ppt/notesSlides/notesSlide36.xml><?xml version="1.0" encoding="utf-8"?>
 <p:notes xmlns:a="http://schemas.openxmlformats.org/drawingml/2006/main" xmlns:r="http://schemas.openxmlformats.org/officeDocument/2006/relationships" xmlns:p="http://schemas.openxmlformats.org/presentationml/2006/main" showMasterSp="0" showMasterPhAnim="0">
   <p:cSld>
     <p:spTree>
@@ -5364,6 +3894,110 @@
 </p:notes>
 </file>
 
+<file path=ppt/notesSlides/notesSlide4.xml><?xml version="1.0" encoding="utf-8"?>
+<p:notes xmlns:a="http://schemas.openxmlformats.org/drawingml/2006/main" xmlns:r="http://schemas.openxmlformats.org/officeDocument/2006/relationships" xmlns:p="http://schemas.openxmlformats.org/presentationml/2006/main" showMasterSp="0" showMasterPhAnim="0">
+  <p:cSld>
+    <p:spTree>
+      <p:nvGrpSpPr>
+        <p:cNvPr id="1" name="Shape 73"/>
+        <p:cNvGrpSpPr/>
+        <p:nvPr/>
+      </p:nvGrpSpPr>
+      <p:grpSpPr>
+        <a:xfrm>
+          <a:off x="0" y="0"/>
+          <a:ext cx="0" cy="0"/>
+          <a:chOff x="0" y="0"/>
+          <a:chExt cx="0" cy="0"/>
+        </a:xfrm>
+      </p:grpSpPr>
+      <p:sp>
+        <p:nvSpPr>
+          <p:cNvPr id="74" name="Google Shape;74;gc6f90357f_0_9:notes"/>
+          <p:cNvSpPr>
+            <a:spLocks noGrp="1" noRot="1" noChangeAspect="1"/>
+          </p:cNvSpPr>
+          <p:nvPr>
+            <p:ph type="sldImg" idx="2"/>
+          </p:nvPr>
+        </p:nvSpPr>
+        <p:spPr>
+          <a:xfrm>
+            <a:off x="381188" y="685800"/>
+            <a:ext cx="6096300" cy="3429000"/>
+          </a:xfrm>
+          <a:custGeom>
+            <a:avLst/>
+            <a:gdLst/>
+            <a:ahLst/>
+            <a:cxnLst/>
+            <a:rect l="l" t="t" r="r" b="b"/>
+            <a:pathLst>
+              <a:path w="120000" h="120000" extrusionOk="0">
+                <a:moveTo>
+                  <a:pt x="0" y="0"/>
+                </a:moveTo>
+                <a:lnTo>
+                  <a:pt x="120000" y="0"/>
+                </a:lnTo>
+                <a:lnTo>
+                  <a:pt x="120000" y="120000"/>
+                </a:lnTo>
+                <a:lnTo>
+                  <a:pt x="0" y="120000"/>
+                </a:lnTo>
+                <a:close/>
+              </a:path>
+            </a:pathLst>
+          </a:custGeom>
+        </p:spPr>
+      </p:sp>
+      <p:sp>
+        <p:nvSpPr>
+          <p:cNvPr id="75" name="Google Shape;75;gc6f90357f_0_9:notes"/>
+          <p:cNvSpPr txBox="1">
+            <a:spLocks noGrp="1"/>
+          </p:cNvSpPr>
+          <p:nvPr>
+            <p:ph type="body" idx="1"/>
+          </p:nvPr>
+        </p:nvSpPr>
+        <p:spPr>
+          <a:xfrm>
+            <a:off x="685800" y="4343400"/>
+            <a:ext cx="5486400" cy="4114800"/>
+          </a:xfrm>
+          <a:prstGeom prst="rect">
+            <a:avLst/>
+          </a:prstGeom>
+        </p:spPr>
+        <p:txBody>
+          <a:bodyPr spcFirstLastPara="1" wrap="square" lIns="91425" tIns="91425" rIns="91425" bIns="91425" anchor="t" anchorCtr="0">
+            <a:noAutofit/>
+          </a:bodyPr>
+          <a:lstStyle/>
+          <a:p>
+            <a:pPr marL="0" lvl="0" indent="0" algn="l" rtl="0">
+              <a:spcBef>
+                <a:spcPts val="0"/>
+              </a:spcBef>
+              <a:spcAft>
+                <a:spcPts val="0"/>
+              </a:spcAft>
+              <a:buNone/>
+            </a:pPr>
+            <a:endParaRPr/>
+          </a:p>
+        </p:txBody>
+      </p:sp>
+    </p:spTree>
+  </p:cSld>
+  <p:clrMapOvr>
+    <a:masterClrMapping/>
+  </p:clrMapOvr>
+</p:notes>
+</file>
+
 <file path=ppt/notesSlides/notesSlide5.xml><?xml version="1.0" encoding="utf-8"?>
 <p:notes xmlns:a="http://schemas.openxmlformats.org/drawingml/2006/main" xmlns:r="http://schemas.openxmlformats.org/officeDocument/2006/relationships" xmlns:p="http://schemas.openxmlformats.org/presentationml/2006/main" showMasterSp="0" showMasterPhAnim="0">
   <p:cSld>
@@ -5461,133 +4095,6 @@
         </p:txBody>
       </p:sp>
     </p:spTree>
-  </p:cSld>
-  <p:clrMapOvr>
-    <a:masterClrMapping/>
-  </p:clrMapOvr>
-</p:notes>
-</file>
-
-<file path=ppt/notesSlides/notesSlide50.xml><?xml version="1.0" encoding="utf-8"?>
-<p:notes xmlns:a="http://schemas.openxmlformats.org/drawingml/2006/main" xmlns:r="http://schemas.openxmlformats.org/officeDocument/2006/relationships" xmlns:p="http://schemas.openxmlformats.org/presentationml/2006/main" showMasterSp="0" showMasterPhAnim="0">
-  <p:cSld>
-    <p:spTree>
-      <p:nvGrpSpPr>
-        <p:cNvPr id="1" name="Shape 384">
-          <a:extLst>
-            <a:ext uri="{FF2B5EF4-FFF2-40B4-BE49-F238E27FC236}">
-              <a16:creationId xmlns:a16="http://schemas.microsoft.com/office/drawing/2014/main" id="{D1DD906A-00A2-A23B-AAC6-581A45162922}"/>
-            </a:ext>
-          </a:extLst>
-        </p:cNvPr>
-        <p:cNvGrpSpPr/>
-        <p:nvPr/>
-      </p:nvGrpSpPr>
-      <p:grpSpPr>
-        <a:xfrm>
-          <a:off x="0" y="0"/>
-          <a:ext cx="0" cy="0"/>
-          <a:chOff x="0" y="0"/>
-          <a:chExt cx="0" cy="0"/>
-        </a:xfrm>
-      </p:grpSpPr>
-      <p:sp>
-        <p:nvSpPr>
-          <p:cNvPr id="385" name="Google Shape;385;g31851766b0d_0_180:notes">
-            <a:extLst>
-              <a:ext uri="{FF2B5EF4-FFF2-40B4-BE49-F238E27FC236}">
-                <a16:creationId xmlns:a16="http://schemas.microsoft.com/office/drawing/2014/main" id="{6F518879-A4F2-F3A4-9C2B-607D10677C31}"/>
-              </a:ext>
-            </a:extLst>
-          </p:cNvPr>
-          <p:cNvSpPr>
-            <a:spLocks noGrp="1" noRot="1" noChangeAspect="1"/>
-          </p:cNvSpPr>
-          <p:nvPr>
-            <p:ph type="sldImg" idx="2"/>
-          </p:nvPr>
-        </p:nvSpPr>
-        <p:spPr>
-          <a:xfrm>
-            <a:off x="381000" y="685800"/>
-            <a:ext cx="6096000" cy="3429000"/>
-          </a:xfrm>
-          <a:custGeom>
-            <a:avLst/>
-            <a:gdLst/>
-            <a:ahLst/>
-            <a:cxnLst/>
-            <a:rect l="l" t="t" r="r" b="b"/>
-            <a:pathLst>
-              <a:path w="120000" h="120000" extrusionOk="0">
-                <a:moveTo>
-                  <a:pt x="0" y="0"/>
-                </a:moveTo>
-                <a:lnTo>
-                  <a:pt x="120000" y="0"/>
-                </a:lnTo>
-                <a:lnTo>
-                  <a:pt x="120000" y="120000"/>
-                </a:lnTo>
-                <a:lnTo>
-                  <a:pt x="0" y="120000"/>
-                </a:lnTo>
-                <a:close/>
-              </a:path>
-            </a:pathLst>
-          </a:custGeom>
-        </p:spPr>
-      </p:sp>
-      <p:sp>
-        <p:nvSpPr>
-          <p:cNvPr id="386" name="Google Shape;386;g31851766b0d_0_180:notes">
-            <a:extLst>
-              <a:ext uri="{FF2B5EF4-FFF2-40B4-BE49-F238E27FC236}">
-                <a16:creationId xmlns:a16="http://schemas.microsoft.com/office/drawing/2014/main" id="{0EF71074-1D37-329B-E694-D5D3B326EFB9}"/>
-              </a:ext>
-            </a:extLst>
-          </p:cNvPr>
-          <p:cNvSpPr txBox="1">
-            <a:spLocks noGrp="1"/>
-          </p:cNvSpPr>
-          <p:nvPr>
-            <p:ph type="body" idx="1"/>
-          </p:nvPr>
-        </p:nvSpPr>
-        <p:spPr>
-          <a:xfrm>
-            <a:off x="685800" y="4343400"/>
-            <a:ext cx="5486400" cy="4114800"/>
-          </a:xfrm>
-          <a:prstGeom prst="rect">
-            <a:avLst/>
-          </a:prstGeom>
-        </p:spPr>
-        <p:txBody>
-          <a:bodyPr spcFirstLastPara="1" wrap="square" lIns="91425" tIns="91425" rIns="91425" bIns="91425" anchor="t" anchorCtr="0">
-            <a:noAutofit/>
-          </a:bodyPr>
-          <a:lstStyle/>
-          <a:p>
-            <a:pPr marL="0" lvl="0" indent="0" algn="l" rtl="0">
-              <a:spcBef>
-                <a:spcPts val="0"/>
-              </a:spcBef>
-              <a:spcAft>
-                <a:spcPts val="0"/>
-              </a:spcAft>
-              <a:buNone/>
-            </a:pPr>
-            <a:endParaRPr/>
-          </a:p>
-        </p:txBody>
-      </p:sp>
-    </p:spTree>
-    <p:extLst>
-      <p:ext uri="{BB962C8B-B14F-4D97-AF65-F5344CB8AC3E}">
-        <p14:creationId xmlns:p14="http://schemas.microsoft.com/office/powerpoint/2010/main" val="271550901"/>
-      </p:ext>
-    </p:extLst>
   </p:cSld>
   <p:clrMapOvr>
     <a:masterClrMapping/>
@@ -13425,7 +11932,7 @@
               </a:spcAft>
               <a:buNone/>
             </a:pPr>
-            <a:endParaRPr sz="1100" b="1">
+            <a:endParaRPr sz="1100" b="1" dirty="0">
               <a:latin typeface="Arial"/>
               <a:ea typeface="Arial"/>
               <a:cs typeface="Arial"/>
@@ -13443,7 +11950,7 @@
               <a:buNone/>
             </a:pPr>
             <a:r>
-              <a:rPr lang="en" sz="1100">
+              <a:rPr lang="en" sz="1100" dirty="0">
                 <a:latin typeface="Arial"/>
                 <a:ea typeface="Arial"/>
                 <a:cs typeface="Arial"/>
@@ -13451,7 +11958,7 @@
               </a:rPr>
               <a:t>Outputs provide data from your infrastructure to use elsewhere or for debugging.</a:t>
             </a:r>
-            <a:endParaRPr sz="1100">
+            <a:endParaRPr sz="1100" dirty="0">
               <a:latin typeface="Arial"/>
               <a:ea typeface="Arial"/>
               <a:cs typeface="Arial"/>
@@ -13469,7 +11976,7 @@
               <a:buNone/>
             </a:pPr>
             <a:r>
-              <a:rPr lang="en" sz="1100">
+              <a:rPr lang="en" sz="1100" dirty="0">
                 <a:latin typeface="Arial"/>
                 <a:ea typeface="Arial"/>
                 <a:cs typeface="Arial"/>
@@ -13477,7 +11984,7 @@
               </a:rPr>
               <a:t>Common use cases:</a:t>
             </a:r>
-            <a:endParaRPr sz="1100">
+            <a:endParaRPr sz="1100" dirty="0">
               <a:latin typeface="Arial"/>
               <a:ea typeface="Arial"/>
               <a:cs typeface="Arial"/>
@@ -13497,7 +12004,7 @@
               <a:buChar char="●"/>
             </a:pPr>
             <a:r>
-              <a:rPr lang="en" sz="1100">
+              <a:rPr lang="en" sz="1100" dirty="0">
                 <a:latin typeface="Arial"/>
                 <a:ea typeface="Arial"/>
                 <a:cs typeface="Arial"/>
@@ -13505,7 +12012,7 @@
               </a:rPr>
               <a:t>Sharing outputs with other configurations.</a:t>
             </a:r>
-            <a:endParaRPr sz="1100">
+            <a:endParaRPr sz="1100" dirty="0">
               <a:latin typeface="Arial"/>
               <a:ea typeface="Arial"/>
               <a:cs typeface="Arial"/>
@@ -13525,7 +12032,7 @@
               <a:buChar char="●"/>
             </a:pPr>
             <a:r>
-              <a:rPr lang="en" sz="1100">
+              <a:rPr lang="en" sz="1100" dirty="0">
                 <a:latin typeface="Arial"/>
                 <a:ea typeface="Arial"/>
                 <a:cs typeface="Arial"/>
@@ -13534,7 +12041,7 @@
               <a:t>Displaying important information after </a:t>
             </a:r>
             <a:r>
-              <a:rPr lang="en" sz="1100">
+              <a:rPr lang="en" sz="1100" dirty="0">
                 <a:solidFill>
                   <a:srgbClr val="188038"/>
                 </a:solidFill>
@@ -13546,7 +12053,7 @@
               <a:t>apply</a:t>
             </a:r>
             <a:r>
-              <a:rPr lang="en" sz="1100">
+              <a:rPr lang="en" sz="1100" dirty="0">
                 <a:latin typeface="Arial"/>
                 <a:ea typeface="Arial"/>
                 <a:cs typeface="Arial"/>
@@ -13554,7 +12061,7 @@
               </a:rPr>
               <a:t>.</a:t>
             </a:r>
-            <a:endParaRPr sz="1100">
+            <a:endParaRPr sz="1100" dirty="0">
               <a:latin typeface="Arial"/>
               <a:ea typeface="Arial"/>
               <a:cs typeface="Arial"/>
@@ -13572,7 +12079,7 @@
               <a:buNone/>
             </a:pPr>
             <a:r>
-              <a:rPr lang="en" sz="1100">
+              <a:rPr lang="en" sz="1100" dirty="0">
                 <a:latin typeface="Arial"/>
                 <a:ea typeface="Arial"/>
                 <a:cs typeface="Arial"/>
@@ -13581,7 +12088,7 @@
               <a:t>Use </a:t>
             </a:r>
             <a:r>
-              <a:rPr lang="en" sz="1100">
+              <a:rPr lang="en" sz="1100" dirty="0">
                 <a:solidFill>
                   <a:srgbClr val="188038"/>
                 </a:solidFill>
@@ -13593,7 +12100,7 @@
               <a:t>terraform output</a:t>
             </a:r>
             <a:r>
-              <a:rPr lang="en" sz="1100">
+              <a:rPr lang="en" sz="1100" dirty="0">
                 <a:latin typeface="Arial"/>
                 <a:ea typeface="Arial"/>
                 <a:cs typeface="Arial"/>
@@ -13601,7 +12108,7 @@
               </a:rPr>
               <a:t> to retrieve outputs:</a:t>
             </a:r>
-            <a:endParaRPr sz="1100">
+            <a:endParaRPr sz="1100" dirty="0">
               <a:latin typeface="Arial"/>
               <a:ea typeface="Arial"/>
               <a:cs typeface="Arial"/>
@@ -13619,7 +12126,7 @@
               <a:buNone/>
             </a:pPr>
             <a:r>
-              <a:rPr lang="en" sz="1100">
+              <a:rPr lang="en" sz="1100" dirty="0">
                 <a:solidFill>
                   <a:srgbClr val="188038"/>
                 </a:solidFill>
@@ -13630,7 +12137,7 @@
               </a:rPr>
               <a:t>terraform output instance_public_ip</a:t>
             </a:r>
-            <a:endParaRPr sz="1100">
+            <a:endParaRPr sz="1100" dirty="0">
               <a:solidFill>
                 <a:srgbClr val="188038"/>
               </a:solidFill>
@@ -13650,7 +12157,7 @@
               </a:spcAft>
               <a:buNone/>
             </a:pPr>
-            <a:endParaRPr sz="1100">
+            <a:endParaRPr sz="1100" dirty="0">
               <a:latin typeface="Arial"/>
               <a:ea typeface="Arial"/>
               <a:cs typeface="Arial"/>
@@ -13667,7 +12174,7 @@
               </a:spcAft>
               <a:buNone/>
             </a:pPr>
-            <a:endParaRPr sz="1100">
+            <a:endParaRPr sz="1100" dirty="0">
               <a:latin typeface="Arial"/>
               <a:ea typeface="Arial"/>
               <a:cs typeface="Arial"/>
@@ -13684,7 +12191,7 @@
               </a:spcAft>
               <a:buNone/>
             </a:pPr>
-            <a:endParaRPr sz="1100" b="1">
+            <a:endParaRPr sz="1100" b="1" dirty="0">
               <a:latin typeface="Arial"/>
               <a:ea typeface="Arial"/>
               <a:cs typeface="Arial"/>
@@ -13701,7 +12208,7 @@
               </a:spcAft>
               <a:buNone/>
             </a:pPr>
-            <a:endParaRPr sz="1100">
+            <a:endParaRPr sz="1100" dirty="0">
               <a:latin typeface="Arial"/>
               <a:ea typeface="Arial"/>
               <a:cs typeface="Arial"/>
@@ -13719,7 +12226,7 @@
               <a:buNone/>
             </a:pPr>
             <a:r>
-              <a:rPr lang="en" sz="900">
+              <a:rPr lang="en" sz="900" dirty="0">
                 <a:latin typeface="Arial"/>
                 <a:ea typeface="Arial"/>
                 <a:cs typeface="Arial"/>
@@ -13727,7 +12234,7 @@
               </a:rPr>
               <a:t>.</a:t>
             </a:r>
-            <a:endParaRPr sz="1100" b="1">
+            <a:endParaRPr sz="1100" b="1" dirty="0">
               <a:latin typeface="Arial"/>
               <a:ea typeface="Arial"/>
               <a:cs typeface="Arial"/>
@@ -13839,10 +12346,10 @@
               <a:buChar char="●"/>
             </a:pPr>
             <a:r>
-              <a:rPr lang="en" sz="1300"/>
+              <a:rPr lang="en" sz="1300" dirty="0"/>
               <a:t>Terraform Count</a:t>
             </a:r>
-            <a:endParaRPr sz="1300"/>
+            <a:endParaRPr sz="1300" dirty="0"/>
           </a:p>
           <a:p>
             <a:pPr marL="457200" lvl="0" indent="-311150" algn="l" rtl="0">
@@ -13856,10 +12363,10 @@
               <a:buChar char="●"/>
             </a:pPr>
             <a:r>
-              <a:rPr lang="en" sz="1300"/>
+              <a:rPr lang="en" sz="1300" dirty="0"/>
               <a:t>Terraform for_each</a:t>
             </a:r>
-            <a:endParaRPr sz="1300"/>
+            <a:endParaRPr sz="1300" dirty="0"/>
           </a:p>
           <a:p>
             <a:pPr marL="457200" lvl="0" indent="-311150" algn="l" rtl="0">
@@ -13867,33 +12374,16 @@
                 <a:spcPts val="1600"/>
               </a:spcBef>
               <a:spcAft>
-                <a:spcPts val="0"/>
+                <a:spcPts val="1600"/>
               </a:spcAft>
               <a:buSzPts val="1300"/>
               <a:buChar char="●"/>
             </a:pPr>
             <a:r>
-              <a:rPr lang="en" sz="1300"/>
-              <a:t>Terraform dynamic blocks</a:t>
-            </a:r>
-            <a:endParaRPr sz="1300"/>
-          </a:p>
-          <a:p>
-            <a:pPr marL="457200" lvl="0" indent="-311150" algn="l" rtl="0">
-              <a:spcBef>
-                <a:spcPts val="1600"/>
-              </a:spcBef>
-              <a:spcAft>
-                <a:spcPts val="1600"/>
-              </a:spcAft>
-              <a:buSzPts val="1300"/>
-              <a:buChar char="●"/>
-            </a:pPr>
-            <a:r>
-              <a:rPr lang="en" sz="1300"/>
+              <a:rPr lang="en" sz="1300" dirty="0"/>
               <a:t>Terraform Conditionals</a:t>
             </a:r>
-            <a:endParaRPr sz="1300"/>
+            <a:endParaRPr sz="1300" dirty="0"/>
           </a:p>
         </p:txBody>
       </p:sp>
@@ -16421,10 +14911,10 @@
               <a:buChar char="●"/>
             </a:pPr>
             <a:r>
-              <a:rPr lang="en" sz="1300"/>
+              <a:rPr lang="en" sz="1300" dirty="0"/>
               <a:t>What are Terraform Modules</a:t>
             </a:r>
-            <a:endParaRPr sz="1300"/>
+            <a:endParaRPr sz="1300" dirty="0"/>
           </a:p>
           <a:p>
             <a:pPr marL="457200" lvl="0" indent="-311150" algn="l" rtl="0">
@@ -16438,10 +14928,10 @@
               <a:buChar char="●"/>
             </a:pPr>
             <a:r>
-              <a:rPr lang="en" sz="1300"/>
+              <a:rPr lang="en" sz="1300" dirty="0"/>
               <a:t>Terraform Modules Usage</a:t>
             </a:r>
-            <a:endParaRPr sz="1300"/>
+            <a:endParaRPr sz="1300" dirty="0"/>
           </a:p>
           <a:p>
             <a:pPr marL="457200" lvl="0" indent="-311150" algn="l" rtl="0">
@@ -16455,10 +14945,10 @@
               <a:buChar char="●"/>
             </a:pPr>
             <a:r>
-              <a:rPr lang="en" sz="1300"/>
+              <a:rPr lang="en" sz="1300" dirty="0"/>
               <a:t>Using remote modules</a:t>
             </a:r>
-            <a:endParaRPr sz="1300"/>
+            <a:endParaRPr sz="1300" dirty="0"/>
           </a:p>
         </p:txBody>
       </p:sp>
@@ -17363,10 +15853,10 @@
               <a:buChar char="●"/>
             </a:pPr>
             <a:r>
-              <a:rPr lang="en" sz="1300"/>
+              <a:rPr lang="en" sz="1300" dirty="0"/>
               <a:t>Terraform Remote Backend</a:t>
             </a:r>
-            <a:endParaRPr sz="1300"/>
+            <a:endParaRPr sz="1300" dirty="0"/>
           </a:p>
           <a:p>
             <a:pPr marL="457200" lvl="0" indent="-311150" algn="l" rtl="0">
@@ -17380,27 +15870,10 @@
               <a:buChar char="●"/>
             </a:pPr>
             <a:r>
-              <a:rPr lang="en" sz="1300"/>
+              <a:rPr lang="en" sz="1300" dirty="0"/>
               <a:t>Terraform State Locking</a:t>
             </a:r>
-            <a:endParaRPr sz="1300"/>
-          </a:p>
-          <a:p>
-            <a:pPr marL="457200" lvl="0" indent="-311150" algn="l" rtl="0">
-              <a:spcBef>
-                <a:spcPts val="1600"/>
-              </a:spcBef>
-              <a:spcAft>
-                <a:spcPts val="1600"/>
-              </a:spcAft>
-              <a:buSzPts val="1300"/>
-              <a:buChar char="●"/>
-            </a:pPr>
-            <a:r>
-              <a:rPr lang="en" sz="1300"/>
-              <a:t>Terraform state interaction</a:t>
-            </a:r>
-            <a:endParaRPr sz="1300"/>
+            <a:endParaRPr sz="1300" dirty="0"/>
           </a:p>
         </p:txBody>
       </p:sp>
@@ -20005,6711 +18478,6 @@
   <p:cSld>
     <p:spTree>
       <p:nvGrpSpPr>
-        <p:cNvPr id="1" name="Shape 285"/>
-        <p:cNvGrpSpPr/>
-        <p:nvPr/>
-      </p:nvGrpSpPr>
-      <p:grpSpPr>
-        <a:xfrm>
-          <a:off x="0" y="0"/>
-          <a:ext cx="0" cy="0"/>
-          <a:chOff x="0" y="0"/>
-          <a:chExt cx="0" cy="0"/>
-        </a:xfrm>
-      </p:grpSpPr>
-      <p:sp>
-        <p:nvSpPr>
-          <p:cNvPr id="286" name="Google Shape;286;p50"/>
-          <p:cNvSpPr txBox="1">
-            <a:spLocks noGrp="1"/>
-          </p:cNvSpPr>
-          <p:nvPr>
-            <p:ph type="title"/>
-          </p:nvPr>
-        </p:nvSpPr>
-        <p:spPr>
-          <a:xfrm>
-            <a:off x="265500" y="1382350"/>
-            <a:ext cx="4045200" cy="1333200"/>
-          </a:xfrm>
-          <a:prstGeom prst="rect">
-            <a:avLst/>
-          </a:prstGeom>
-        </p:spPr>
-        <p:txBody>
-          <a:bodyPr spcFirstLastPara="1" wrap="square" lIns="91425" tIns="91425" rIns="91425" bIns="91425" anchor="b" anchorCtr="0">
-            <a:noAutofit/>
-          </a:bodyPr>
-          <a:lstStyle/>
-          <a:p>
-            <a:pPr marL="0" lvl="0" indent="0" algn="l" rtl="0">
-              <a:spcBef>
-                <a:spcPts val="0"/>
-              </a:spcBef>
-              <a:spcAft>
-                <a:spcPts val="0"/>
-              </a:spcAft>
-              <a:buNone/>
-            </a:pPr>
-            <a:r>
-              <a:rPr lang="en"/>
-              <a:t>Multi Environment IAC Management</a:t>
-            </a:r>
-            <a:endParaRPr/>
-          </a:p>
-        </p:txBody>
-      </p:sp>
-      <p:sp>
-        <p:nvSpPr>
-          <p:cNvPr id="287" name="Google Shape;287;p50"/>
-          <p:cNvSpPr txBox="1">
-            <a:spLocks noGrp="1"/>
-          </p:cNvSpPr>
-          <p:nvPr>
-            <p:ph type="body" idx="2"/>
-          </p:nvPr>
-        </p:nvSpPr>
-        <p:spPr>
-          <a:xfrm>
-            <a:off x="4939500" y="-139375"/>
-            <a:ext cx="3837000" cy="5110500"/>
-          </a:xfrm>
-          <a:prstGeom prst="rect">
-            <a:avLst/>
-          </a:prstGeom>
-        </p:spPr>
-        <p:txBody>
-          <a:bodyPr spcFirstLastPara="1" wrap="square" lIns="91425" tIns="91425" rIns="91425" bIns="91425" anchor="ctr" anchorCtr="0">
-            <a:noAutofit/>
-          </a:bodyPr>
-          <a:lstStyle/>
-          <a:p>
-            <a:pPr marL="457200" lvl="0" indent="-311150" algn="l" rtl="0">
-              <a:spcBef>
-                <a:spcPts val="0"/>
-              </a:spcBef>
-              <a:spcAft>
-                <a:spcPts val="0"/>
-              </a:spcAft>
-              <a:buSzPts val="1300"/>
-              <a:buChar char="●"/>
-            </a:pPr>
-            <a:r>
-              <a:rPr lang="en" sz="1300" dirty="0"/>
-              <a:t>Using separate tfvars</a:t>
-            </a:r>
-          </a:p>
-          <a:p>
-            <a:pPr marL="457200" lvl="0" indent="-311150" algn="l" rtl="0">
-              <a:spcBef>
-                <a:spcPts val="0"/>
-              </a:spcBef>
-              <a:spcAft>
-                <a:spcPts val="0"/>
-              </a:spcAft>
-              <a:buSzPts val="1300"/>
-              <a:buChar char="●"/>
-            </a:pPr>
-            <a:r>
-              <a:rPr lang="en" sz="1300" dirty="0"/>
-              <a:t>Using Terraform Workspaces</a:t>
-            </a:r>
-            <a:endParaRPr sz="1300" dirty="0"/>
-          </a:p>
-        </p:txBody>
-      </p:sp>
-    </p:spTree>
-  </p:cSld>
-  <p:clrMapOvr>
-    <a:masterClrMapping/>
-  </p:clrMapOvr>
-</p:sld>
-</file>
-
-<file path=ppt/slides/slide32.xml><?xml version="1.0" encoding="utf-8"?>
-<p:sld xmlns:a="http://schemas.openxmlformats.org/drawingml/2006/main" xmlns:r="http://schemas.openxmlformats.org/officeDocument/2006/relationships" xmlns:p="http://schemas.openxmlformats.org/presentationml/2006/main">
-  <p:cSld>
-    <p:spTree>
-      <p:nvGrpSpPr>
-        <p:cNvPr id="1" name="Shape 291"/>
-        <p:cNvGrpSpPr/>
-        <p:nvPr/>
-      </p:nvGrpSpPr>
-      <p:grpSpPr>
-        <a:xfrm>
-          <a:off x="0" y="0"/>
-          <a:ext cx="0" cy="0"/>
-          <a:chOff x="0" y="0"/>
-          <a:chExt cx="0" cy="0"/>
-        </a:xfrm>
-      </p:grpSpPr>
-      <p:sp>
-        <p:nvSpPr>
-          <p:cNvPr id="292" name="Google Shape;292;p51"/>
-          <p:cNvSpPr txBox="1">
-            <a:spLocks noGrp="1"/>
-          </p:cNvSpPr>
-          <p:nvPr>
-            <p:ph type="title"/>
-          </p:nvPr>
-        </p:nvSpPr>
-        <p:spPr>
-          <a:xfrm>
-            <a:off x="311700" y="445025"/>
-            <a:ext cx="8520600" cy="613200"/>
-          </a:xfrm>
-          <a:prstGeom prst="rect">
-            <a:avLst/>
-          </a:prstGeom>
-        </p:spPr>
-        <p:txBody>
-          <a:bodyPr spcFirstLastPara="1" wrap="square" lIns="91425" tIns="91425" rIns="91425" bIns="91425" anchor="t" anchorCtr="0">
-            <a:noAutofit/>
-          </a:bodyPr>
-          <a:lstStyle/>
-          <a:p>
-            <a:pPr marL="0" lvl="0" indent="0" algn="l" rtl="0">
-              <a:spcBef>
-                <a:spcPts val="0"/>
-              </a:spcBef>
-              <a:spcAft>
-                <a:spcPts val="0"/>
-              </a:spcAft>
-              <a:buNone/>
-            </a:pPr>
-            <a:r>
-              <a:rPr lang="en"/>
-              <a:t>Managing Multiple Env in Terraform with .tfvars</a:t>
-            </a:r>
-            <a:endParaRPr/>
-          </a:p>
-        </p:txBody>
-      </p:sp>
-      <p:sp>
-        <p:nvSpPr>
-          <p:cNvPr id="293" name="Google Shape;293;p51"/>
-          <p:cNvSpPr txBox="1">
-            <a:spLocks noGrp="1"/>
-          </p:cNvSpPr>
-          <p:nvPr>
-            <p:ph type="body" idx="1"/>
-          </p:nvPr>
-        </p:nvSpPr>
-        <p:spPr>
-          <a:xfrm>
-            <a:off x="311700" y="942425"/>
-            <a:ext cx="7114800" cy="3763200"/>
-          </a:xfrm>
-          <a:prstGeom prst="rect">
-            <a:avLst/>
-          </a:prstGeom>
-        </p:spPr>
-        <p:txBody>
-          <a:bodyPr spcFirstLastPara="1" wrap="square" lIns="91425" tIns="91425" rIns="91425" bIns="91425" anchor="t" anchorCtr="0">
-            <a:noAutofit/>
-          </a:bodyPr>
-          <a:lstStyle/>
-          <a:p>
-            <a:pPr marL="0" lvl="0" indent="0" algn="l" rtl="0">
-              <a:spcBef>
-                <a:spcPts val="1200"/>
-              </a:spcBef>
-              <a:spcAft>
-                <a:spcPts val="0"/>
-              </a:spcAft>
-              <a:buNone/>
-            </a:pPr>
-            <a:endParaRPr sz="1100" b="1">
-              <a:latin typeface="Arial"/>
-              <a:ea typeface="Arial"/>
-              <a:cs typeface="Arial"/>
-              <a:sym typeface="Arial"/>
-            </a:endParaRPr>
-          </a:p>
-          <a:p>
-            <a:pPr marL="0" lvl="0" indent="0" algn="l" rtl="0">
-              <a:spcBef>
-                <a:spcPts val="1200"/>
-              </a:spcBef>
-              <a:spcAft>
-                <a:spcPts val="0"/>
-              </a:spcAft>
-              <a:buClr>
-                <a:schemeClr val="dk1"/>
-              </a:buClr>
-              <a:buSzPts val="1100"/>
-              <a:buFont typeface="Arial"/>
-              <a:buNone/>
-            </a:pPr>
-            <a:r>
-              <a:rPr lang="en" sz="1100">
-                <a:latin typeface="Arial"/>
-                <a:ea typeface="Arial"/>
-                <a:cs typeface="Arial"/>
-                <a:sym typeface="Arial"/>
-              </a:rPr>
-              <a:t>Terraform supports </a:t>
-            </a:r>
-            <a:r>
-              <a:rPr lang="en" sz="1100" b="1">
-                <a:latin typeface="Arial"/>
-                <a:ea typeface="Arial"/>
-                <a:cs typeface="Arial"/>
-                <a:sym typeface="Arial"/>
-              </a:rPr>
-              <a:t>multi-environment workflows</a:t>
-            </a:r>
-            <a:r>
-              <a:rPr lang="en" sz="1100">
-                <a:latin typeface="Arial"/>
-                <a:ea typeface="Arial"/>
-                <a:cs typeface="Arial"/>
-                <a:sym typeface="Arial"/>
-              </a:rPr>
-              <a:t>, where each environment (like </a:t>
-            </a:r>
-            <a:r>
-              <a:rPr lang="en" sz="1100">
-                <a:solidFill>
-                  <a:srgbClr val="188038"/>
-                </a:solidFill>
-                <a:latin typeface="Roboto Mono"/>
-                <a:ea typeface="Roboto Mono"/>
-                <a:cs typeface="Roboto Mono"/>
-                <a:sym typeface="Roboto Mono"/>
-              </a:rPr>
-              <a:t>dev</a:t>
-            </a:r>
-            <a:r>
-              <a:rPr lang="en" sz="1100">
-                <a:latin typeface="Arial"/>
-                <a:ea typeface="Arial"/>
-                <a:cs typeface="Arial"/>
-                <a:sym typeface="Arial"/>
-              </a:rPr>
-              <a:t>, </a:t>
-            </a:r>
-            <a:r>
-              <a:rPr lang="en" sz="1100">
-                <a:solidFill>
-                  <a:srgbClr val="188038"/>
-                </a:solidFill>
-                <a:latin typeface="Roboto Mono"/>
-                <a:ea typeface="Roboto Mono"/>
-                <a:cs typeface="Roboto Mono"/>
-                <a:sym typeface="Roboto Mono"/>
-              </a:rPr>
-              <a:t>qa</a:t>
-            </a:r>
-            <a:r>
-              <a:rPr lang="en" sz="1100">
-                <a:latin typeface="Arial"/>
-                <a:ea typeface="Arial"/>
-                <a:cs typeface="Arial"/>
-                <a:sym typeface="Arial"/>
-              </a:rPr>
-              <a:t>, and </a:t>
-            </a:r>
-            <a:r>
-              <a:rPr lang="en" sz="1100">
-                <a:solidFill>
-                  <a:srgbClr val="188038"/>
-                </a:solidFill>
-                <a:latin typeface="Roboto Mono"/>
-                <a:ea typeface="Roboto Mono"/>
-                <a:cs typeface="Roboto Mono"/>
-                <a:sym typeface="Roboto Mono"/>
-              </a:rPr>
-              <a:t>prod</a:t>
-            </a:r>
-            <a:r>
-              <a:rPr lang="en" sz="1100">
-                <a:latin typeface="Arial"/>
-                <a:ea typeface="Arial"/>
-                <a:cs typeface="Arial"/>
-                <a:sym typeface="Arial"/>
-              </a:rPr>
-              <a:t>) can have its own variable and backend configurations.</a:t>
-            </a:r>
-            <a:endParaRPr sz="1100">
-              <a:latin typeface="Arial"/>
-              <a:ea typeface="Arial"/>
-              <a:cs typeface="Arial"/>
-              <a:sym typeface="Arial"/>
-            </a:endParaRPr>
-          </a:p>
-          <a:p>
-            <a:pPr marL="0" lvl="0" indent="0" algn="l" rtl="0">
-              <a:spcBef>
-                <a:spcPts val="1200"/>
-              </a:spcBef>
-              <a:spcAft>
-                <a:spcPts val="0"/>
-              </a:spcAft>
-              <a:buClr>
-                <a:schemeClr val="dk1"/>
-              </a:buClr>
-              <a:buSzPts val="1100"/>
-              <a:buFont typeface="Arial"/>
-              <a:buNone/>
-            </a:pPr>
-            <a:r>
-              <a:rPr lang="en" sz="1100">
-                <a:latin typeface="Arial"/>
-                <a:ea typeface="Arial"/>
-                <a:cs typeface="Arial"/>
-                <a:sym typeface="Arial"/>
-              </a:rPr>
-              <a:t>Using </a:t>
-            </a:r>
-            <a:r>
-              <a:rPr lang="en" sz="1100">
-                <a:solidFill>
-                  <a:srgbClr val="188038"/>
-                </a:solidFill>
-                <a:latin typeface="Roboto Mono"/>
-                <a:ea typeface="Roboto Mono"/>
-                <a:cs typeface="Roboto Mono"/>
-                <a:sym typeface="Roboto Mono"/>
-              </a:rPr>
-              <a:t>.tfvars</a:t>
-            </a:r>
-            <a:r>
-              <a:rPr lang="en" sz="1100">
-                <a:latin typeface="Arial"/>
-                <a:ea typeface="Arial"/>
-                <a:cs typeface="Arial"/>
-                <a:sym typeface="Arial"/>
-              </a:rPr>
-              <a:t> files for environment-specific variables and </a:t>
-            </a:r>
-            <a:r>
-              <a:rPr lang="en" sz="1100">
-                <a:solidFill>
-                  <a:srgbClr val="188038"/>
-                </a:solidFill>
-                <a:latin typeface="Roboto Mono"/>
-                <a:ea typeface="Roboto Mono"/>
-                <a:cs typeface="Roboto Mono"/>
-                <a:sym typeface="Roboto Mono"/>
-              </a:rPr>
-              <a:t>-backend-config</a:t>
-            </a:r>
-            <a:r>
-              <a:rPr lang="en" sz="1100">
-                <a:latin typeface="Arial"/>
-                <a:ea typeface="Arial"/>
-                <a:cs typeface="Arial"/>
-                <a:sym typeface="Arial"/>
-              </a:rPr>
-              <a:t> files for environment-specific backend configurations, you can maintain isolated and reusable setups.</a:t>
-            </a:r>
-            <a:endParaRPr sz="1100">
-              <a:latin typeface="Arial"/>
-              <a:ea typeface="Arial"/>
-              <a:cs typeface="Arial"/>
-              <a:sym typeface="Arial"/>
-            </a:endParaRPr>
-          </a:p>
-          <a:p>
-            <a:pPr marL="0" marR="0" lvl="0" indent="0" algn="l" rtl="0">
-              <a:lnSpc>
-                <a:spcPct val="115000"/>
-              </a:lnSpc>
-              <a:spcBef>
-                <a:spcPts val="1200"/>
-              </a:spcBef>
-              <a:spcAft>
-                <a:spcPts val="0"/>
-              </a:spcAft>
-              <a:buNone/>
-            </a:pPr>
-            <a:r>
-              <a:rPr lang="en" sz="900">
-                <a:solidFill>
-                  <a:srgbClr val="188038"/>
-                </a:solidFill>
-                <a:latin typeface="Roboto Mono"/>
-                <a:ea typeface="Roboto Mono"/>
-                <a:cs typeface="Roboto Mono"/>
-                <a:sym typeface="Roboto Mono"/>
-              </a:rPr>
-              <a:t>project/</a:t>
-            </a:r>
-            <a:endParaRPr sz="900">
-              <a:solidFill>
-                <a:srgbClr val="188038"/>
-              </a:solidFill>
-              <a:latin typeface="Roboto Mono"/>
-              <a:ea typeface="Roboto Mono"/>
-              <a:cs typeface="Roboto Mono"/>
-              <a:sym typeface="Roboto Mono"/>
-            </a:endParaRPr>
-          </a:p>
-          <a:p>
-            <a:pPr marL="0" marR="0" lvl="0" indent="0" algn="l" rtl="0">
-              <a:lnSpc>
-                <a:spcPct val="115000"/>
-              </a:lnSpc>
-              <a:spcBef>
-                <a:spcPts val="0"/>
-              </a:spcBef>
-              <a:spcAft>
-                <a:spcPts val="0"/>
-              </a:spcAft>
-              <a:buNone/>
-            </a:pPr>
-            <a:r>
-              <a:rPr lang="en" sz="900">
-                <a:solidFill>
-                  <a:srgbClr val="188038"/>
-                </a:solidFill>
-                <a:latin typeface="Roboto Mono"/>
-                <a:ea typeface="Roboto Mono"/>
-                <a:cs typeface="Roboto Mono"/>
-                <a:sym typeface="Roboto Mono"/>
-              </a:rPr>
-              <a:t>├── main.tf</a:t>
-            </a:r>
-            <a:endParaRPr sz="900">
-              <a:solidFill>
-                <a:srgbClr val="188038"/>
-              </a:solidFill>
-              <a:latin typeface="Roboto Mono"/>
-              <a:ea typeface="Roboto Mono"/>
-              <a:cs typeface="Roboto Mono"/>
-              <a:sym typeface="Roboto Mono"/>
-            </a:endParaRPr>
-          </a:p>
-          <a:p>
-            <a:pPr marL="0" marR="0" lvl="0" indent="0" algn="l" rtl="0">
-              <a:lnSpc>
-                <a:spcPct val="115000"/>
-              </a:lnSpc>
-              <a:spcBef>
-                <a:spcPts val="0"/>
-              </a:spcBef>
-              <a:spcAft>
-                <a:spcPts val="0"/>
-              </a:spcAft>
-              <a:buNone/>
-            </a:pPr>
-            <a:r>
-              <a:rPr lang="en" sz="900">
-                <a:solidFill>
-                  <a:srgbClr val="188038"/>
-                </a:solidFill>
-                <a:latin typeface="Roboto Mono"/>
-                <a:ea typeface="Roboto Mono"/>
-                <a:cs typeface="Roboto Mono"/>
-                <a:sym typeface="Roboto Mono"/>
-              </a:rPr>
-              <a:t>├── variables.tf</a:t>
-            </a:r>
-            <a:endParaRPr sz="900">
-              <a:solidFill>
-                <a:srgbClr val="188038"/>
-              </a:solidFill>
-              <a:latin typeface="Roboto Mono"/>
-              <a:ea typeface="Roboto Mono"/>
-              <a:cs typeface="Roboto Mono"/>
-              <a:sym typeface="Roboto Mono"/>
-            </a:endParaRPr>
-          </a:p>
-          <a:p>
-            <a:pPr marL="0" marR="0" lvl="0" indent="0" algn="l" rtl="0">
-              <a:lnSpc>
-                <a:spcPct val="115000"/>
-              </a:lnSpc>
-              <a:spcBef>
-                <a:spcPts val="0"/>
-              </a:spcBef>
-              <a:spcAft>
-                <a:spcPts val="0"/>
-              </a:spcAft>
-              <a:buNone/>
-            </a:pPr>
-            <a:r>
-              <a:rPr lang="en" sz="900">
-                <a:solidFill>
-                  <a:srgbClr val="188038"/>
-                </a:solidFill>
-                <a:latin typeface="Roboto Mono"/>
-                <a:ea typeface="Roboto Mono"/>
-                <a:cs typeface="Roboto Mono"/>
-                <a:sym typeface="Roboto Mono"/>
-              </a:rPr>
-              <a:t>├── outputs.tf</a:t>
-            </a:r>
-            <a:endParaRPr sz="900">
-              <a:solidFill>
-                <a:srgbClr val="188038"/>
-              </a:solidFill>
-              <a:latin typeface="Roboto Mono"/>
-              <a:ea typeface="Roboto Mono"/>
-              <a:cs typeface="Roboto Mono"/>
-              <a:sym typeface="Roboto Mono"/>
-            </a:endParaRPr>
-          </a:p>
-          <a:p>
-            <a:pPr marL="0" lvl="0" indent="0" algn="l" rtl="0">
-              <a:spcBef>
-                <a:spcPts val="0"/>
-              </a:spcBef>
-              <a:spcAft>
-                <a:spcPts val="0"/>
-              </a:spcAft>
-              <a:buClr>
-                <a:schemeClr val="dk1"/>
-              </a:buClr>
-              <a:buSzPts val="1100"/>
-              <a:buFont typeface="Arial"/>
-              <a:buNone/>
-            </a:pPr>
-            <a:r>
-              <a:rPr lang="en" sz="900">
-                <a:solidFill>
-                  <a:srgbClr val="188038"/>
-                </a:solidFill>
-                <a:latin typeface="Roboto Mono"/>
-                <a:ea typeface="Roboto Mono"/>
-                <a:cs typeface="Roboto Mono"/>
-                <a:sym typeface="Roboto Mono"/>
-              </a:rPr>
-              <a:t>├── providers.tf</a:t>
-            </a:r>
-            <a:endParaRPr sz="900">
-              <a:solidFill>
-                <a:srgbClr val="188038"/>
-              </a:solidFill>
-              <a:latin typeface="Roboto Mono"/>
-              <a:ea typeface="Roboto Mono"/>
-              <a:cs typeface="Roboto Mono"/>
-              <a:sym typeface="Roboto Mono"/>
-            </a:endParaRPr>
-          </a:p>
-          <a:p>
-            <a:pPr marL="0" marR="0" lvl="0" indent="0" algn="l" rtl="0">
-              <a:lnSpc>
-                <a:spcPct val="115000"/>
-              </a:lnSpc>
-              <a:spcBef>
-                <a:spcPts val="0"/>
-              </a:spcBef>
-              <a:spcAft>
-                <a:spcPts val="0"/>
-              </a:spcAft>
-              <a:buNone/>
-            </a:pPr>
-            <a:r>
-              <a:rPr lang="en" sz="900">
-                <a:solidFill>
-                  <a:srgbClr val="188038"/>
-                </a:solidFill>
-                <a:latin typeface="Roboto Mono"/>
-                <a:ea typeface="Roboto Mono"/>
-                <a:cs typeface="Roboto Mono"/>
-                <a:sym typeface="Roboto Mono"/>
-              </a:rPr>
-              <a:t>├── environment/</a:t>
-            </a:r>
-            <a:endParaRPr sz="900">
-              <a:solidFill>
-                <a:srgbClr val="188038"/>
-              </a:solidFill>
-              <a:latin typeface="Roboto Mono"/>
-              <a:ea typeface="Roboto Mono"/>
-              <a:cs typeface="Roboto Mono"/>
-              <a:sym typeface="Roboto Mono"/>
-            </a:endParaRPr>
-          </a:p>
-          <a:p>
-            <a:pPr marL="0" marR="0" lvl="0" indent="0" algn="l" rtl="0">
-              <a:lnSpc>
-                <a:spcPct val="115000"/>
-              </a:lnSpc>
-              <a:spcBef>
-                <a:spcPts val="0"/>
-              </a:spcBef>
-              <a:spcAft>
-                <a:spcPts val="0"/>
-              </a:spcAft>
-              <a:buNone/>
-            </a:pPr>
-            <a:r>
-              <a:rPr lang="en" sz="900">
-                <a:solidFill>
-                  <a:srgbClr val="188038"/>
-                </a:solidFill>
-                <a:latin typeface="Roboto Mono"/>
-                <a:ea typeface="Roboto Mono"/>
-                <a:cs typeface="Roboto Mono"/>
-                <a:sym typeface="Roboto Mono"/>
-              </a:rPr>
-              <a:t>│   ├── dev/</a:t>
-            </a:r>
-            <a:endParaRPr sz="900">
-              <a:solidFill>
-                <a:srgbClr val="188038"/>
-              </a:solidFill>
-              <a:latin typeface="Roboto Mono"/>
-              <a:ea typeface="Roboto Mono"/>
-              <a:cs typeface="Roboto Mono"/>
-              <a:sym typeface="Roboto Mono"/>
-            </a:endParaRPr>
-          </a:p>
-          <a:p>
-            <a:pPr marL="0" marR="0" lvl="0" indent="0" algn="l" rtl="0">
-              <a:lnSpc>
-                <a:spcPct val="115000"/>
-              </a:lnSpc>
-              <a:spcBef>
-                <a:spcPts val="0"/>
-              </a:spcBef>
-              <a:spcAft>
-                <a:spcPts val="0"/>
-              </a:spcAft>
-              <a:buNone/>
-            </a:pPr>
-            <a:r>
-              <a:rPr lang="en" sz="900">
-                <a:solidFill>
-                  <a:srgbClr val="188038"/>
-                </a:solidFill>
-                <a:latin typeface="Roboto Mono"/>
-                <a:ea typeface="Roboto Mono"/>
-                <a:cs typeface="Roboto Mono"/>
-                <a:sym typeface="Roboto Mono"/>
-              </a:rPr>
-              <a:t>│   │   ├── dev.tfvars</a:t>
-            </a:r>
-            <a:endParaRPr sz="900">
-              <a:solidFill>
-                <a:srgbClr val="188038"/>
-              </a:solidFill>
-              <a:latin typeface="Roboto Mono"/>
-              <a:ea typeface="Roboto Mono"/>
-              <a:cs typeface="Roboto Mono"/>
-              <a:sym typeface="Roboto Mono"/>
-            </a:endParaRPr>
-          </a:p>
-          <a:p>
-            <a:pPr marL="0" marR="0" lvl="0" indent="0" algn="l" rtl="0">
-              <a:lnSpc>
-                <a:spcPct val="115000"/>
-              </a:lnSpc>
-              <a:spcBef>
-                <a:spcPts val="0"/>
-              </a:spcBef>
-              <a:spcAft>
-                <a:spcPts val="0"/>
-              </a:spcAft>
-              <a:buNone/>
-            </a:pPr>
-            <a:r>
-              <a:rPr lang="en" sz="900">
-                <a:solidFill>
-                  <a:srgbClr val="188038"/>
-                </a:solidFill>
-                <a:latin typeface="Roboto Mono"/>
-                <a:ea typeface="Roboto Mono"/>
-                <a:cs typeface="Roboto Mono"/>
-                <a:sym typeface="Roboto Mono"/>
-              </a:rPr>
-              <a:t>│   │   ├── dev_backend.tfvars</a:t>
-            </a:r>
-            <a:endParaRPr sz="900">
-              <a:solidFill>
-                <a:srgbClr val="188038"/>
-              </a:solidFill>
-              <a:latin typeface="Roboto Mono"/>
-              <a:ea typeface="Roboto Mono"/>
-              <a:cs typeface="Roboto Mono"/>
-              <a:sym typeface="Roboto Mono"/>
-            </a:endParaRPr>
-          </a:p>
-          <a:p>
-            <a:pPr marL="0" marR="0" lvl="0" indent="0" algn="l" rtl="0">
-              <a:lnSpc>
-                <a:spcPct val="115000"/>
-              </a:lnSpc>
-              <a:spcBef>
-                <a:spcPts val="0"/>
-              </a:spcBef>
-              <a:spcAft>
-                <a:spcPts val="0"/>
-              </a:spcAft>
-              <a:buNone/>
-            </a:pPr>
-            <a:r>
-              <a:rPr lang="en" sz="900">
-                <a:solidFill>
-                  <a:srgbClr val="188038"/>
-                </a:solidFill>
-                <a:latin typeface="Roboto Mono"/>
-                <a:ea typeface="Roboto Mono"/>
-                <a:cs typeface="Roboto Mono"/>
-                <a:sym typeface="Roboto Mono"/>
-              </a:rPr>
-              <a:t>│   ├── qa/</a:t>
-            </a:r>
-            <a:endParaRPr sz="900">
-              <a:solidFill>
-                <a:srgbClr val="188038"/>
-              </a:solidFill>
-              <a:latin typeface="Roboto Mono"/>
-              <a:ea typeface="Roboto Mono"/>
-              <a:cs typeface="Roboto Mono"/>
-              <a:sym typeface="Roboto Mono"/>
-            </a:endParaRPr>
-          </a:p>
-          <a:p>
-            <a:pPr marL="0" marR="0" lvl="0" indent="0" algn="l" rtl="0">
-              <a:lnSpc>
-                <a:spcPct val="115000"/>
-              </a:lnSpc>
-              <a:spcBef>
-                <a:spcPts val="0"/>
-              </a:spcBef>
-              <a:spcAft>
-                <a:spcPts val="0"/>
-              </a:spcAft>
-              <a:buNone/>
-            </a:pPr>
-            <a:r>
-              <a:rPr lang="en" sz="900">
-                <a:solidFill>
-                  <a:srgbClr val="188038"/>
-                </a:solidFill>
-                <a:latin typeface="Roboto Mono"/>
-                <a:ea typeface="Roboto Mono"/>
-                <a:cs typeface="Roboto Mono"/>
-                <a:sym typeface="Roboto Mono"/>
-              </a:rPr>
-              <a:t>│   │   ├── qa.tfvars</a:t>
-            </a:r>
-            <a:endParaRPr sz="900">
-              <a:solidFill>
-                <a:srgbClr val="188038"/>
-              </a:solidFill>
-              <a:latin typeface="Roboto Mono"/>
-              <a:ea typeface="Roboto Mono"/>
-              <a:cs typeface="Roboto Mono"/>
-              <a:sym typeface="Roboto Mono"/>
-            </a:endParaRPr>
-          </a:p>
-          <a:p>
-            <a:pPr marL="0" marR="0" lvl="0" indent="0" algn="l" rtl="0">
-              <a:lnSpc>
-                <a:spcPct val="115000"/>
-              </a:lnSpc>
-              <a:spcBef>
-                <a:spcPts val="0"/>
-              </a:spcBef>
-              <a:spcAft>
-                <a:spcPts val="0"/>
-              </a:spcAft>
-              <a:buNone/>
-            </a:pPr>
-            <a:r>
-              <a:rPr lang="en" sz="900">
-                <a:solidFill>
-                  <a:srgbClr val="188038"/>
-                </a:solidFill>
-                <a:latin typeface="Roboto Mono"/>
-                <a:ea typeface="Roboto Mono"/>
-                <a:cs typeface="Roboto Mono"/>
-                <a:sym typeface="Roboto Mono"/>
-              </a:rPr>
-              <a:t>│   │   ├── qa_backend.tfvars</a:t>
-            </a:r>
-            <a:endParaRPr sz="900">
-              <a:solidFill>
-                <a:srgbClr val="188038"/>
-              </a:solidFill>
-              <a:latin typeface="Roboto Mono"/>
-              <a:ea typeface="Roboto Mono"/>
-              <a:cs typeface="Roboto Mono"/>
-              <a:sym typeface="Roboto Mono"/>
-            </a:endParaRPr>
-          </a:p>
-          <a:p>
-            <a:pPr marL="0" marR="0" lvl="0" indent="0" algn="l" rtl="0">
-              <a:lnSpc>
-                <a:spcPct val="115000"/>
-              </a:lnSpc>
-              <a:spcBef>
-                <a:spcPts val="0"/>
-              </a:spcBef>
-              <a:spcAft>
-                <a:spcPts val="0"/>
-              </a:spcAft>
-              <a:buNone/>
-            </a:pPr>
-            <a:r>
-              <a:rPr lang="en" sz="900">
-                <a:solidFill>
-                  <a:srgbClr val="188038"/>
-                </a:solidFill>
-                <a:latin typeface="Roboto Mono"/>
-                <a:ea typeface="Roboto Mono"/>
-                <a:cs typeface="Roboto Mono"/>
-                <a:sym typeface="Roboto Mono"/>
-              </a:rPr>
-              <a:t>│   ├── prod/</a:t>
-            </a:r>
-            <a:endParaRPr sz="900">
-              <a:solidFill>
-                <a:srgbClr val="188038"/>
-              </a:solidFill>
-              <a:latin typeface="Roboto Mono"/>
-              <a:ea typeface="Roboto Mono"/>
-              <a:cs typeface="Roboto Mono"/>
-              <a:sym typeface="Roboto Mono"/>
-            </a:endParaRPr>
-          </a:p>
-          <a:p>
-            <a:pPr marL="0" marR="0" lvl="0" indent="0" algn="l" rtl="0">
-              <a:lnSpc>
-                <a:spcPct val="115000"/>
-              </a:lnSpc>
-              <a:spcBef>
-                <a:spcPts val="0"/>
-              </a:spcBef>
-              <a:spcAft>
-                <a:spcPts val="0"/>
-              </a:spcAft>
-              <a:buNone/>
-            </a:pPr>
-            <a:r>
-              <a:rPr lang="en" sz="900">
-                <a:solidFill>
-                  <a:srgbClr val="188038"/>
-                </a:solidFill>
-                <a:latin typeface="Roboto Mono"/>
-                <a:ea typeface="Roboto Mono"/>
-                <a:cs typeface="Roboto Mono"/>
-                <a:sym typeface="Roboto Mono"/>
-              </a:rPr>
-              <a:t>│       ├── prod.tfvars</a:t>
-            </a:r>
-            <a:endParaRPr sz="900">
-              <a:solidFill>
-                <a:srgbClr val="188038"/>
-              </a:solidFill>
-              <a:latin typeface="Roboto Mono"/>
-              <a:ea typeface="Roboto Mono"/>
-              <a:cs typeface="Roboto Mono"/>
-              <a:sym typeface="Roboto Mono"/>
-            </a:endParaRPr>
-          </a:p>
-          <a:p>
-            <a:pPr marL="0" marR="0" lvl="0" indent="0" algn="l" rtl="0">
-              <a:lnSpc>
-                <a:spcPct val="115000"/>
-              </a:lnSpc>
-              <a:spcBef>
-                <a:spcPts val="0"/>
-              </a:spcBef>
-              <a:spcAft>
-                <a:spcPts val="0"/>
-              </a:spcAft>
-              <a:buNone/>
-            </a:pPr>
-            <a:r>
-              <a:rPr lang="en" sz="900">
-                <a:solidFill>
-                  <a:srgbClr val="188038"/>
-                </a:solidFill>
-                <a:latin typeface="Roboto Mono"/>
-                <a:ea typeface="Roboto Mono"/>
-                <a:cs typeface="Roboto Mono"/>
-                <a:sym typeface="Roboto Mono"/>
-              </a:rPr>
-              <a:t>│       ├── prod_backend.tfvars</a:t>
-            </a:r>
-            <a:endParaRPr sz="1100">
-              <a:solidFill>
-                <a:srgbClr val="188038"/>
-              </a:solidFill>
-              <a:latin typeface="Roboto Mono"/>
-              <a:ea typeface="Roboto Mono"/>
-              <a:cs typeface="Roboto Mono"/>
-              <a:sym typeface="Roboto Mono"/>
-            </a:endParaRPr>
-          </a:p>
-          <a:p>
-            <a:pPr marL="0" lvl="0" indent="0" algn="l" rtl="0">
-              <a:spcBef>
-                <a:spcPts val="1200"/>
-              </a:spcBef>
-              <a:spcAft>
-                <a:spcPts val="1200"/>
-              </a:spcAft>
-              <a:buNone/>
-            </a:pPr>
-            <a:r>
-              <a:rPr lang="en" sz="900">
-                <a:latin typeface="Arial"/>
-                <a:ea typeface="Arial"/>
-                <a:cs typeface="Arial"/>
-                <a:sym typeface="Arial"/>
-              </a:rPr>
-              <a:t>.</a:t>
-            </a:r>
-            <a:endParaRPr sz="1100" b="1">
-              <a:latin typeface="Arial"/>
-              <a:ea typeface="Arial"/>
-              <a:cs typeface="Arial"/>
-              <a:sym typeface="Arial"/>
-            </a:endParaRPr>
-          </a:p>
-        </p:txBody>
-      </p:sp>
-    </p:spTree>
-  </p:cSld>
-  <p:clrMapOvr>
-    <a:masterClrMapping/>
-  </p:clrMapOvr>
-</p:sld>
-</file>
-
-<file path=ppt/slides/slide33.xml><?xml version="1.0" encoding="utf-8"?>
-<p:sld xmlns:a="http://schemas.openxmlformats.org/drawingml/2006/main" xmlns:r="http://schemas.openxmlformats.org/officeDocument/2006/relationships" xmlns:p="http://schemas.openxmlformats.org/presentationml/2006/main">
-  <p:cSld>
-    <p:spTree>
-      <p:nvGrpSpPr>
-        <p:cNvPr id="1" name="Shape 297"/>
-        <p:cNvGrpSpPr/>
-        <p:nvPr/>
-      </p:nvGrpSpPr>
-      <p:grpSpPr>
-        <a:xfrm>
-          <a:off x="0" y="0"/>
-          <a:ext cx="0" cy="0"/>
-          <a:chOff x="0" y="0"/>
-          <a:chExt cx="0" cy="0"/>
-        </a:xfrm>
-      </p:grpSpPr>
-      <p:sp>
-        <p:nvSpPr>
-          <p:cNvPr id="298" name="Google Shape;298;p52"/>
-          <p:cNvSpPr txBox="1">
-            <a:spLocks noGrp="1"/>
-          </p:cNvSpPr>
-          <p:nvPr>
-            <p:ph type="title"/>
-          </p:nvPr>
-        </p:nvSpPr>
-        <p:spPr>
-          <a:xfrm>
-            <a:off x="311700" y="445025"/>
-            <a:ext cx="8520600" cy="613200"/>
-          </a:xfrm>
-          <a:prstGeom prst="rect">
-            <a:avLst/>
-          </a:prstGeom>
-        </p:spPr>
-        <p:txBody>
-          <a:bodyPr spcFirstLastPara="1" wrap="square" lIns="91425" tIns="91425" rIns="91425" bIns="91425" anchor="t" anchorCtr="0">
-            <a:noAutofit/>
-          </a:bodyPr>
-          <a:lstStyle/>
-          <a:p>
-            <a:pPr marL="0" lvl="0" indent="0" algn="l" rtl="0">
-              <a:spcBef>
-                <a:spcPts val="0"/>
-              </a:spcBef>
-              <a:spcAft>
-                <a:spcPts val="0"/>
-              </a:spcAft>
-              <a:buNone/>
-            </a:pPr>
-            <a:r>
-              <a:rPr lang="en"/>
-              <a:t>Managing Multiple Env in Terraform with .tfvars</a:t>
-            </a:r>
-            <a:endParaRPr/>
-          </a:p>
-        </p:txBody>
-      </p:sp>
-      <p:sp>
-        <p:nvSpPr>
-          <p:cNvPr id="299" name="Google Shape;299;p52"/>
-          <p:cNvSpPr txBox="1">
-            <a:spLocks noGrp="1"/>
-          </p:cNvSpPr>
-          <p:nvPr>
-            <p:ph type="body" idx="1"/>
-          </p:nvPr>
-        </p:nvSpPr>
-        <p:spPr>
-          <a:xfrm>
-            <a:off x="311700" y="942425"/>
-            <a:ext cx="7114800" cy="3763200"/>
-          </a:xfrm>
-          <a:prstGeom prst="rect">
-            <a:avLst/>
-          </a:prstGeom>
-        </p:spPr>
-        <p:txBody>
-          <a:bodyPr spcFirstLastPara="1" wrap="square" lIns="91425" tIns="91425" rIns="91425" bIns="91425" anchor="t" anchorCtr="0">
-            <a:noAutofit/>
-          </a:bodyPr>
-          <a:lstStyle/>
-          <a:p>
-            <a:pPr marL="0" lvl="0" indent="0" algn="l" rtl="0">
-              <a:spcBef>
-                <a:spcPts val="1200"/>
-              </a:spcBef>
-              <a:spcAft>
-                <a:spcPts val="0"/>
-              </a:spcAft>
-              <a:buNone/>
-            </a:pPr>
-            <a:endParaRPr sz="1100" b="1">
-              <a:latin typeface="Arial"/>
-              <a:ea typeface="Arial"/>
-              <a:cs typeface="Arial"/>
-              <a:sym typeface="Arial"/>
-            </a:endParaRPr>
-          </a:p>
-          <a:p>
-            <a:pPr marL="457200" lvl="0" indent="-298450" algn="l" rtl="0">
-              <a:spcBef>
-                <a:spcPts val="1200"/>
-              </a:spcBef>
-              <a:spcAft>
-                <a:spcPts val="0"/>
-              </a:spcAft>
-              <a:buSzPts val="1100"/>
-              <a:buFont typeface="Arial"/>
-              <a:buChar char="●"/>
-            </a:pPr>
-            <a:r>
-              <a:rPr lang="en" sz="1100" b="1">
-                <a:latin typeface="Arial"/>
-                <a:ea typeface="Arial"/>
-                <a:cs typeface="Arial"/>
-                <a:sym typeface="Arial"/>
-              </a:rPr>
-              <a:t>Run terraform init with the backend configuration file for the target environment:</a:t>
-            </a:r>
-            <a:endParaRPr sz="1100">
-              <a:latin typeface="Arial"/>
-              <a:ea typeface="Arial"/>
-              <a:cs typeface="Arial"/>
-              <a:sym typeface="Arial"/>
-            </a:endParaRPr>
-          </a:p>
-          <a:p>
-            <a:pPr marL="0" lvl="0" indent="0" algn="l" rtl="0">
-              <a:spcBef>
-                <a:spcPts val="1200"/>
-              </a:spcBef>
-              <a:spcAft>
-                <a:spcPts val="0"/>
-              </a:spcAft>
-              <a:buNone/>
-            </a:pPr>
-            <a:r>
-              <a:rPr lang="en" sz="1100">
-                <a:solidFill>
-                  <a:srgbClr val="188038"/>
-                </a:solidFill>
-                <a:latin typeface="Roboto Mono"/>
-                <a:ea typeface="Roboto Mono"/>
-                <a:cs typeface="Roboto Mono"/>
-                <a:sym typeface="Roboto Mono"/>
-              </a:rPr>
-              <a:t>terraform init -backend-config=environment/dev/dev_backend.tfvars</a:t>
-            </a:r>
-            <a:endParaRPr sz="1100">
-              <a:latin typeface="Arial"/>
-              <a:ea typeface="Arial"/>
-              <a:cs typeface="Arial"/>
-              <a:sym typeface="Arial"/>
-            </a:endParaRPr>
-          </a:p>
-          <a:p>
-            <a:pPr marL="0" lvl="0" indent="0" algn="l" rtl="0">
-              <a:spcBef>
-                <a:spcPts val="1200"/>
-              </a:spcBef>
-              <a:spcAft>
-                <a:spcPts val="0"/>
-              </a:spcAft>
-              <a:buClr>
-                <a:schemeClr val="dk1"/>
-              </a:buClr>
-              <a:buSzPts val="1100"/>
-              <a:buFont typeface="Arial"/>
-              <a:buNone/>
-            </a:pPr>
-            <a:r>
-              <a:rPr lang="en" sz="1100">
-                <a:latin typeface="Arial"/>
-                <a:ea typeface="Arial"/>
-                <a:cs typeface="Arial"/>
-                <a:sym typeface="Arial"/>
-              </a:rPr>
-              <a:t>This dynamically sets the backend configuration for the </a:t>
-            </a:r>
-            <a:r>
-              <a:rPr lang="en" sz="1100">
-                <a:solidFill>
-                  <a:srgbClr val="188038"/>
-                </a:solidFill>
-                <a:latin typeface="Roboto Mono"/>
-                <a:ea typeface="Roboto Mono"/>
-                <a:cs typeface="Roboto Mono"/>
-                <a:sym typeface="Roboto Mono"/>
-              </a:rPr>
-              <a:t>dev</a:t>
-            </a:r>
-            <a:r>
-              <a:rPr lang="en" sz="1100">
-                <a:latin typeface="Arial"/>
-                <a:ea typeface="Arial"/>
-                <a:cs typeface="Arial"/>
-                <a:sym typeface="Arial"/>
-              </a:rPr>
-              <a:t> environment.</a:t>
-            </a:r>
-            <a:endParaRPr sz="1100">
-              <a:latin typeface="Arial"/>
-              <a:ea typeface="Arial"/>
-              <a:cs typeface="Arial"/>
-              <a:sym typeface="Arial"/>
-            </a:endParaRPr>
-          </a:p>
-          <a:p>
-            <a:pPr marL="457200" lvl="0" indent="-298450" algn="l" rtl="0">
-              <a:spcBef>
-                <a:spcPts val="1200"/>
-              </a:spcBef>
-              <a:spcAft>
-                <a:spcPts val="0"/>
-              </a:spcAft>
-              <a:buSzPts val="1100"/>
-              <a:buFont typeface="Arial"/>
-              <a:buChar char="●"/>
-            </a:pPr>
-            <a:r>
-              <a:rPr lang="en" sz="1100" b="1">
-                <a:latin typeface="Arial"/>
-                <a:ea typeface="Arial"/>
-                <a:cs typeface="Arial"/>
-                <a:sym typeface="Arial"/>
-              </a:rPr>
-              <a:t>Plan with Environment-Specific Variables</a:t>
-            </a:r>
-            <a:endParaRPr sz="1100" b="1">
-              <a:latin typeface="Arial"/>
-              <a:ea typeface="Arial"/>
-              <a:cs typeface="Arial"/>
-              <a:sym typeface="Arial"/>
-            </a:endParaRPr>
-          </a:p>
-          <a:p>
-            <a:pPr marL="0" lvl="0" indent="0" algn="l" rtl="0">
-              <a:spcBef>
-                <a:spcPts val="1200"/>
-              </a:spcBef>
-              <a:spcAft>
-                <a:spcPts val="0"/>
-              </a:spcAft>
-              <a:buClr>
-                <a:schemeClr val="dk1"/>
-              </a:buClr>
-              <a:buSzPts val="1100"/>
-              <a:buFont typeface="Arial"/>
-              <a:buNone/>
-            </a:pPr>
-            <a:r>
-              <a:rPr lang="en" sz="1100">
-                <a:latin typeface="Arial"/>
-                <a:ea typeface="Arial"/>
-                <a:cs typeface="Arial"/>
-                <a:sym typeface="Arial"/>
-              </a:rPr>
-              <a:t>Generate a plan using the environment-specific </a:t>
-            </a:r>
-            <a:r>
-              <a:rPr lang="en" sz="1100">
-                <a:solidFill>
-                  <a:srgbClr val="188038"/>
-                </a:solidFill>
-                <a:latin typeface="Roboto Mono"/>
-                <a:ea typeface="Roboto Mono"/>
-                <a:cs typeface="Roboto Mono"/>
-                <a:sym typeface="Roboto Mono"/>
-              </a:rPr>
-              <a:t>.tfvars</a:t>
-            </a:r>
-            <a:r>
-              <a:rPr lang="en" sz="1100">
-                <a:latin typeface="Arial"/>
-                <a:ea typeface="Arial"/>
-                <a:cs typeface="Arial"/>
-                <a:sym typeface="Arial"/>
-              </a:rPr>
-              <a:t> file:</a:t>
-            </a:r>
-            <a:endParaRPr sz="1100">
-              <a:latin typeface="Arial"/>
-              <a:ea typeface="Arial"/>
-              <a:cs typeface="Arial"/>
-              <a:sym typeface="Arial"/>
-            </a:endParaRPr>
-          </a:p>
-          <a:p>
-            <a:pPr marL="0" lvl="0" indent="0" algn="l" rtl="0">
-              <a:spcBef>
-                <a:spcPts val="1200"/>
-              </a:spcBef>
-              <a:spcAft>
-                <a:spcPts val="0"/>
-              </a:spcAft>
-              <a:buNone/>
-            </a:pPr>
-            <a:r>
-              <a:rPr lang="en" sz="1100">
-                <a:solidFill>
-                  <a:srgbClr val="188038"/>
-                </a:solidFill>
-                <a:latin typeface="Roboto Mono"/>
-                <a:ea typeface="Roboto Mono"/>
-                <a:cs typeface="Roboto Mono"/>
-                <a:sym typeface="Roboto Mono"/>
-              </a:rPr>
-              <a:t>terraform plan -var-file=environment/dev/dev.tfvars</a:t>
-            </a:r>
-            <a:endParaRPr sz="1100">
-              <a:latin typeface="Arial"/>
-              <a:ea typeface="Arial"/>
-              <a:cs typeface="Arial"/>
-              <a:sym typeface="Arial"/>
-            </a:endParaRPr>
-          </a:p>
-          <a:p>
-            <a:pPr marL="457200" lvl="0" indent="-298450" algn="l" rtl="0">
-              <a:spcBef>
-                <a:spcPts val="1200"/>
-              </a:spcBef>
-              <a:spcAft>
-                <a:spcPts val="0"/>
-              </a:spcAft>
-              <a:buSzPts val="1100"/>
-              <a:buFont typeface="Arial"/>
-              <a:buChar char="●"/>
-            </a:pPr>
-            <a:r>
-              <a:rPr lang="en" sz="1100" b="1">
-                <a:latin typeface="Arial"/>
-                <a:ea typeface="Arial"/>
-                <a:cs typeface="Arial"/>
-                <a:sym typeface="Arial"/>
-              </a:rPr>
-              <a:t>Apply the Changes</a:t>
-            </a:r>
-            <a:endParaRPr sz="1100" b="1">
-              <a:latin typeface="Arial"/>
-              <a:ea typeface="Arial"/>
-              <a:cs typeface="Arial"/>
-              <a:sym typeface="Arial"/>
-            </a:endParaRPr>
-          </a:p>
-          <a:p>
-            <a:pPr marL="0" lvl="0" indent="0" algn="l" rtl="0">
-              <a:spcBef>
-                <a:spcPts val="1200"/>
-              </a:spcBef>
-              <a:spcAft>
-                <a:spcPts val="0"/>
-              </a:spcAft>
-              <a:buClr>
-                <a:schemeClr val="dk1"/>
-              </a:buClr>
-              <a:buSzPts val="1100"/>
-              <a:buFont typeface="Arial"/>
-              <a:buNone/>
-            </a:pPr>
-            <a:r>
-              <a:rPr lang="en" sz="1100">
-                <a:latin typeface="Arial"/>
-                <a:ea typeface="Arial"/>
-                <a:cs typeface="Arial"/>
-                <a:sym typeface="Arial"/>
-              </a:rPr>
-              <a:t>Apply the plan using the same </a:t>
-            </a:r>
-            <a:r>
-              <a:rPr lang="en" sz="1100">
-                <a:solidFill>
-                  <a:srgbClr val="188038"/>
-                </a:solidFill>
-                <a:latin typeface="Roboto Mono"/>
-                <a:ea typeface="Roboto Mono"/>
-                <a:cs typeface="Roboto Mono"/>
-                <a:sym typeface="Roboto Mono"/>
-              </a:rPr>
-              <a:t>.tfvars</a:t>
-            </a:r>
-            <a:r>
-              <a:rPr lang="en" sz="1100">
-                <a:latin typeface="Arial"/>
-                <a:ea typeface="Arial"/>
-                <a:cs typeface="Arial"/>
-                <a:sym typeface="Arial"/>
-              </a:rPr>
-              <a:t> file:</a:t>
-            </a:r>
-            <a:endParaRPr sz="1100">
-              <a:latin typeface="Arial"/>
-              <a:ea typeface="Arial"/>
-              <a:cs typeface="Arial"/>
-              <a:sym typeface="Arial"/>
-            </a:endParaRPr>
-          </a:p>
-          <a:p>
-            <a:pPr marL="0" lvl="0" indent="0" algn="l" rtl="0">
-              <a:spcBef>
-                <a:spcPts val="1200"/>
-              </a:spcBef>
-              <a:spcAft>
-                <a:spcPts val="0"/>
-              </a:spcAft>
-              <a:buClr>
-                <a:schemeClr val="dk1"/>
-              </a:buClr>
-              <a:buSzPts val="1100"/>
-              <a:buFont typeface="Arial"/>
-              <a:buNone/>
-            </a:pPr>
-            <a:r>
-              <a:rPr lang="en" sz="1100">
-                <a:solidFill>
-                  <a:srgbClr val="188038"/>
-                </a:solidFill>
-                <a:latin typeface="Roboto Mono"/>
-                <a:ea typeface="Roboto Mono"/>
-                <a:cs typeface="Roboto Mono"/>
-                <a:sym typeface="Roboto Mono"/>
-              </a:rPr>
-              <a:t>terraform apply -var-file=environment/dev/dev.tfvars</a:t>
-            </a:r>
-            <a:endParaRPr sz="1100">
-              <a:solidFill>
-                <a:srgbClr val="188038"/>
-              </a:solidFill>
-              <a:latin typeface="Roboto Mono"/>
-              <a:ea typeface="Roboto Mono"/>
-              <a:cs typeface="Roboto Mono"/>
-              <a:sym typeface="Roboto Mono"/>
-            </a:endParaRPr>
-          </a:p>
-          <a:p>
-            <a:pPr marL="0" lvl="0" indent="0" algn="l" rtl="0">
-              <a:spcBef>
-                <a:spcPts val="1200"/>
-              </a:spcBef>
-              <a:spcAft>
-                <a:spcPts val="1200"/>
-              </a:spcAft>
-              <a:buNone/>
-            </a:pPr>
-            <a:endParaRPr sz="1100">
-              <a:latin typeface="Arial"/>
-              <a:ea typeface="Arial"/>
-              <a:cs typeface="Arial"/>
-              <a:sym typeface="Arial"/>
-            </a:endParaRPr>
-          </a:p>
-        </p:txBody>
-      </p:sp>
-    </p:spTree>
-  </p:cSld>
-  <p:clrMapOvr>
-    <a:masterClrMapping/>
-  </p:clrMapOvr>
-</p:sld>
-</file>
-
-<file path=ppt/slides/slide34.xml><?xml version="1.0" encoding="utf-8"?>
-<p:sld xmlns:a="http://schemas.openxmlformats.org/drawingml/2006/main" xmlns:r="http://schemas.openxmlformats.org/officeDocument/2006/relationships" xmlns:p="http://schemas.openxmlformats.org/presentationml/2006/main">
-  <p:cSld>
-    <p:spTree>
-      <p:nvGrpSpPr>
-        <p:cNvPr id="1" name="Shape 303"/>
-        <p:cNvGrpSpPr/>
-        <p:nvPr/>
-      </p:nvGrpSpPr>
-      <p:grpSpPr>
-        <a:xfrm>
-          <a:off x="0" y="0"/>
-          <a:ext cx="0" cy="0"/>
-          <a:chOff x="0" y="0"/>
-          <a:chExt cx="0" cy="0"/>
-        </a:xfrm>
-      </p:grpSpPr>
-      <p:sp>
-        <p:nvSpPr>
-          <p:cNvPr id="304" name="Google Shape;304;p53"/>
-          <p:cNvSpPr txBox="1">
-            <a:spLocks noGrp="1"/>
-          </p:cNvSpPr>
-          <p:nvPr>
-            <p:ph type="title"/>
-          </p:nvPr>
-        </p:nvSpPr>
-        <p:spPr>
-          <a:xfrm>
-            <a:off x="311700" y="445025"/>
-            <a:ext cx="8520600" cy="613200"/>
-          </a:xfrm>
-          <a:prstGeom prst="rect">
-            <a:avLst/>
-          </a:prstGeom>
-        </p:spPr>
-        <p:txBody>
-          <a:bodyPr spcFirstLastPara="1" wrap="square" lIns="91425" tIns="91425" rIns="91425" bIns="91425" anchor="t" anchorCtr="0">
-            <a:noAutofit/>
-          </a:bodyPr>
-          <a:lstStyle/>
-          <a:p>
-            <a:pPr marL="0" lvl="0" indent="0" algn="l" rtl="0">
-              <a:spcBef>
-                <a:spcPts val="0"/>
-              </a:spcBef>
-              <a:spcAft>
-                <a:spcPts val="0"/>
-              </a:spcAft>
-              <a:buNone/>
-            </a:pPr>
-            <a:r>
-              <a:rPr lang="en"/>
-              <a:t>Managing Multiple Env with workspaces</a:t>
-            </a:r>
-            <a:endParaRPr/>
-          </a:p>
-        </p:txBody>
-      </p:sp>
-      <p:sp>
-        <p:nvSpPr>
-          <p:cNvPr id="305" name="Google Shape;305;p53"/>
-          <p:cNvSpPr txBox="1">
-            <a:spLocks noGrp="1"/>
-          </p:cNvSpPr>
-          <p:nvPr>
-            <p:ph type="body" idx="1"/>
-          </p:nvPr>
-        </p:nvSpPr>
-        <p:spPr>
-          <a:xfrm>
-            <a:off x="311699" y="942424"/>
-            <a:ext cx="8399593" cy="4086776"/>
-          </a:xfrm>
-          <a:prstGeom prst="rect">
-            <a:avLst/>
-          </a:prstGeom>
-        </p:spPr>
-        <p:txBody>
-          <a:bodyPr spcFirstLastPara="1" wrap="square" lIns="91425" tIns="91425" rIns="91425" bIns="91425" anchor="t" anchorCtr="0">
-            <a:noAutofit/>
-          </a:bodyPr>
-          <a:lstStyle/>
-          <a:p>
-            <a:pPr marL="0" lvl="0" indent="0" algn="l" rtl="0">
-              <a:spcBef>
-                <a:spcPts val="1200"/>
-              </a:spcBef>
-              <a:spcAft>
-                <a:spcPts val="0"/>
-              </a:spcAft>
-              <a:buNone/>
-            </a:pPr>
-            <a:r>
-              <a:rPr lang="en" sz="1100" dirty="0">
-                <a:latin typeface="Arial"/>
-                <a:ea typeface="Arial"/>
-                <a:cs typeface="Arial"/>
-                <a:sym typeface="Arial"/>
-              </a:rPr>
-              <a:t>Terraform workspaces are a built-in feature that allows you to manage multiple environments by isolating state files. Each workspace has its own state file, making it easy to manage resources for different environments like </a:t>
-            </a:r>
-            <a:r>
-              <a:rPr lang="en" sz="1100" dirty="0">
-                <a:solidFill>
-                  <a:srgbClr val="188038"/>
-                </a:solidFill>
-                <a:latin typeface="Roboto Mono"/>
-                <a:ea typeface="Roboto Mono"/>
-                <a:cs typeface="Roboto Mono"/>
-                <a:sym typeface="Roboto Mono"/>
-              </a:rPr>
-              <a:t>dev</a:t>
-            </a:r>
-            <a:r>
-              <a:rPr lang="en" sz="1100" dirty="0">
-                <a:latin typeface="Arial"/>
-                <a:ea typeface="Arial"/>
-                <a:cs typeface="Arial"/>
-                <a:sym typeface="Arial"/>
-              </a:rPr>
-              <a:t>, </a:t>
-            </a:r>
-            <a:r>
-              <a:rPr lang="en" sz="1100" dirty="0">
-                <a:solidFill>
-                  <a:srgbClr val="188038"/>
-                </a:solidFill>
-                <a:latin typeface="Roboto Mono"/>
-                <a:ea typeface="Roboto Mono"/>
-                <a:cs typeface="Roboto Mono"/>
-                <a:sym typeface="Roboto Mono"/>
-              </a:rPr>
-              <a:t>qa</a:t>
-            </a:r>
-            <a:r>
-              <a:rPr lang="en" sz="1100" dirty="0">
-                <a:latin typeface="Arial"/>
-                <a:ea typeface="Arial"/>
-                <a:cs typeface="Arial"/>
-                <a:sym typeface="Arial"/>
-              </a:rPr>
-              <a:t>, and </a:t>
-            </a:r>
-            <a:r>
-              <a:rPr lang="en" sz="1100" dirty="0">
-                <a:solidFill>
-                  <a:srgbClr val="188038"/>
-                </a:solidFill>
-                <a:latin typeface="Roboto Mono"/>
-                <a:ea typeface="Roboto Mono"/>
-                <a:cs typeface="Roboto Mono"/>
-                <a:sym typeface="Roboto Mono"/>
-              </a:rPr>
-              <a:t>prod</a:t>
-            </a:r>
-            <a:endParaRPr sz="1100" dirty="0">
-              <a:solidFill>
-                <a:srgbClr val="188038"/>
-              </a:solidFill>
-              <a:latin typeface="Roboto Mono"/>
-              <a:ea typeface="Roboto Mono"/>
-              <a:cs typeface="Roboto Mono"/>
-              <a:sym typeface="Roboto Mono"/>
-            </a:endParaRPr>
-          </a:p>
-          <a:p>
-            <a:pPr marL="457200" lvl="0" indent="-298450" algn="l" rtl="0">
-              <a:spcBef>
-                <a:spcPts val="1200"/>
-              </a:spcBef>
-              <a:spcAft>
-                <a:spcPts val="0"/>
-              </a:spcAft>
-              <a:buSzPts val="1100"/>
-              <a:buChar char="●"/>
-            </a:pPr>
-            <a:r>
-              <a:rPr lang="en" sz="1100" dirty="0">
-                <a:latin typeface="Arial"/>
-                <a:ea typeface="Arial"/>
-                <a:cs typeface="Arial"/>
-                <a:sym typeface="Arial"/>
-              </a:rPr>
-              <a:t>Terraform starts with a default workspace named </a:t>
-            </a:r>
-            <a:r>
-              <a:rPr lang="en" sz="1100" dirty="0">
-                <a:solidFill>
-                  <a:srgbClr val="188038"/>
-                </a:solidFill>
-                <a:latin typeface="Roboto Mono"/>
-                <a:ea typeface="Roboto Mono"/>
-                <a:cs typeface="Roboto Mono"/>
-                <a:sym typeface="Roboto Mono"/>
-              </a:rPr>
-              <a:t>default</a:t>
-            </a:r>
-            <a:r>
-              <a:rPr lang="en" sz="1100" dirty="0">
-                <a:latin typeface="Arial"/>
-                <a:ea typeface="Arial"/>
-                <a:cs typeface="Arial"/>
-                <a:sym typeface="Arial"/>
-              </a:rPr>
-              <a:t>.</a:t>
-            </a:r>
-            <a:endParaRPr sz="1100" dirty="0">
-              <a:latin typeface="Arial"/>
-              <a:ea typeface="Arial"/>
-              <a:cs typeface="Arial"/>
-              <a:sym typeface="Arial"/>
-            </a:endParaRPr>
-          </a:p>
-          <a:p>
-            <a:pPr marL="457200" lvl="0" indent="-298450" algn="l" rtl="0">
-              <a:spcBef>
-                <a:spcPts val="1200"/>
-              </a:spcBef>
-              <a:spcAft>
-                <a:spcPts val="0"/>
-              </a:spcAft>
-              <a:buSzPts val="1100"/>
-              <a:buChar char="●"/>
-            </a:pPr>
-            <a:r>
-              <a:rPr lang="en" sz="1100" dirty="0">
-                <a:latin typeface="Arial"/>
-                <a:ea typeface="Arial"/>
-                <a:cs typeface="Arial"/>
-                <a:sym typeface="Arial"/>
-              </a:rPr>
-              <a:t>Use the </a:t>
-            </a:r>
-            <a:r>
-              <a:rPr lang="en" sz="1100" dirty="0">
-                <a:solidFill>
-                  <a:srgbClr val="188038"/>
-                </a:solidFill>
-                <a:latin typeface="Roboto Mono"/>
-                <a:ea typeface="Roboto Mono"/>
-                <a:cs typeface="Roboto Mono"/>
-                <a:sym typeface="Roboto Mono"/>
-              </a:rPr>
-              <a:t>terraform workspace new</a:t>
-            </a:r>
-            <a:r>
-              <a:rPr lang="en" sz="1100" dirty="0">
-                <a:latin typeface="Arial"/>
-                <a:ea typeface="Arial"/>
-                <a:cs typeface="Arial"/>
-                <a:sym typeface="Arial"/>
-              </a:rPr>
-              <a:t> command to create workspaces for each environment.</a:t>
-            </a:r>
-            <a:endParaRPr sz="1100" dirty="0">
-              <a:latin typeface="Arial"/>
-              <a:ea typeface="Arial"/>
-              <a:cs typeface="Arial"/>
-              <a:sym typeface="Arial"/>
-            </a:endParaRPr>
-          </a:p>
-          <a:p>
-            <a:pPr marL="0" lvl="0" indent="0" algn="l" rtl="0">
-              <a:spcBef>
-                <a:spcPts val="1200"/>
-              </a:spcBef>
-              <a:spcAft>
-                <a:spcPts val="0"/>
-              </a:spcAft>
-              <a:buNone/>
-            </a:pPr>
-            <a:r>
-              <a:rPr lang="en" sz="1100" dirty="0">
-                <a:solidFill>
-                  <a:srgbClr val="188038"/>
-                </a:solidFill>
-                <a:latin typeface="Roboto Mono"/>
-                <a:ea typeface="Roboto Mono"/>
-                <a:cs typeface="Roboto Mono"/>
-                <a:sym typeface="Roboto Mono"/>
-              </a:rPr>
-              <a:t>terraform workspace new dev</a:t>
-            </a:r>
-            <a:endParaRPr sz="1100" dirty="0">
-              <a:solidFill>
-                <a:srgbClr val="188038"/>
-              </a:solidFill>
-              <a:latin typeface="Roboto Mono"/>
-              <a:ea typeface="Roboto Mono"/>
-              <a:cs typeface="Roboto Mono"/>
-              <a:sym typeface="Roboto Mono"/>
-            </a:endParaRPr>
-          </a:p>
-          <a:p>
-            <a:pPr marL="457200" lvl="0" indent="-298450" algn="l" rtl="0">
-              <a:spcBef>
-                <a:spcPts val="1200"/>
-              </a:spcBef>
-              <a:spcAft>
-                <a:spcPts val="0"/>
-              </a:spcAft>
-              <a:buSzPts val="1100"/>
-              <a:buFont typeface="Arial"/>
-              <a:buChar char="●"/>
-            </a:pPr>
-            <a:r>
-              <a:rPr lang="en" sz="1100" dirty="0">
-                <a:latin typeface="Arial"/>
-                <a:ea typeface="Arial"/>
-                <a:cs typeface="Arial"/>
-                <a:sym typeface="Arial"/>
-              </a:rPr>
-              <a:t>Use the following command to see all available workspaces:</a:t>
-            </a:r>
-            <a:endParaRPr sz="1100" dirty="0">
-              <a:latin typeface="Arial"/>
-              <a:ea typeface="Arial"/>
-              <a:cs typeface="Arial"/>
-              <a:sym typeface="Arial"/>
-            </a:endParaRPr>
-          </a:p>
-          <a:p>
-            <a:pPr marL="0" lvl="0" indent="0" algn="l" rtl="0">
-              <a:spcBef>
-                <a:spcPts val="1200"/>
-              </a:spcBef>
-              <a:spcAft>
-                <a:spcPts val="0"/>
-              </a:spcAft>
-              <a:buNone/>
-            </a:pPr>
-            <a:r>
-              <a:rPr lang="en" sz="1100" dirty="0">
-                <a:solidFill>
-                  <a:srgbClr val="188038"/>
-                </a:solidFill>
-                <a:latin typeface="Roboto Mono"/>
-                <a:ea typeface="Roboto Mono"/>
-                <a:cs typeface="Roboto Mono"/>
-                <a:sym typeface="Roboto Mono"/>
-              </a:rPr>
-              <a:t>terraform workspace list</a:t>
-            </a:r>
-          </a:p>
-          <a:p>
-            <a:pPr indent="-298450">
-              <a:spcBef>
-                <a:spcPts val="1200"/>
-              </a:spcBef>
-              <a:buSzPts val="1100"/>
-              <a:buFont typeface="Arial"/>
-              <a:buChar char="●"/>
-            </a:pPr>
-            <a:r>
-              <a:rPr lang="en-US" sz="1100" dirty="0">
-                <a:latin typeface="Arial"/>
-                <a:cs typeface="Arial"/>
-                <a:sym typeface="Roboto Mono"/>
-              </a:rPr>
-              <a:t>Switch to another workspace:</a:t>
-            </a:r>
-          </a:p>
-          <a:p>
-            <a:pPr marL="0" indent="0">
-              <a:spcBef>
-                <a:spcPts val="1200"/>
-              </a:spcBef>
-              <a:buNone/>
-            </a:pPr>
-            <a:r>
-              <a:rPr lang="en-US" sz="1100" dirty="0">
-                <a:solidFill>
-                  <a:srgbClr val="188038"/>
-                </a:solidFill>
-                <a:latin typeface="Roboto Mono"/>
-                <a:ea typeface="Roboto Mono"/>
-                <a:sym typeface="Roboto Mono"/>
-              </a:rPr>
-              <a:t>terraform workspace select default</a:t>
-            </a:r>
-            <a:endParaRPr sz="1100" dirty="0">
-              <a:solidFill>
-                <a:srgbClr val="188038"/>
-              </a:solidFill>
-              <a:latin typeface="Roboto Mono"/>
-              <a:ea typeface="Roboto Mono"/>
-              <a:sym typeface="Roboto Mono"/>
-            </a:endParaRPr>
-          </a:p>
-          <a:p>
-            <a:pPr indent="-298450">
-              <a:spcBef>
-                <a:spcPts val="1200"/>
-              </a:spcBef>
-              <a:buSzPts val="1100"/>
-              <a:buFont typeface="Arial"/>
-              <a:buChar char="●"/>
-            </a:pPr>
-            <a:r>
-              <a:rPr lang="en-US" sz="1100" dirty="0">
-                <a:latin typeface="Arial"/>
-                <a:cs typeface="Arial"/>
-                <a:sym typeface="Roboto Mono"/>
-              </a:rPr>
-              <a:t>Delete workspace:</a:t>
-            </a:r>
-          </a:p>
-          <a:p>
-            <a:pPr marL="0" indent="0">
-              <a:spcBef>
-                <a:spcPts val="1200"/>
-              </a:spcBef>
-              <a:buNone/>
-            </a:pPr>
-            <a:r>
-              <a:rPr lang="en-US" sz="1100" dirty="0">
-                <a:solidFill>
-                  <a:srgbClr val="188038"/>
-                </a:solidFill>
-                <a:latin typeface="Roboto Mono"/>
-                <a:ea typeface="Roboto Mono"/>
-                <a:sym typeface="Roboto Mono"/>
-              </a:rPr>
-              <a:t>terraform workspace delete dev</a:t>
-            </a:r>
-          </a:p>
-          <a:p>
-            <a:pPr marL="0" indent="0">
-              <a:spcBef>
-                <a:spcPts val="1200"/>
-              </a:spcBef>
-              <a:buNone/>
-            </a:pPr>
-            <a:r>
-              <a:rPr lang="en-US" sz="1100" dirty="0">
-                <a:solidFill>
-                  <a:srgbClr val="188038"/>
-                </a:solidFill>
-                <a:latin typeface="Roboto Mono"/>
-                <a:ea typeface="Roboto Mono"/>
-                <a:cs typeface="Roboto Mono"/>
-                <a:sym typeface="Roboto Mono"/>
-              </a:rPr>
-              <a:t>Variable: ${</a:t>
-            </a:r>
-            <a:r>
-              <a:rPr lang="en-US" sz="1100" dirty="0" err="1">
-                <a:solidFill>
-                  <a:srgbClr val="188038"/>
-                </a:solidFill>
-                <a:latin typeface="Roboto Mono"/>
-                <a:ea typeface="Roboto Mono"/>
-                <a:cs typeface="Roboto Mono"/>
-                <a:sym typeface="Roboto Mono"/>
-              </a:rPr>
-              <a:t>terraform.workspace</a:t>
-            </a:r>
-            <a:r>
-              <a:rPr lang="en-US" sz="1100" dirty="0">
-                <a:solidFill>
-                  <a:srgbClr val="188038"/>
-                </a:solidFill>
-                <a:latin typeface="Roboto Mono"/>
-                <a:ea typeface="Roboto Mono"/>
-                <a:cs typeface="Roboto Mono"/>
-                <a:sym typeface="Roboto Mono"/>
-              </a:rPr>
-              <a:t>}</a:t>
-            </a:r>
-            <a:endParaRPr sz="1100" dirty="0">
-              <a:solidFill>
-                <a:srgbClr val="188038"/>
-              </a:solidFill>
-              <a:latin typeface="Roboto Mono"/>
-              <a:ea typeface="Roboto Mono"/>
-              <a:cs typeface="Roboto Mono"/>
-              <a:sym typeface="Roboto Mono"/>
-            </a:endParaRPr>
-          </a:p>
-          <a:p>
-            <a:pPr marL="0" lvl="0" indent="0" algn="l" rtl="0">
-              <a:spcBef>
-                <a:spcPts val="1200"/>
-              </a:spcBef>
-              <a:spcAft>
-                <a:spcPts val="1200"/>
-              </a:spcAft>
-              <a:buNone/>
-            </a:pPr>
-            <a:endParaRPr sz="1100" dirty="0">
-              <a:solidFill>
-                <a:srgbClr val="188038"/>
-              </a:solidFill>
-              <a:latin typeface="Roboto Mono"/>
-              <a:ea typeface="Roboto Mono"/>
-              <a:cs typeface="Roboto Mono"/>
-              <a:sym typeface="Roboto Mono"/>
-            </a:endParaRPr>
-          </a:p>
-        </p:txBody>
-      </p:sp>
-    </p:spTree>
-  </p:cSld>
-  <p:clrMapOvr>
-    <a:masterClrMapping/>
-  </p:clrMapOvr>
-</p:sld>
-</file>
-
-<file path=ppt/slides/slide35.xml><?xml version="1.0" encoding="utf-8"?>
-<p:sld xmlns:a="http://schemas.openxmlformats.org/drawingml/2006/main" xmlns:r="http://schemas.openxmlformats.org/officeDocument/2006/relationships" xmlns:p="http://schemas.openxmlformats.org/presentationml/2006/main">
-  <p:cSld>
-    <p:spTree>
-      <p:nvGrpSpPr>
-        <p:cNvPr id="1" name="Shape 309"/>
-        <p:cNvGrpSpPr/>
-        <p:nvPr/>
-      </p:nvGrpSpPr>
-      <p:grpSpPr>
-        <a:xfrm>
-          <a:off x="0" y="0"/>
-          <a:ext cx="0" cy="0"/>
-          <a:chOff x="0" y="0"/>
-          <a:chExt cx="0" cy="0"/>
-        </a:xfrm>
-      </p:grpSpPr>
-      <p:sp>
-        <p:nvSpPr>
-          <p:cNvPr id="310" name="Google Shape;310;p54"/>
-          <p:cNvSpPr txBox="1">
-            <a:spLocks noGrp="1"/>
-          </p:cNvSpPr>
-          <p:nvPr>
-            <p:ph type="title"/>
-          </p:nvPr>
-        </p:nvSpPr>
-        <p:spPr>
-          <a:xfrm>
-            <a:off x="265500" y="1382350"/>
-            <a:ext cx="4045200" cy="1333200"/>
-          </a:xfrm>
-          <a:prstGeom prst="rect">
-            <a:avLst/>
-          </a:prstGeom>
-        </p:spPr>
-        <p:txBody>
-          <a:bodyPr spcFirstLastPara="1" wrap="square" lIns="91425" tIns="91425" rIns="91425" bIns="91425" anchor="b" anchorCtr="0">
-            <a:noAutofit/>
-          </a:bodyPr>
-          <a:lstStyle/>
-          <a:p>
-            <a:pPr marL="0" lvl="0" indent="0" algn="l" rtl="0">
-              <a:spcBef>
-                <a:spcPts val="0"/>
-              </a:spcBef>
-              <a:spcAft>
-                <a:spcPts val="0"/>
-              </a:spcAft>
-              <a:buNone/>
-            </a:pPr>
-            <a:r>
-              <a:rPr lang="en"/>
-              <a:t>Multi Provider setup</a:t>
-            </a:r>
-            <a:endParaRPr/>
-          </a:p>
-        </p:txBody>
-      </p:sp>
-      <p:sp>
-        <p:nvSpPr>
-          <p:cNvPr id="311" name="Google Shape;311;p54"/>
-          <p:cNvSpPr txBox="1">
-            <a:spLocks noGrp="1"/>
-          </p:cNvSpPr>
-          <p:nvPr>
-            <p:ph type="body" idx="2"/>
-          </p:nvPr>
-        </p:nvSpPr>
-        <p:spPr>
-          <a:xfrm>
-            <a:off x="4939500" y="-139375"/>
-            <a:ext cx="3837000" cy="5110500"/>
-          </a:xfrm>
-          <a:prstGeom prst="rect">
-            <a:avLst/>
-          </a:prstGeom>
-        </p:spPr>
-        <p:txBody>
-          <a:bodyPr spcFirstLastPara="1" wrap="square" lIns="91425" tIns="91425" rIns="91425" bIns="91425" anchor="ctr" anchorCtr="0">
-            <a:noAutofit/>
-          </a:bodyPr>
-          <a:lstStyle/>
-          <a:p>
-            <a:pPr marL="457200" lvl="0" indent="-311150" algn="l" rtl="0">
-              <a:spcBef>
-                <a:spcPts val="0"/>
-              </a:spcBef>
-              <a:spcAft>
-                <a:spcPts val="0"/>
-              </a:spcAft>
-              <a:buSzPts val="1300"/>
-              <a:buChar char="●"/>
-            </a:pPr>
-            <a:r>
-              <a:rPr lang="en" sz="1300"/>
-              <a:t>Need of multi provider setup</a:t>
-            </a:r>
-            <a:endParaRPr sz="1300"/>
-          </a:p>
-          <a:p>
-            <a:pPr marL="457200" lvl="0" indent="-311150" algn="l" rtl="0">
-              <a:spcBef>
-                <a:spcPts val="1600"/>
-              </a:spcBef>
-              <a:spcAft>
-                <a:spcPts val="1600"/>
-              </a:spcAft>
-              <a:buSzPts val="1300"/>
-              <a:buChar char="●"/>
-            </a:pPr>
-            <a:r>
-              <a:rPr lang="en" sz="1300"/>
-              <a:t>How to use multi provider</a:t>
-            </a:r>
-            <a:endParaRPr sz="1300"/>
-          </a:p>
-        </p:txBody>
-      </p:sp>
-    </p:spTree>
-  </p:cSld>
-  <p:clrMapOvr>
-    <a:masterClrMapping/>
-  </p:clrMapOvr>
-</p:sld>
-</file>
-
-<file path=ppt/slides/slide36.xml><?xml version="1.0" encoding="utf-8"?>
-<p:sld xmlns:a="http://schemas.openxmlformats.org/drawingml/2006/main" xmlns:r="http://schemas.openxmlformats.org/officeDocument/2006/relationships" xmlns:p="http://schemas.openxmlformats.org/presentationml/2006/main">
-  <p:cSld>
-    <p:spTree>
-      <p:nvGrpSpPr>
-        <p:cNvPr id="1" name="Shape 315"/>
-        <p:cNvGrpSpPr/>
-        <p:nvPr/>
-      </p:nvGrpSpPr>
-      <p:grpSpPr>
-        <a:xfrm>
-          <a:off x="0" y="0"/>
-          <a:ext cx="0" cy="0"/>
-          <a:chOff x="0" y="0"/>
-          <a:chExt cx="0" cy="0"/>
-        </a:xfrm>
-      </p:grpSpPr>
-      <p:sp>
-        <p:nvSpPr>
-          <p:cNvPr id="316" name="Google Shape;316;p55"/>
-          <p:cNvSpPr txBox="1">
-            <a:spLocks noGrp="1"/>
-          </p:cNvSpPr>
-          <p:nvPr>
-            <p:ph type="title"/>
-          </p:nvPr>
-        </p:nvSpPr>
-        <p:spPr>
-          <a:xfrm>
-            <a:off x="311700" y="445025"/>
-            <a:ext cx="8520600" cy="613200"/>
-          </a:xfrm>
-          <a:prstGeom prst="rect">
-            <a:avLst/>
-          </a:prstGeom>
-        </p:spPr>
-        <p:txBody>
-          <a:bodyPr spcFirstLastPara="1" wrap="square" lIns="91425" tIns="91425" rIns="91425" bIns="91425" anchor="t" anchorCtr="0">
-            <a:noAutofit/>
-          </a:bodyPr>
-          <a:lstStyle/>
-          <a:p>
-            <a:pPr marL="0" lvl="0" indent="0" algn="l" rtl="0">
-              <a:spcBef>
-                <a:spcPts val="0"/>
-              </a:spcBef>
-              <a:spcAft>
-                <a:spcPts val="0"/>
-              </a:spcAft>
-              <a:buNone/>
-            </a:pPr>
-            <a:r>
-              <a:rPr lang="en"/>
-              <a:t>Managing Multiple Providers in Terraform</a:t>
-            </a:r>
-            <a:endParaRPr/>
-          </a:p>
-        </p:txBody>
-      </p:sp>
-      <p:sp>
-        <p:nvSpPr>
-          <p:cNvPr id="317" name="Google Shape;317;p55"/>
-          <p:cNvSpPr txBox="1">
-            <a:spLocks noGrp="1"/>
-          </p:cNvSpPr>
-          <p:nvPr>
-            <p:ph type="body" idx="1"/>
-          </p:nvPr>
-        </p:nvSpPr>
-        <p:spPr>
-          <a:xfrm>
-            <a:off x="311700" y="942425"/>
-            <a:ext cx="7114800" cy="3763200"/>
-          </a:xfrm>
-          <a:prstGeom prst="rect">
-            <a:avLst/>
-          </a:prstGeom>
-        </p:spPr>
-        <p:txBody>
-          <a:bodyPr spcFirstLastPara="1" wrap="square" lIns="91425" tIns="91425" rIns="91425" bIns="91425" anchor="t" anchorCtr="0">
-            <a:noAutofit/>
-          </a:bodyPr>
-          <a:lstStyle/>
-          <a:p>
-            <a:pPr marL="0" lvl="0" indent="0" algn="l" rtl="0">
-              <a:spcBef>
-                <a:spcPts val="1200"/>
-              </a:spcBef>
-              <a:spcAft>
-                <a:spcPts val="0"/>
-              </a:spcAft>
-              <a:buNone/>
-            </a:pPr>
-            <a:endParaRPr sz="1100" b="1">
-              <a:latin typeface="Arial"/>
-              <a:ea typeface="Arial"/>
-              <a:cs typeface="Arial"/>
-              <a:sym typeface="Arial"/>
-            </a:endParaRPr>
-          </a:p>
-          <a:p>
-            <a:pPr marL="457200" lvl="0" indent="-298450" algn="l" rtl="0">
-              <a:spcBef>
-                <a:spcPts val="1200"/>
-              </a:spcBef>
-              <a:spcAft>
-                <a:spcPts val="0"/>
-              </a:spcAft>
-              <a:buSzPts val="1100"/>
-              <a:buFont typeface="Arial"/>
-              <a:buChar char="●"/>
-            </a:pPr>
-            <a:r>
-              <a:rPr lang="en" sz="1100">
-                <a:latin typeface="Arial"/>
-                <a:ea typeface="Arial"/>
-                <a:cs typeface="Arial"/>
-                <a:sym typeface="Arial"/>
-              </a:rPr>
-              <a:t>Terraform provider aliases allow you to configure and use multiple instances of the same provider within the same configuration.</a:t>
-            </a:r>
-            <a:endParaRPr sz="1100">
-              <a:latin typeface="Arial"/>
-              <a:ea typeface="Arial"/>
-              <a:cs typeface="Arial"/>
-              <a:sym typeface="Arial"/>
-            </a:endParaRPr>
-          </a:p>
-          <a:p>
-            <a:pPr marL="457200" lvl="0" indent="-298450" algn="l" rtl="0">
-              <a:spcBef>
-                <a:spcPts val="0"/>
-              </a:spcBef>
-              <a:spcAft>
-                <a:spcPts val="0"/>
-              </a:spcAft>
-              <a:buSzPts val="1100"/>
-              <a:buFont typeface="Arial"/>
-              <a:buChar char="●"/>
-            </a:pPr>
-            <a:r>
-              <a:rPr lang="en" sz="1100">
-                <a:latin typeface="Arial"/>
-                <a:ea typeface="Arial"/>
-                <a:cs typeface="Arial"/>
-                <a:sym typeface="Arial"/>
-              </a:rPr>
-              <a:t>This is useful when you need to interact with </a:t>
-            </a:r>
-            <a:r>
-              <a:rPr lang="en" sz="1100" b="1">
-                <a:latin typeface="Arial"/>
-                <a:ea typeface="Arial"/>
-                <a:cs typeface="Arial"/>
-                <a:sym typeface="Arial"/>
-              </a:rPr>
-              <a:t>Different accounts or regions</a:t>
-            </a:r>
-            <a:r>
-              <a:rPr lang="en" sz="1100">
-                <a:latin typeface="Arial"/>
-                <a:ea typeface="Arial"/>
-                <a:cs typeface="Arial"/>
-                <a:sym typeface="Arial"/>
-              </a:rPr>
-              <a:t> of the same provider.</a:t>
-            </a:r>
-            <a:endParaRPr sz="1100">
-              <a:latin typeface="Arial"/>
-              <a:ea typeface="Arial"/>
-              <a:cs typeface="Arial"/>
-              <a:sym typeface="Arial"/>
-            </a:endParaRPr>
-          </a:p>
-          <a:p>
-            <a:pPr marL="457200" lvl="0" indent="-298450" algn="l" rtl="0">
-              <a:spcBef>
-                <a:spcPts val="0"/>
-              </a:spcBef>
-              <a:spcAft>
-                <a:spcPts val="0"/>
-              </a:spcAft>
-              <a:buSzPts val="1100"/>
-              <a:buFont typeface="Arial"/>
-              <a:buChar char="●"/>
-            </a:pPr>
-            <a:r>
-              <a:rPr lang="en" sz="1100">
-                <a:latin typeface="Arial"/>
-                <a:ea typeface="Arial"/>
-                <a:cs typeface="Arial"/>
-                <a:sym typeface="Arial"/>
-              </a:rPr>
-              <a:t>It help us to manage resources across multiple AWS accounts or regions in the same configuration.</a:t>
-            </a:r>
-            <a:endParaRPr sz="1100">
-              <a:latin typeface="Arial"/>
-              <a:ea typeface="Arial"/>
-              <a:cs typeface="Arial"/>
-              <a:sym typeface="Arial"/>
-            </a:endParaRPr>
-          </a:p>
-          <a:p>
-            <a:pPr marL="457200" lvl="0" indent="-298450" algn="l" rtl="0">
-              <a:spcBef>
-                <a:spcPts val="0"/>
-              </a:spcBef>
-              <a:spcAft>
-                <a:spcPts val="0"/>
-              </a:spcAft>
-              <a:buSzPts val="1100"/>
-              <a:buFont typeface="Arial"/>
-              <a:buChar char="●"/>
-            </a:pPr>
-            <a:r>
-              <a:rPr lang="en" sz="1100">
-                <a:latin typeface="Arial"/>
-                <a:ea typeface="Arial"/>
-                <a:cs typeface="Arial"/>
-                <a:sym typeface="Arial"/>
-              </a:rPr>
-              <a:t>To define an alias for a provider, use the </a:t>
-            </a:r>
-            <a:r>
-              <a:rPr lang="en" sz="1100">
-                <a:solidFill>
-                  <a:srgbClr val="188038"/>
-                </a:solidFill>
-                <a:latin typeface="Roboto Mono"/>
-                <a:ea typeface="Roboto Mono"/>
-                <a:cs typeface="Roboto Mono"/>
-                <a:sym typeface="Roboto Mono"/>
-              </a:rPr>
-              <a:t>alias</a:t>
-            </a:r>
-            <a:r>
-              <a:rPr lang="en" sz="1100">
-                <a:latin typeface="Arial"/>
-                <a:ea typeface="Arial"/>
-                <a:cs typeface="Arial"/>
-                <a:sym typeface="Arial"/>
-              </a:rPr>
-              <a:t> argument inside the provider block.</a:t>
-            </a:r>
-            <a:endParaRPr sz="1100">
-              <a:latin typeface="Arial"/>
-              <a:ea typeface="Arial"/>
-              <a:cs typeface="Arial"/>
-              <a:sym typeface="Arial"/>
-            </a:endParaRPr>
-          </a:p>
-          <a:p>
-            <a:pPr marL="457200" lvl="0" indent="0" algn="l" rtl="0">
-              <a:spcBef>
-                <a:spcPts val="1200"/>
-              </a:spcBef>
-              <a:spcAft>
-                <a:spcPts val="0"/>
-              </a:spcAft>
-              <a:buNone/>
-            </a:pPr>
-            <a:r>
-              <a:rPr lang="en" sz="1100" b="1">
-                <a:latin typeface="Arial"/>
-                <a:ea typeface="Arial"/>
-                <a:cs typeface="Arial"/>
-                <a:sym typeface="Arial"/>
-              </a:rPr>
-              <a:t>Example:</a:t>
-            </a:r>
-            <a:endParaRPr sz="1100">
-              <a:latin typeface="Arial"/>
-              <a:ea typeface="Arial"/>
-              <a:cs typeface="Arial"/>
-              <a:sym typeface="Arial"/>
-            </a:endParaRPr>
-          </a:p>
-          <a:p>
-            <a:pPr marL="0" marR="0" lvl="0" indent="0" algn="l" rtl="0">
-              <a:lnSpc>
-                <a:spcPct val="115000"/>
-              </a:lnSpc>
-              <a:spcBef>
-                <a:spcPts val="1200"/>
-              </a:spcBef>
-              <a:spcAft>
-                <a:spcPts val="0"/>
-              </a:spcAft>
-              <a:buNone/>
-            </a:pPr>
-            <a:r>
-              <a:rPr lang="en" sz="900">
-                <a:solidFill>
-                  <a:srgbClr val="188038"/>
-                </a:solidFill>
-                <a:latin typeface="Roboto Mono"/>
-                <a:ea typeface="Roboto Mono"/>
-                <a:cs typeface="Roboto Mono"/>
-                <a:sym typeface="Roboto Mono"/>
-              </a:rPr>
-              <a:t>provider "aws" {</a:t>
-            </a:r>
-            <a:endParaRPr sz="900">
-              <a:solidFill>
-                <a:srgbClr val="188038"/>
-              </a:solidFill>
-              <a:latin typeface="Roboto Mono"/>
-              <a:ea typeface="Roboto Mono"/>
-              <a:cs typeface="Roboto Mono"/>
-              <a:sym typeface="Roboto Mono"/>
-            </a:endParaRPr>
-          </a:p>
-          <a:p>
-            <a:pPr marL="0" marR="0" lvl="0" indent="0" algn="l" rtl="0">
-              <a:lnSpc>
-                <a:spcPct val="115000"/>
-              </a:lnSpc>
-              <a:spcBef>
-                <a:spcPts val="0"/>
-              </a:spcBef>
-              <a:spcAft>
-                <a:spcPts val="0"/>
-              </a:spcAft>
-              <a:buNone/>
-            </a:pPr>
-            <a:r>
-              <a:rPr lang="en" sz="900">
-                <a:solidFill>
-                  <a:srgbClr val="188038"/>
-                </a:solidFill>
-                <a:latin typeface="Roboto Mono"/>
-                <a:ea typeface="Roboto Mono"/>
-                <a:cs typeface="Roboto Mono"/>
-                <a:sym typeface="Roboto Mono"/>
-              </a:rPr>
-              <a:t>  region = "us-east-1"</a:t>
-            </a:r>
-            <a:endParaRPr sz="900">
-              <a:solidFill>
-                <a:srgbClr val="188038"/>
-              </a:solidFill>
-              <a:latin typeface="Roboto Mono"/>
-              <a:ea typeface="Roboto Mono"/>
-              <a:cs typeface="Roboto Mono"/>
-              <a:sym typeface="Roboto Mono"/>
-            </a:endParaRPr>
-          </a:p>
-          <a:p>
-            <a:pPr marL="0" marR="0" lvl="0" indent="0" algn="l" rtl="0">
-              <a:lnSpc>
-                <a:spcPct val="115000"/>
-              </a:lnSpc>
-              <a:spcBef>
-                <a:spcPts val="0"/>
-              </a:spcBef>
-              <a:spcAft>
-                <a:spcPts val="0"/>
-              </a:spcAft>
-              <a:buNone/>
-            </a:pPr>
-            <a:r>
-              <a:rPr lang="en" sz="900">
-                <a:solidFill>
-                  <a:srgbClr val="188038"/>
-                </a:solidFill>
-                <a:latin typeface="Roboto Mono"/>
-                <a:ea typeface="Roboto Mono"/>
-                <a:cs typeface="Roboto Mono"/>
-                <a:sym typeface="Roboto Mono"/>
-              </a:rPr>
-              <a:t>}</a:t>
-            </a:r>
-            <a:endParaRPr sz="900">
-              <a:solidFill>
-                <a:srgbClr val="188038"/>
-              </a:solidFill>
-              <a:latin typeface="Roboto Mono"/>
-              <a:ea typeface="Roboto Mono"/>
-              <a:cs typeface="Roboto Mono"/>
-              <a:sym typeface="Roboto Mono"/>
-            </a:endParaRPr>
-          </a:p>
-          <a:p>
-            <a:pPr marL="0" marR="0" lvl="0" indent="0" algn="l" rtl="0">
-              <a:lnSpc>
-                <a:spcPct val="115000"/>
-              </a:lnSpc>
-              <a:spcBef>
-                <a:spcPts val="0"/>
-              </a:spcBef>
-              <a:spcAft>
-                <a:spcPts val="0"/>
-              </a:spcAft>
-              <a:buNone/>
-            </a:pPr>
-            <a:endParaRPr sz="900">
-              <a:solidFill>
-                <a:srgbClr val="188038"/>
-              </a:solidFill>
-              <a:latin typeface="Roboto Mono"/>
-              <a:ea typeface="Roboto Mono"/>
-              <a:cs typeface="Roboto Mono"/>
-              <a:sym typeface="Roboto Mono"/>
-            </a:endParaRPr>
-          </a:p>
-          <a:p>
-            <a:pPr marL="0" marR="0" lvl="0" indent="0" algn="l" rtl="0">
-              <a:lnSpc>
-                <a:spcPct val="115000"/>
-              </a:lnSpc>
-              <a:spcBef>
-                <a:spcPts val="0"/>
-              </a:spcBef>
-              <a:spcAft>
-                <a:spcPts val="0"/>
-              </a:spcAft>
-              <a:buNone/>
-            </a:pPr>
-            <a:r>
-              <a:rPr lang="en" sz="900">
-                <a:solidFill>
-                  <a:srgbClr val="188038"/>
-                </a:solidFill>
-                <a:latin typeface="Roboto Mono"/>
-                <a:ea typeface="Roboto Mono"/>
-                <a:cs typeface="Roboto Mono"/>
-                <a:sym typeface="Roboto Mono"/>
-              </a:rPr>
-              <a:t>provider "aws" {</a:t>
-            </a:r>
-            <a:endParaRPr sz="900">
-              <a:solidFill>
-                <a:srgbClr val="188038"/>
-              </a:solidFill>
-              <a:latin typeface="Roboto Mono"/>
-              <a:ea typeface="Roboto Mono"/>
-              <a:cs typeface="Roboto Mono"/>
-              <a:sym typeface="Roboto Mono"/>
-            </a:endParaRPr>
-          </a:p>
-          <a:p>
-            <a:pPr marL="0" marR="0" lvl="0" indent="0" algn="l" rtl="0">
-              <a:lnSpc>
-                <a:spcPct val="115000"/>
-              </a:lnSpc>
-              <a:spcBef>
-                <a:spcPts val="0"/>
-              </a:spcBef>
-              <a:spcAft>
-                <a:spcPts val="0"/>
-              </a:spcAft>
-              <a:buNone/>
-            </a:pPr>
-            <a:r>
-              <a:rPr lang="en" sz="900">
-                <a:solidFill>
-                  <a:srgbClr val="188038"/>
-                </a:solidFill>
-                <a:latin typeface="Roboto Mono"/>
-                <a:ea typeface="Roboto Mono"/>
-                <a:cs typeface="Roboto Mono"/>
-                <a:sym typeface="Roboto Mono"/>
-              </a:rPr>
-              <a:t>  alias  = "us-west"</a:t>
-            </a:r>
-            <a:endParaRPr sz="900">
-              <a:solidFill>
-                <a:srgbClr val="188038"/>
-              </a:solidFill>
-              <a:latin typeface="Roboto Mono"/>
-              <a:ea typeface="Roboto Mono"/>
-              <a:cs typeface="Roboto Mono"/>
-              <a:sym typeface="Roboto Mono"/>
-            </a:endParaRPr>
-          </a:p>
-          <a:p>
-            <a:pPr marL="0" marR="0" lvl="0" indent="0" algn="l" rtl="0">
-              <a:lnSpc>
-                <a:spcPct val="115000"/>
-              </a:lnSpc>
-              <a:spcBef>
-                <a:spcPts val="0"/>
-              </a:spcBef>
-              <a:spcAft>
-                <a:spcPts val="0"/>
-              </a:spcAft>
-              <a:buNone/>
-            </a:pPr>
-            <a:r>
-              <a:rPr lang="en" sz="900">
-                <a:solidFill>
-                  <a:srgbClr val="188038"/>
-                </a:solidFill>
-                <a:latin typeface="Roboto Mono"/>
-                <a:ea typeface="Roboto Mono"/>
-                <a:cs typeface="Roboto Mono"/>
-                <a:sym typeface="Roboto Mono"/>
-              </a:rPr>
-              <a:t>  region = "us-west-1"</a:t>
-            </a:r>
-            <a:endParaRPr sz="900">
-              <a:solidFill>
-                <a:srgbClr val="188038"/>
-              </a:solidFill>
-              <a:latin typeface="Roboto Mono"/>
-              <a:ea typeface="Roboto Mono"/>
-              <a:cs typeface="Roboto Mono"/>
-              <a:sym typeface="Roboto Mono"/>
-            </a:endParaRPr>
-          </a:p>
-          <a:p>
-            <a:pPr marL="0" marR="0" lvl="0" indent="0" algn="l" rtl="0">
-              <a:lnSpc>
-                <a:spcPct val="115000"/>
-              </a:lnSpc>
-              <a:spcBef>
-                <a:spcPts val="0"/>
-              </a:spcBef>
-              <a:spcAft>
-                <a:spcPts val="0"/>
-              </a:spcAft>
-              <a:buNone/>
-            </a:pPr>
-            <a:r>
-              <a:rPr lang="en" sz="900">
-                <a:solidFill>
-                  <a:srgbClr val="188038"/>
-                </a:solidFill>
-                <a:latin typeface="Roboto Mono"/>
-                <a:ea typeface="Roboto Mono"/>
-                <a:cs typeface="Roboto Mono"/>
-                <a:sym typeface="Roboto Mono"/>
-              </a:rPr>
-              <a:t>}</a:t>
-            </a:r>
-            <a:endParaRPr sz="1100">
-              <a:latin typeface="Arial"/>
-              <a:ea typeface="Arial"/>
-              <a:cs typeface="Arial"/>
-              <a:sym typeface="Arial"/>
-            </a:endParaRPr>
-          </a:p>
-          <a:p>
-            <a:pPr marL="0" lvl="0" indent="0" algn="l" rtl="0">
-              <a:spcBef>
-                <a:spcPts val="1200"/>
-              </a:spcBef>
-              <a:spcAft>
-                <a:spcPts val="1200"/>
-              </a:spcAft>
-              <a:buNone/>
-            </a:pPr>
-            <a:endParaRPr sz="1100">
-              <a:latin typeface="Arial"/>
-              <a:ea typeface="Arial"/>
-              <a:cs typeface="Arial"/>
-              <a:sym typeface="Arial"/>
-            </a:endParaRPr>
-          </a:p>
-        </p:txBody>
-      </p:sp>
-    </p:spTree>
-  </p:cSld>
-  <p:clrMapOvr>
-    <a:masterClrMapping/>
-  </p:clrMapOvr>
-</p:sld>
-</file>
-
-<file path=ppt/slides/slide37.xml><?xml version="1.0" encoding="utf-8"?>
-<p:sld xmlns:a="http://schemas.openxmlformats.org/drawingml/2006/main" xmlns:r="http://schemas.openxmlformats.org/officeDocument/2006/relationships" xmlns:p="http://schemas.openxmlformats.org/presentationml/2006/main">
-  <p:cSld>
-    <p:spTree>
-      <p:nvGrpSpPr>
-        <p:cNvPr id="1" name="Shape 321"/>
-        <p:cNvGrpSpPr/>
-        <p:nvPr/>
-      </p:nvGrpSpPr>
-      <p:grpSpPr>
-        <a:xfrm>
-          <a:off x="0" y="0"/>
-          <a:ext cx="0" cy="0"/>
-          <a:chOff x="0" y="0"/>
-          <a:chExt cx="0" cy="0"/>
-        </a:xfrm>
-      </p:grpSpPr>
-      <p:sp>
-        <p:nvSpPr>
-          <p:cNvPr id="322" name="Google Shape;322;p56"/>
-          <p:cNvSpPr txBox="1">
-            <a:spLocks noGrp="1"/>
-          </p:cNvSpPr>
-          <p:nvPr>
-            <p:ph type="title"/>
-          </p:nvPr>
-        </p:nvSpPr>
-        <p:spPr>
-          <a:xfrm>
-            <a:off x="311700" y="445025"/>
-            <a:ext cx="8520600" cy="613200"/>
-          </a:xfrm>
-          <a:prstGeom prst="rect">
-            <a:avLst/>
-          </a:prstGeom>
-        </p:spPr>
-        <p:txBody>
-          <a:bodyPr spcFirstLastPara="1" wrap="square" lIns="91425" tIns="91425" rIns="91425" bIns="91425" anchor="t" anchorCtr="0">
-            <a:noAutofit/>
-          </a:bodyPr>
-          <a:lstStyle/>
-          <a:p>
-            <a:pPr marL="0" lvl="0" indent="0" algn="l" rtl="0">
-              <a:spcBef>
-                <a:spcPts val="0"/>
-              </a:spcBef>
-              <a:spcAft>
-                <a:spcPts val="0"/>
-              </a:spcAft>
-              <a:buNone/>
-            </a:pPr>
-            <a:r>
-              <a:rPr lang="en"/>
-              <a:t>Managing Multiple Providers in Terraform</a:t>
-            </a:r>
-            <a:endParaRPr/>
-          </a:p>
-        </p:txBody>
-      </p:sp>
-      <p:sp>
-        <p:nvSpPr>
-          <p:cNvPr id="323" name="Google Shape;323;p56"/>
-          <p:cNvSpPr txBox="1">
-            <a:spLocks noGrp="1"/>
-          </p:cNvSpPr>
-          <p:nvPr>
-            <p:ph type="body" idx="1"/>
-          </p:nvPr>
-        </p:nvSpPr>
-        <p:spPr>
-          <a:xfrm>
-            <a:off x="311700" y="942425"/>
-            <a:ext cx="7114800" cy="3763200"/>
-          </a:xfrm>
-          <a:prstGeom prst="rect">
-            <a:avLst/>
-          </a:prstGeom>
-        </p:spPr>
-        <p:txBody>
-          <a:bodyPr spcFirstLastPara="1" wrap="square" lIns="91425" tIns="91425" rIns="91425" bIns="91425" anchor="t" anchorCtr="0">
-            <a:noAutofit/>
-          </a:bodyPr>
-          <a:lstStyle/>
-          <a:p>
-            <a:pPr marL="0" lvl="0" indent="0" algn="l" rtl="0">
-              <a:spcBef>
-                <a:spcPts val="1200"/>
-              </a:spcBef>
-              <a:spcAft>
-                <a:spcPts val="0"/>
-              </a:spcAft>
-              <a:buNone/>
-            </a:pPr>
-            <a:endParaRPr sz="1100" b="1">
-              <a:latin typeface="Arial"/>
-              <a:ea typeface="Arial"/>
-              <a:cs typeface="Arial"/>
-              <a:sym typeface="Arial"/>
-            </a:endParaRPr>
-          </a:p>
-          <a:p>
-            <a:pPr marL="0" lvl="0" indent="0" algn="l" rtl="0">
-              <a:spcBef>
-                <a:spcPts val="1200"/>
-              </a:spcBef>
-              <a:spcAft>
-                <a:spcPts val="0"/>
-              </a:spcAft>
-              <a:buClr>
-                <a:schemeClr val="dk1"/>
-              </a:buClr>
-              <a:buSzPts val="1100"/>
-              <a:buFont typeface="Arial"/>
-              <a:buNone/>
-            </a:pPr>
-            <a:r>
-              <a:rPr lang="en" sz="1100">
-                <a:latin typeface="Arial"/>
-                <a:ea typeface="Arial"/>
-                <a:cs typeface="Arial"/>
-                <a:sym typeface="Arial"/>
-              </a:rPr>
-              <a:t>When referencing an aliased provider in a resource block, use the </a:t>
-            </a:r>
-            <a:r>
-              <a:rPr lang="en" sz="1100">
-                <a:solidFill>
-                  <a:srgbClr val="188038"/>
-                </a:solidFill>
-                <a:latin typeface="Roboto Mono"/>
-                <a:ea typeface="Roboto Mono"/>
-                <a:cs typeface="Roboto Mono"/>
-                <a:sym typeface="Roboto Mono"/>
-              </a:rPr>
-              <a:t>provider</a:t>
-            </a:r>
-            <a:r>
-              <a:rPr lang="en" sz="1100">
-                <a:latin typeface="Arial"/>
-                <a:ea typeface="Arial"/>
-                <a:cs typeface="Arial"/>
-                <a:sym typeface="Arial"/>
-              </a:rPr>
-              <a:t> argument.</a:t>
-            </a:r>
-            <a:endParaRPr sz="1100">
-              <a:latin typeface="Arial"/>
-              <a:ea typeface="Arial"/>
-              <a:cs typeface="Arial"/>
-              <a:sym typeface="Arial"/>
-            </a:endParaRPr>
-          </a:p>
-          <a:p>
-            <a:pPr marL="0" lvl="0" indent="0" algn="l" rtl="0">
-              <a:spcBef>
-                <a:spcPts val="1200"/>
-              </a:spcBef>
-              <a:spcAft>
-                <a:spcPts val="0"/>
-              </a:spcAft>
-              <a:buClr>
-                <a:schemeClr val="dk1"/>
-              </a:buClr>
-              <a:buSzPts val="1100"/>
-              <a:buFont typeface="Arial"/>
-              <a:buNone/>
-            </a:pPr>
-            <a:r>
-              <a:rPr lang="en" sz="1100" b="1">
-                <a:latin typeface="Arial"/>
-                <a:ea typeface="Arial"/>
-                <a:cs typeface="Arial"/>
-                <a:sym typeface="Arial"/>
-              </a:rPr>
-              <a:t>Example:</a:t>
-            </a:r>
-            <a:endParaRPr sz="1100">
-              <a:latin typeface="Arial"/>
-              <a:ea typeface="Arial"/>
-              <a:cs typeface="Arial"/>
-              <a:sym typeface="Arial"/>
-            </a:endParaRPr>
-          </a:p>
-          <a:p>
-            <a:pPr marL="0" marR="0" lvl="0" indent="0" algn="l" rtl="0">
-              <a:lnSpc>
-                <a:spcPct val="115000"/>
-              </a:lnSpc>
-              <a:spcBef>
-                <a:spcPts val="1200"/>
-              </a:spcBef>
-              <a:spcAft>
-                <a:spcPts val="0"/>
-              </a:spcAft>
-              <a:buNone/>
-            </a:pPr>
-            <a:r>
-              <a:rPr lang="en" sz="1100">
-                <a:solidFill>
-                  <a:srgbClr val="188038"/>
-                </a:solidFill>
-                <a:latin typeface="Roboto Mono"/>
-                <a:ea typeface="Roboto Mono"/>
-                <a:cs typeface="Roboto Mono"/>
-                <a:sym typeface="Roboto Mono"/>
-              </a:rPr>
-              <a:t># This uses the default AWS provider (us-east-1)</a:t>
-            </a:r>
-            <a:endParaRPr sz="1100">
-              <a:solidFill>
-                <a:srgbClr val="188038"/>
-              </a:solidFill>
-              <a:latin typeface="Roboto Mono"/>
-              <a:ea typeface="Roboto Mono"/>
-              <a:cs typeface="Roboto Mono"/>
-              <a:sym typeface="Roboto Mono"/>
-            </a:endParaRPr>
-          </a:p>
-          <a:p>
-            <a:pPr marL="0" marR="0" lvl="0" indent="0" algn="l" rtl="0">
-              <a:lnSpc>
-                <a:spcPct val="115000"/>
-              </a:lnSpc>
-              <a:spcBef>
-                <a:spcPts val="0"/>
-              </a:spcBef>
-              <a:spcAft>
-                <a:spcPts val="0"/>
-              </a:spcAft>
-              <a:buNone/>
-            </a:pPr>
-            <a:r>
-              <a:rPr lang="en" sz="1100">
-                <a:solidFill>
-                  <a:srgbClr val="188038"/>
-                </a:solidFill>
-                <a:latin typeface="Roboto Mono"/>
-                <a:ea typeface="Roboto Mono"/>
-                <a:cs typeface="Roboto Mono"/>
-                <a:sym typeface="Roboto Mono"/>
-              </a:rPr>
-              <a:t>resource "aws_s3_bucket" "default_region" {</a:t>
-            </a:r>
-            <a:endParaRPr sz="1100">
-              <a:solidFill>
-                <a:srgbClr val="188038"/>
-              </a:solidFill>
-              <a:latin typeface="Roboto Mono"/>
-              <a:ea typeface="Roboto Mono"/>
-              <a:cs typeface="Roboto Mono"/>
-              <a:sym typeface="Roboto Mono"/>
-            </a:endParaRPr>
-          </a:p>
-          <a:p>
-            <a:pPr marL="0" marR="0" lvl="0" indent="0" algn="l" rtl="0">
-              <a:lnSpc>
-                <a:spcPct val="115000"/>
-              </a:lnSpc>
-              <a:spcBef>
-                <a:spcPts val="0"/>
-              </a:spcBef>
-              <a:spcAft>
-                <a:spcPts val="0"/>
-              </a:spcAft>
-              <a:buNone/>
-            </a:pPr>
-            <a:r>
-              <a:rPr lang="en" sz="1100">
-                <a:solidFill>
-                  <a:srgbClr val="188038"/>
-                </a:solidFill>
-                <a:latin typeface="Roboto Mono"/>
-                <a:ea typeface="Roboto Mono"/>
-                <a:cs typeface="Roboto Mono"/>
-                <a:sym typeface="Roboto Mono"/>
-              </a:rPr>
-              <a:t>  bucket = "my-default-region-bucket"</a:t>
-            </a:r>
-            <a:endParaRPr sz="1100">
-              <a:solidFill>
-                <a:srgbClr val="188038"/>
-              </a:solidFill>
-              <a:latin typeface="Roboto Mono"/>
-              <a:ea typeface="Roboto Mono"/>
-              <a:cs typeface="Roboto Mono"/>
-              <a:sym typeface="Roboto Mono"/>
-            </a:endParaRPr>
-          </a:p>
-          <a:p>
-            <a:pPr marL="0" marR="0" lvl="0" indent="0" algn="l" rtl="0">
-              <a:lnSpc>
-                <a:spcPct val="115000"/>
-              </a:lnSpc>
-              <a:spcBef>
-                <a:spcPts val="0"/>
-              </a:spcBef>
-              <a:spcAft>
-                <a:spcPts val="0"/>
-              </a:spcAft>
-              <a:buNone/>
-            </a:pPr>
-            <a:r>
-              <a:rPr lang="en" sz="1100">
-                <a:solidFill>
-                  <a:srgbClr val="188038"/>
-                </a:solidFill>
-                <a:latin typeface="Roboto Mono"/>
-                <a:ea typeface="Roboto Mono"/>
-                <a:cs typeface="Roboto Mono"/>
-                <a:sym typeface="Roboto Mono"/>
-              </a:rPr>
-              <a:t>  acl    = "private"</a:t>
-            </a:r>
-            <a:endParaRPr sz="1100">
-              <a:solidFill>
-                <a:srgbClr val="188038"/>
-              </a:solidFill>
-              <a:latin typeface="Roboto Mono"/>
-              <a:ea typeface="Roboto Mono"/>
-              <a:cs typeface="Roboto Mono"/>
-              <a:sym typeface="Roboto Mono"/>
-            </a:endParaRPr>
-          </a:p>
-          <a:p>
-            <a:pPr marL="0" marR="0" lvl="0" indent="0" algn="l" rtl="0">
-              <a:lnSpc>
-                <a:spcPct val="115000"/>
-              </a:lnSpc>
-              <a:spcBef>
-                <a:spcPts val="0"/>
-              </a:spcBef>
-              <a:spcAft>
-                <a:spcPts val="0"/>
-              </a:spcAft>
-              <a:buNone/>
-            </a:pPr>
-            <a:r>
-              <a:rPr lang="en" sz="1100">
-                <a:solidFill>
-                  <a:srgbClr val="188038"/>
-                </a:solidFill>
-                <a:latin typeface="Roboto Mono"/>
-                <a:ea typeface="Roboto Mono"/>
-                <a:cs typeface="Roboto Mono"/>
-                <a:sym typeface="Roboto Mono"/>
-              </a:rPr>
-              <a:t>}</a:t>
-            </a:r>
-            <a:endParaRPr sz="1100">
-              <a:solidFill>
-                <a:srgbClr val="188038"/>
-              </a:solidFill>
-              <a:latin typeface="Roboto Mono"/>
-              <a:ea typeface="Roboto Mono"/>
-              <a:cs typeface="Roboto Mono"/>
-              <a:sym typeface="Roboto Mono"/>
-            </a:endParaRPr>
-          </a:p>
-          <a:p>
-            <a:pPr marL="0" marR="0" lvl="0" indent="0" algn="l" rtl="0">
-              <a:lnSpc>
-                <a:spcPct val="115000"/>
-              </a:lnSpc>
-              <a:spcBef>
-                <a:spcPts val="0"/>
-              </a:spcBef>
-              <a:spcAft>
-                <a:spcPts val="0"/>
-              </a:spcAft>
-              <a:buNone/>
-            </a:pPr>
-            <a:endParaRPr sz="1100">
-              <a:solidFill>
-                <a:srgbClr val="188038"/>
-              </a:solidFill>
-              <a:latin typeface="Roboto Mono"/>
-              <a:ea typeface="Roboto Mono"/>
-              <a:cs typeface="Roboto Mono"/>
-              <a:sym typeface="Roboto Mono"/>
-            </a:endParaRPr>
-          </a:p>
-          <a:p>
-            <a:pPr marL="0" marR="0" lvl="0" indent="0" algn="l" rtl="0">
-              <a:lnSpc>
-                <a:spcPct val="115000"/>
-              </a:lnSpc>
-              <a:spcBef>
-                <a:spcPts val="0"/>
-              </a:spcBef>
-              <a:spcAft>
-                <a:spcPts val="0"/>
-              </a:spcAft>
-              <a:buNone/>
-            </a:pPr>
-            <a:r>
-              <a:rPr lang="en" sz="1100">
-                <a:solidFill>
-                  <a:srgbClr val="188038"/>
-                </a:solidFill>
-                <a:latin typeface="Roboto Mono"/>
-                <a:ea typeface="Roboto Mono"/>
-                <a:cs typeface="Roboto Mono"/>
-                <a:sym typeface="Roboto Mono"/>
-              </a:rPr>
-              <a:t># This uses the aliased AWS provider (us-west-1)</a:t>
-            </a:r>
-            <a:endParaRPr sz="1100">
-              <a:solidFill>
-                <a:srgbClr val="188038"/>
-              </a:solidFill>
-              <a:latin typeface="Roboto Mono"/>
-              <a:ea typeface="Roboto Mono"/>
-              <a:cs typeface="Roboto Mono"/>
-              <a:sym typeface="Roboto Mono"/>
-            </a:endParaRPr>
-          </a:p>
-          <a:p>
-            <a:pPr marL="0" marR="0" lvl="0" indent="0" algn="l" rtl="0">
-              <a:lnSpc>
-                <a:spcPct val="115000"/>
-              </a:lnSpc>
-              <a:spcBef>
-                <a:spcPts val="0"/>
-              </a:spcBef>
-              <a:spcAft>
-                <a:spcPts val="0"/>
-              </a:spcAft>
-              <a:buNone/>
-            </a:pPr>
-            <a:r>
-              <a:rPr lang="en" sz="1100">
-                <a:solidFill>
-                  <a:srgbClr val="188038"/>
-                </a:solidFill>
-                <a:latin typeface="Roboto Mono"/>
-                <a:ea typeface="Roboto Mono"/>
-                <a:cs typeface="Roboto Mono"/>
-                <a:sym typeface="Roboto Mono"/>
-              </a:rPr>
-              <a:t>resource "aws_s3_bucket" "west_region" {</a:t>
-            </a:r>
-            <a:endParaRPr sz="1100">
-              <a:solidFill>
-                <a:srgbClr val="188038"/>
-              </a:solidFill>
-              <a:latin typeface="Roboto Mono"/>
-              <a:ea typeface="Roboto Mono"/>
-              <a:cs typeface="Roboto Mono"/>
-              <a:sym typeface="Roboto Mono"/>
-            </a:endParaRPr>
-          </a:p>
-          <a:p>
-            <a:pPr marL="0" marR="0" lvl="0" indent="0" algn="l" rtl="0">
-              <a:lnSpc>
-                <a:spcPct val="115000"/>
-              </a:lnSpc>
-              <a:spcBef>
-                <a:spcPts val="0"/>
-              </a:spcBef>
-              <a:spcAft>
-                <a:spcPts val="0"/>
-              </a:spcAft>
-              <a:buNone/>
-            </a:pPr>
-            <a:r>
-              <a:rPr lang="en" sz="1100">
-                <a:solidFill>
-                  <a:srgbClr val="188038"/>
-                </a:solidFill>
-                <a:latin typeface="Roboto Mono"/>
-                <a:ea typeface="Roboto Mono"/>
-                <a:cs typeface="Roboto Mono"/>
-                <a:sym typeface="Roboto Mono"/>
-              </a:rPr>
-              <a:t>  bucket   = "my-west-region-bucket"</a:t>
-            </a:r>
-            <a:endParaRPr sz="1100">
-              <a:solidFill>
-                <a:srgbClr val="188038"/>
-              </a:solidFill>
-              <a:latin typeface="Roboto Mono"/>
-              <a:ea typeface="Roboto Mono"/>
-              <a:cs typeface="Roboto Mono"/>
-              <a:sym typeface="Roboto Mono"/>
-            </a:endParaRPr>
-          </a:p>
-          <a:p>
-            <a:pPr marL="0" marR="0" lvl="0" indent="0" algn="l" rtl="0">
-              <a:lnSpc>
-                <a:spcPct val="115000"/>
-              </a:lnSpc>
-              <a:spcBef>
-                <a:spcPts val="0"/>
-              </a:spcBef>
-              <a:spcAft>
-                <a:spcPts val="0"/>
-              </a:spcAft>
-              <a:buNone/>
-            </a:pPr>
-            <a:r>
-              <a:rPr lang="en" sz="1100">
-                <a:solidFill>
-                  <a:srgbClr val="188038"/>
-                </a:solidFill>
-                <a:latin typeface="Roboto Mono"/>
-                <a:ea typeface="Roboto Mono"/>
-                <a:cs typeface="Roboto Mono"/>
-                <a:sym typeface="Roboto Mono"/>
-              </a:rPr>
-              <a:t>  acl      = "private"</a:t>
-            </a:r>
-            <a:endParaRPr sz="1100">
-              <a:solidFill>
-                <a:srgbClr val="188038"/>
-              </a:solidFill>
-              <a:latin typeface="Roboto Mono"/>
-              <a:ea typeface="Roboto Mono"/>
-              <a:cs typeface="Roboto Mono"/>
-              <a:sym typeface="Roboto Mono"/>
-            </a:endParaRPr>
-          </a:p>
-          <a:p>
-            <a:pPr marL="0" marR="0" lvl="0" indent="0" algn="l" rtl="0">
-              <a:lnSpc>
-                <a:spcPct val="115000"/>
-              </a:lnSpc>
-              <a:spcBef>
-                <a:spcPts val="0"/>
-              </a:spcBef>
-              <a:spcAft>
-                <a:spcPts val="0"/>
-              </a:spcAft>
-              <a:buNone/>
-            </a:pPr>
-            <a:r>
-              <a:rPr lang="en" sz="1100">
-                <a:solidFill>
-                  <a:srgbClr val="188038"/>
-                </a:solidFill>
-                <a:latin typeface="Roboto Mono"/>
-                <a:ea typeface="Roboto Mono"/>
-                <a:cs typeface="Roboto Mono"/>
-                <a:sym typeface="Roboto Mono"/>
-              </a:rPr>
-              <a:t>  provider = aws.us-west</a:t>
-            </a:r>
-            <a:endParaRPr sz="1100">
-              <a:solidFill>
-                <a:srgbClr val="188038"/>
-              </a:solidFill>
-              <a:latin typeface="Roboto Mono"/>
-              <a:ea typeface="Roboto Mono"/>
-              <a:cs typeface="Roboto Mono"/>
-              <a:sym typeface="Roboto Mono"/>
-            </a:endParaRPr>
-          </a:p>
-          <a:p>
-            <a:pPr marL="0" lvl="0" indent="0" algn="l" rtl="0">
-              <a:spcBef>
-                <a:spcPts val="0"/>
-              </a:spcBef>
-              <a:spcAft>
-                <a:spcPts val="0"/>
-              </a:spcAft>
-              <a:buClr>
-                <a:schemeClr val="dk1"/>
-              </a:buClr>
-              <a:buSzPts val="1100"/>
-              <a:buFont typeface="Arial"/>
-              <a:buNone/>
-            </a:pPr>
-            <a:r>
-              <a:rPr lang="en" sz="1100">
-                <a:solidFill>
-                  <a:srgbClr val="188038"/>
-                </a:solidFill>
-                <a:latin typeface="Roboto Mono"/>
-                <a:ea typeface="Roboto Mono"/>
-                <a:cs typeface="Roboto Mono"/>
-                <a:sym typeface="Roboto Mono"/>
-              </a:rPr>
-              <a:t>}</a:t>
-            </a:r>
-            <a:endParaRPr sz="1100">
-              <a:solidFill>
-                <a:srgbClr val="188038"/>
-              </a:solidFill>
-              <a:latin typeface="Roboto Mono"/>
-              <a:ea typeface="Roboto Mono"/>
-              <a:cs typeface="Roboto Mono"/>
-              <a:sym typeface="Roboto Mono"/>
-            </a:endParaRPr>
-          </a:p>
-          <a:p>
-            <a:pPr marL="0" marR="0" lvl="0" indent="0" algn="l" rtl="0">
-              <a:lnSpc>
-                <a:spcPct val="115000"/>
-              </a:lnSpc>
-              <a:spcBef>
-                <a:spcPts val="0"/>
-              </a:spcBef>
-              <a:spcAft>
-                <a:spcPts val="0"/>
-              </a:spcAft>
-              <a:buNone/>
-            </a:pPr>
-            <a:endParaRPr sz="1100">
-              <a:latin typeface="Arial"/>
-              <a:ea typeface="Arial"/>
-              <a:cs typeface="Arial"/>
-              <a:sym typeface="Arial"/>
-            </a:endParaRPr>
-          </a:p>
-          <a:p>
-            <a:pPr marL="0" lvl="0" indent="0" algn="l" rtl="0">
-              <a:spcBef>
-                <a:spcPts val="1200"/>
-              </a:spcBef>
-              <a:spcAft>
-                <a:spcPts val="1200"/>
-              </a:spcAft>
-              <a:buNone/>
-            </a:pPr>
-            <a:endParaRPr sz="1100">
-              <a:latin typeface="Arial"/>
-              <a:ea typeface="Arial"/>
-              <a:cs typeface="Arial"/>
-              <a:sym typeface="Arial"/>
-            </a:endParaRPr>
-          </a:p>
-        </p:txBody>
-      </p:sp>
-    </p:spTree>
-  </p:cSld>
-  <p:clrMapOvr>
-    <a:masterClrMapping/>
-  </p:clrMapOvr>
-</p:sld>
-</file>
-
-<file path=ppt/slides/slide38.xml><?xml version="1.0" encoding="utf-8"?>
-<p:sld xmlns:a="http://schemas.openxmlformats.org/drawingml/2006/main" xmlns:r="http://schemas.openxmlformats.org/officeDocument/2006/relationships" xmlns:p="http://schemas.openxmlformats.org/presentationml/2006/main">
-  <p:cSld>
-    <p:spTree>
-      <p:nvGrpSpPr>
-        <p:cNvPr id="1" name="Shape 327"/>
-        <p:cNvGrpSpPr/>
-        <p:nvPr/>
-      </p:nvGrpSpPr>
-      <p:grpSpPr>
-        <a:xfrm>
-          <a:off x="0" y="0"/>
-          <a:ext cx="0" cy="0"/>
-          <a:chOff x="0" y="0"/>
-          <a:chExt cx="0" cy="0"/>
-        </a:xfrm>
-      </p:grpSpPr>
-      <p:sp>
-        <p:nvSpPr>
-          <p:cNvPr id="328" name="Google Shape;328;p57"/>
-          <p:cNvSpPr txBox="1">
-            <a:spLocks noGrp="1"/>
-          </p:cNvSpPr>
-          <p:nvPr>
-            <p:ph type="title"/>
-          </p:nvPr>
-        </p:nvSpPr>
-        <p:spPr>
-          <a:xfrm>
-            <a:off x="265500" y="1382350"/>
-            <a:ext cx="4045200" cy="1333200"/>
-          </a:xfrm>
-          <a:prstGeom prst="rect">
-            <a:avLst/>
-          </a:prstGeom>
-        </p:spPr>
-        <p:txBody>
-          <a:bodyPr spcFirstLastPara="1" wrap="square" lIns="91425" tIns="91425" rIns="91425" bIns="91425" anchor="b" anchorCtr="0">
-            <a:noAutofit/>
-          </a:bodyPr>
-          <a:lstStyle/>
-          <a:p>
-            <a:pPr marL="0" lvl="0" indent="0" algn="l" rtl="0">
-              <a:spcBef>
-                <a:spcPts val="0"/>
-              </a:spcBef>
-              <a:spcAft>
-                <a:spcPts val="0"/>
-              </a:spcAft>
-              <a:buNone/>
-            </a:pPr>
-            <a:r>
-              <a:rPr lang="en"/>
-              <a:t>Terraform Provisioners</a:t>
-            </a:r>
-            <a:endParaRPr/>
-          </a:p>
-        </p:txBody>
-      </p:sp>
-      <p:sp>
-        <p:nvSpPr>
-          <p:cNvPr id="329" name="Google Shape;329;p57"/>
-          <p:cNvSpPr txBox="1">
-            <a:spLocks noGrp="1"/>
-          </p:cNvSpPr>
-          <p:nvPr>
-            <p:ph type="body" idx="2"/>
-          </p:nvPr>
-        </p:nvSpPr>
-        <p:spPr>
-          <a:xfrm>
-            <a:off x="4939500" y="-139375"/>
-            <a:ext cx="3837000" cy="5110500"/>
-          </a:xfrm>
-          <a:prstGeom prst="rect">
-            <a:avLst/>
-          </a:prstGeom>
-        </p:spPr>
-        <p:txBody>
-          <a:bodyPr spcFirstLastPara="1" wrap="square" lIns="91425" tIns="91425" rIns="91425" bIns="91425" anchor="ctr" anchorCtr="0">
-            <a:noAutofit/>
-          </a:bodyPr>
-          <a:lstStyle/>
-          <a:p>
-            <a:pPr marL="457200" lvl="0" indent="-311150" algn="l" rtl="0">
-              <a:spcBef>
-                <a:spcPts val="0"/>
-              </a:spcBef>
-              <a:spcAft>
-                <a:spcPts val="0"/>
-              </a:spcAft>
-              <a:buSzPts val="1300"/>
-              <a:buChar char="●"/>
-            </a:pPr>
-            <a:r>
-              <a:rPr lang="en" sz="1300"/>
-              <a:t>Introduction to Provisioners</a:t>
-            </a:r>
-            <a:endParaRPr sz="1300"/>
-          </a:p>
-          <a:p>
-            <a:pPr marL="457200" lvl="0" indent="-311150" algn="l" rtl="0">
-              <a:spcBef>
-                <a:spcPts val="1600"/>
-              </a:spcBef>
-              <a:spcAft>
-                <a:spcPts val="0"/>
-              </a:spcAft>
-              <a:buSzPts val="1300"/>
-              <a:buChar char="●"/>
-            </a:pPr>
-            <a:r>
-              <a:rPr lang="en" sz="1300"/>
-              <a:t>File Provisioner</a:t>
-            </a:r>
-            <a:endParaRPr sz="1300"/>
-          </a:p>
-          <a:p>
-            <a:pPr marL="457200" lvl="0" indent="-311150" algn="l" rtl="0">
-              <a:spcBef>
-                <a:spcPts val="1600"/>
-              </a:spcBef>
-              <a:spcAft>
-                <a:spcPts val="0"/>
-              </a:spcAft>
-              <a:buSzPts val="1300"/>
-              <a:buChar char="●"/>
-            </a:pPr>
-            <a:r>
-              <a:rPr lang="en" sz="1300"/>
-              <a:t>Local-exec Provisioner</a:t>
-            </a:r>
-            <a:endParaRPr sz="1300"/>
-          </a:p>
-          <a:p>
-            <a:pPr marL="457200" lvl="0" indent="-311150" algn="l" rtl="0">
-              <a:spcBef>
-                <a:spcPts val="1600"/>
-              </a:spcBef>
-              <a:spcAft>
-                <a:spcPts val="1600"/>
-              </a:spcAft>
-              <a:buSzPts val="1300"/>
-              <a:buChar char="●"/>
-            </a:pPr>
-            <a:r>
-              <a:rPr lang="en" sz="1300"/>
-              <a:t>Remote-exec Provisioner</a:t>
-            </a:r>
-            <a:endParaRPr sz="1300"/>
-          </a:p>
-        </p:txBody>
-      </p:sp>
-    </p:spTree>
-  </p:cSld>
-  <p:clrMapOvr>
-    <a:masterClrMapping/>
-  </p:clrMapOvr>
-</p:sld>
-</file>
-
-<file path=ppt/slides/slide39.xml><?xml version="1.0" encoding="utf-8"?>
-<p:sld xmlns:a="http://schemas.openxmlformats.org/drawingml/2006/main" xmlns:r="http://schemas.openxmlformats.org/officeDocument/2006/relationships" xmlns:p="http://schemas.openxmlformats.org/presentationml/2006/main">
-  <p:cSld>
-    <p:spTree>
-      <p:nvGrpSpPr>
-        <p:cNvPr id="1" name="Shape 333"/>
-        <p:cNvGrpSpPr/>
-        <p:nvPr/>
-      </p:nvGrpSpPr>
-      <p:grpSpPr>
-        <a:xfrm>
-          <a:off x="0" y="0"/>
-          <a:ext cx="0" cy="0"/>
-          <a:chOff x="0" y="0"/>
-          <a:chExt cx="0" cy="0"/>
-        </a:xfrm>
-      </p:grpSpPr>
-      <p:sp>
-        <p:nvSpPr>
-          <p:cNvPr id="334" name="Google Shape;334;p58"/>
-          <p:cNvSpPr txBox="1">
-            <a:spLocks noGrp="1"/>
-          </p:cNvSpPr>
-          <p:nvPr>
-            <p:ph type="title"/>
-          </p:nvPr>
-        </p:nvSpPr>
-        <p:spPr>
-          <a:xfrm>
-            <a:off x="311700" y="445025"/>
-            <a:ext cx="8520600" cy="613200"/>
-          </a:xfrm>
-          <a:prstGeom prst="rect">
-            <a:avLst/>
-          </a:prstGeom>
-        </p:spPr>
-        <p:txBody>
-          <a:bodyPr spcFirstLastPara="1" wrap="square" lIns="91425" tIns="91425" rIns="91425" bIns="91425" anchor="t" anchorCtr="0">
-            <a:noAutofit/>
-          </a:bodyPr>
-          <a:lstStyle/>
-          <a:p>
-            <a:pPr marL="0" lvl="0" indent="0" algn="l" rtl="0">
-              <a:spcBef>
-                <a:spcPts val="0"/>
-              </a:spcBef>
-              <a:spcAft>
-                <a:spcPts val="0"/>
-              </a:spcAft>
-              <a:buNone/>
-            </a:pPr>
-            <a:r>
-              <a:rPr lang="en"/>
-              <a:t>Introduction to Provisioners</a:t>
-            </a:r>
-            <a:endParaRPr/>
-          </a:p>
-        </p:txBody>
-      </p:sp>
-      <p:sp>
-        <p:nvSpPr>
-          <p:cNvPr id="335" name="Google Shape;335;p58"/>
-          <p:cNvSpPr txBox="1">
-            <a:spLocks noGrp="1"/>
-          </p:cNvSpPr>
-          <p:nvPr>
-            <p:ph type="body" idx="1"/>
-          </p:nvPr>
-        </p:nvSpPr>
-        <p:spPr>
-          <a:xfrm>
-            <a:off x="311700" y="942425"/>
-            <a:ext cx="7114800" cy="3763200"/>
-          </a:xfrm>
-          <a:prstGeom prst="rect">
-            <a:avLst/>
-          </a:prstGeom>
-        </p:spPr>
-        <p:txBody>
-          <a:bodyPr spcFirstLastPara="1" wrap="square" lIns="91425" tIns="91425" rIns="91425" bIns="91425" anchor="t" anchorCtr="0">
-            <a:noAutofit/>
-          </a:bodyPr>
-          <a:lstStyle/>
-          <a:p>
-            <a:pPr marL="0" lvl="0" indent="0" algn="l" rtl="0">
-              <a:spcBef>
-                <a:spcPts val="1200"/>
-              </a:spcBef>
-              <a:spcAft>
-                <a:spcPts val="0"/>
-              </a:spcAft>
-              <a:buNone/>
-            </a:pPr>
-            <a:endParaRPr sz="1100" b="1">
-              <a:latin typeface="Arial"/>
-              <a:ea typeface="Arial"/>
-              <a:cs typeface="Arial"/>
-              <a:sym typeface="Arial"/>
-            </a:endParaRPr>
-          </a:p>
-          <a:p>
-            <a:pPr marL="0" lvl="0" indent="0" algn="l" rtl="0">
-              <a:spcBef>
-                <a:spcPts val="1200"/>
-              </a:spcBef>
-              <a:spcAft>
-                <a:spcPts val="0"/>
-              </a:spcAft>
-              <a:buNone/>
-            </a:pPr>
-            <a:r>
-              <a:rPr lang="en" sz="1100">
-                <a:latin typeface="Arial"/>
-                <a:ea typeface="Arial"/>
-                <a:cs typeface="Arial"/>
-                <a:sym typeface="Arial"/>
-              </a:rPr>
-              <a:t>Provisioners in Terraform are used to execute scripts or commands on a local or remote machine after a resource is created, updated, or destroyed. They can perform actions such as installing software, configuring resources, or bootstrapping servers.</a:t>
-            </a:r>
-            <a:endParaRPr sz="1100">
-              <a:latin typeface="Arial"/>
-              <a:ea typeface="Arial"/>
-              <a:cs typeface="Arial"/>
-              <a:sym typeface="Arial"/>
-            </a:endParaRPr>
-          </a:p>
-          <a:p>
-            <a:pPr marL="0" lvl="0" indent="0" algn="l" rtl="0">
-              <a:spcBef>
-                <a:spcPts val="1400"/>
-              </a:spcBef>
-              <a:spcAft>
-                <a:spcPts val="0"/>
-              </a:spcAft>
-              <a:buNone/>
-            </a:pPr>
-            <a:r>
-              <a:rPr lang="en" sz="1300" b="1">
-                <a:latin typeface="Arial"/>
-                <a:ea typeface="Arial"/>
-                <a:cs typeface="Arial"/>
-                <a:sym typeface="Arial"/>
-              </a:rPr>
-              <a:t>Types of Provisioners</a:t>
-            </a:r>
-            <a:endParaRPr sz="1300" b="1">
-              <a:latin typeface="Arial"/>
-              <a:ea typeface="Arial"/>
-              <a:cs typeface="Arial"/>
-              <a:sym typeface="Arial"/>
-            </a:endParaRPr>
-          </a:p>
-          <a:p>
-            <a:pPr marL="457200" lvl="0" indent="-298450" algn="l" rtl="0">
-              <a:spcBef>
-                <a:spcPts val="1200"/>
-              </a:spcBef>
-              <a:spcAft>
-                <a:spcPts val="0"/>
-              </a:spcAft>
-              <a:buSzPts val="1100"/>
-              <a:buFont typeface="Arial"/>
-              <a:buAutoNum type="arabicPeriod"/>
-            </a:pPr>
-            <a:r>
-              <a:rPr lang="en" sz="1100" b="1">
-                <a:latin typeface="Arial"/>
-                <a:ea typeface="Arial"/>
-                <a:cs typeface="Arial"/>
-                <a:sym typeface="Arial"/>
-              </a:rPr>
-              <a:t>Local-Exec Provisioner</a:t>
-            </a:r>
-            <a:br>
-              <a:rPr lang="en" sz="1100" b="1">
-                <a:latin typeface="Arial"/>
-                <a:ea typeface="Arial"/>
-                <a:cs typeface="Arial"/>
-                <a:sym typeface="Arial"/>
-              </a:rPr>
-            </a:br>
-            <a:r>
-              <a:rPr lang="en" sz="1100">
-                <a:latin typeface="Arial"/>
-                <a:ea typeface="Arial"/>
-                <a:cs typeface="Arial"/>
-                <a:sym typeface="Arial"/>
-              </a:rPr>
-              <a:t>Executes commands locally on the machine running Terraform.</a:t>
-            </a:r>
-            <a:endParaRPr sz="1100" b="1">
-              <a:latin typeface="Arial"/>
-              <a:ea typeface="Arial"/>
-              <a:cs typeface="Arial"/>
-              <a:sym typeface="Arial"/>
-            </a:endParaRPr>
-          </a:p>
-          <a:p>
-            <a:pPr marL="457200" lvl="0" indent="-298450" algn="l" rtl="0">
-              <a:spcBef>
-                <a:spcPts val="0"/>
-              </a:spcBef>
-              <a:spcAft>
-                <a:spcPts val="0"/>
-              </a:spcAft>
-              <a:buSzPts val="1100"/>
-              <a:buFont typeface="Arial"/>
-              <a:buAutoNum type="arabicPeriod"/>
-            </a:pPr>
-            <a:r>
-              <a:rPr lang="en" sz="1100" b="1">
-                <a:latin typeface="Arial"/>
-                <a:ea typeface="Arial"/>
-                <a:cs typeface="Arial"/>
-                <a:sym typeface="Arial"/>
-              </a:rPr>
-              <a:t>File Provisioner</a:t>
-            </a:r>
-            <a:br>
-              <a:rPr lang="en" sz="1100" b="1">
-                <a:latin typeface="Arial"/>
-                <a:ea typeface="Arial"/>
-                <a:cs typeface="Arial"/>
-                <a:sym typeface="Arial"/>
-              </a:rPr>
-            </a:br>
-            <a:r>
-              <a:rPr lang="en" sz="1100">
-                <a:latin typeface="Arial"/>
-                <a:ea typeface="Arial"/>
-                <a:cs typeface="Arial"/>
-                <a:sym typeface="Arial"/>
-              </a:rPr>
-              <a:t>Transfers files or directories from the local machine to the remote resource.</a:t>
-            </a:r>
-            <a:endParaRPr sz="1100">
-              <a:latin typeface="Arial"/>
-              <a:ea typeface="Arial"/>
-              <a:cs typeface="Arial"/>
-              <a:sym typeface="Arial"/>
-            </a:endParaRPr>
-          </a:p>
-          <a:p>
-            <a:pPr marL="457200" lvl="0" indent="-298450" algn="l" rtl="0">
-              <a:spcBef>
-                <a:spcPts val="0"/>
-              </a:spcBef>
-              <a:spcAft>
-                <a:spcPts val="0"/>
-              </a:spcAft>
-              <a:buSzPts val="1100"/>
-              <a:buFont typeface="Arial"/>
-              <a:buAutoNum type="arabicPeriod"/>
-            </a:pPr>
-            <a:r>
-              <a:rPr lang="en" sz="1100" b="1">
-                <a:latin typeface="Arial"/>
-                <a:ea typeface="Arial"/>
-                <a:cs typeface="Arial"/>
-                <a:sym typeface="Arial"/>
-              </a:rPr>
-              <a:t>Remote-Exec Provisioner</a:t>
-            </a:r>
-            <a:br>
-              <a:rPr lang="en" sz="1100" b="1">
-                <a:latin typeface="Arial"/>
-                <a:ea typeface="Arial"/>
-                <a:cs typeface="Arial"/>
-                <a:sym typeface="Arial"/>
-              </a:rPr>
-            </a:br>
-            <a:r>
-              <a:rPr lang="en" sz="1100">
-                <a:latin typeface="Arial"/>
-                <a:ea typeface="Arial"/>
-                <a:cs typeface="Arial"/>
-                <a:sym typeface="Arial"/>
-              </a:rPr>
-              <a:t>Executes commands on the remote resource using SSH or WinRM.</a:t>
-            </a:r>
-            <a:endParaRPr sz="1100">
-              <a:latin typeface="Arial"/>
-              <a:ea typeface="Arial"/>
-              <a:cs typeface="Arial"/>
-              <a:sym typeface="Arial"/>
-            </a:endParaRPr>
-          </a:p>
-          <a:p>
-            <a:pPr marL="0" lvl="0" indent="0" algn="l" rtl="0">
-              <a:spcBef>
-                <a:spcPts val="1200"/>
-              </a:spcBef>
-              <a:spcAft>
-                <a:spcPts val="1200"/>
-              </a:spcAft>
-              <a:buNone/>
-            </a:pPr>
-            <a:endParaRPr sz="1100">
-              <a:latin typeface="Arial"/>
-              <a:ea typeface="Arial"/>
-              <a:cs typeface="Arial"/>
-              <a:sym typeface="Arial"/>
-            </a:endParaRPr>
-          </a:p>
-        </p:txBody>
-      </p:sp>
-    </p:spTree>
-  </p:cSld>
-  <p:clrMapOvr>
-    <a:masterClrMapping/>
-  </p:clrMapOvr>
-</p:sld>
-</file>
-
-<file path=ppt/slides/slide4.xml><?xml version="1.0" encoding="utf-8"?>
-<p:sld xmlns:a="http://schemas.openxmlformats.org/drawingml/2006/main" xmlns:r="http://schemas.openxmlformats.org/officeDocument/2006/relationships" xmlns:p="http://schemas.openxmlformats.org/presentationml/2006/main">
-  <p:cSld>
-    <p:spTree>
-      <p:nvGrpSpPr>
-        <p:cNvPr id="1" name="Shape 76"/>
-        <p:cNvGrpSpPr/>
-        <p:nvPr/>
-      </p:nvGrpSpPr>
-      <p:grpSpPr>
-        <a:xfrm>
-          <a:off x="0" y="0"/>
-          <a:ext cx="0" cy="0"/>
-          <a:chOff x="0" y="0"/>
-          <a:chExt cx="0" cy="0"/>
-        </a:xfrm>
-      </p:grpSpPr>
-      <p:sp>
-        <p:nvSpPr>
-          <p:cNvPr id="77" name="Google Shape;77;p16"/>
-          <p:cNvSpPr txBox="1">
-            <a:spLocks noGrp="1"/>
-          </p:cNvSpPr>
-          <p:nvPr>
-            <p:ph type="title"/>
-          </p:nvPr>
-        </p:nvSpPr>
-        <p:spPr>
-          <a:xfrm>
-            <a:off x="512700" y="1893300"/>
-            <a:ext cx="8118600" cy="1522800"/>
-          </a:xfrm>
-          <a:prstGeom prst="rect">
-            <a:avLst/>
-          </a:prstGeom>
-        </p:spPr>
-        <p:txBody>
-          <a:bodyPr spcFirstLastPara="1" wrap="square" lIns="91425" tIns="91425" rIns="91425" bIns="91425" anchor="b" anchorCtr="0">
-            <a:noAutofit/>
-          </a:bodyPr>
-          <a:lstStyle/>
-          <a:p>
-            <a:pPr marL="0" lvl="0" indent="0" algn="l" rtl="0">
-              <a:spcBef>
-                <a:spcPts val="0"/>
-              </a:spcBef>
-              <a:spcAft>
-                <a:spcPts val="0"/>
-              </a:spcAft>
-              <a:buNone/>
-            </a:pPr>
-            <a:r>
-              <a:rPr lang="en"/>
-              <a:t>What is IAC</a:t>
-            </a:r>
-            <a:endParaRPr/>
-          </a:p>
-        </p:txBody>
-      </p:sp>
-    </p:spTree>
-  </p:cSld>
-  <p:clrMapOvr>
-    <a:masterClrMapping/>
-  </p:clrMapOvr>
-</p:sld>
-</file>
-
-<file path=ppt/slides/slide40.xml><?xml version="1.0" encoding="utf-8"?>
-<p:sld xmlns:a="http://schemas.openxmlformats.org/drawingml/2006/main" xmlns:r="http://schemas.openxmlformats.org/officeDocument/2006/relationships" xmlns:p="http://schemas.openxmlformats.org/presentationml/2006/main">
-  <p:cSld>
-    <p:spTree>
-      <p:nvGrpSpPr>
-        <p:cNvPr id="1" name="Shape 339"/>
-        <p:cNvGrpSpPr/>
-        <p:nvPr/>
-      </p:nvGrpSpPr>
-      <p:grpSpPr>
-        <a:xfrm>
-          <a:off x="0" y="0"/>
-          <a:ext cx="0" cy="0"/>
-          <a:chOff x="0" y="0"/>
-          <a:chExt cx="0" cy="0"/>
-        </a:xfrm>
-      </p:grpSpPr>
-      <p:sp>
-        <p:nvSpPr>
-          <p:cNvPr id="340" name="Google Shape;340;p59"/>
-          <p:cNvSpPr txBox="1">
-            <a:spLocks noGrp="1"/>
-          </p:cNvSpPr>
-          <p:nvPr>
-            <p:ph type="title"/>
-          </p:nvPr>
-        </p:nvSpPr>
-        <p:spPr>
-          <a:xfrm>
-            <a:off x="311700" y="445025"/>
-            <a:ext cx="8520600" cy="613200"/>
-          </a:xfrm>
-          <a:prstGeom prst="rect">
-            <a:avLst/>
-          </a:prstGeom>
-        </p:spPr>
-        <p:txBody>
-          <a:bodyPr spcFirstLastPara="1" wrap="square" lIns="91425" tIns="91425" rIns="91425" bIns="91425" anchor="t" anchorCtr="0">
-            <a:noAutofit/>
-          </a:bodyPr>
-          <a:lstStyle/>
-          <a:p>
-            <a:pPr marL="0" lvl="0" indent="0" algn="l" rtl="0">
-              <a:spcBef>
-                <a:spcPts val="0"/>
-              </a:spcBef>
-              <a:spcAft>
-                <a:spcPts val="0"/>
-              </a:spcAft>
-              <a:buNone/>
-            </a:pPr>
-            <a:r>
-              <a:rPr lang="en"/>
-              <a:t>Local-Exec Provisioner</a:t>
-            </a:r>
-            <a:endParaRPr/>
-          </a:p>
-        </p:txBody>
-      </p:sp>
-      <p:sp>
-        <p:nvSpPr>
-          <p:cNvPr id="341" name="Google Shape;341;p59"/>
-          <p:cNvSpPr txBox="1">
-            <a:spLocks noGrp="1"/>
-          </p:cNvSpPr>
-          <p:nvPr>
-            <p:ph type="body" idx="1"/>
-          </p:nvPr>
-        </p:nvSpPr>
-        <p:spPr>
-          <a:xfrm>
-            <a:off x="311700" y="942425"/>
-            <a:ext cx="7114800" cy="3763200"/>
-          </a:xfrm>
-          <a:prstGeom prst="rect">
-            <a:avLst/>
-          </a:prstGeom>
-        </p:spPr>
-        <p:txBody>
-          <a:bodyPr spcFirstLastPara="1" wrap="square" lIns="91425" tIns="91425" rIns="91425" bIns="91425" anchor="t" anchorCtr="0">
-            <a:noAutofit/>
-          </a:bodyPr>
-          <a:lstStyle/>
-          <a:p>
-            <a:pPr marL="0" lvl="0" indent="0" algn="l" rtl="0">
-              <a:spcBef>
-                <a:spcPts val="1200"/>
-              </a:spcBef>
-              <a:spcAft>
-                <a:spcPts val="0"/>
-              </a:spcAft>
-              <a:buClr>
-                <a:schemeClr val="dk1"/>
-              </a:buClr>
-              <a:buSzPts val="1100"/>
-              <a:buFont typeface="Arial"/>
-              <a:buNone/>
-            </a:pPr>
-            <a:r>
-              <a:rPr lang="en" sz="1100" b="1">
-                <a:latin typeface="Arial"/>
-                <a:ea typeface="Arial"/>
-                <a:cs typeface="Arial"/>
-                <a:sym typeface="Arial"/>
-              </a:rPr>
-              <a:t>Local-Exec Provisioner </a:t>
-            </a:r>
-            <a:r>
-              <a:rPr lang="en" sz="1100">
-                <a:latin typeface="Arial"/>
-                <a:ea typeface="Arial"/>
-                <a:cs typeface="Arial"/>
-                <a:sym typeface="Arial"/>
-              </a:rPr>
-              <a:t>runs a command locally on the machine running Terraform.</a:t>
-            </a:r>
-            <a:endParaRPr sz="1100">
-              <a:latin typeface="Arial"/>
-              <a:ea typeface="Arial"/>
-              <a:cs typeface="Arial"/>
-              <a:sym typeface="Arial"/>
-            </a:endParaRPr>
-          </a:p>
-          <a:p>
-            <a:pPr marL="0" lvl="0" indent="0" algn="l" rtl="0">
-              <a:spcBef>
-                <a:spcPts val="1200"/>
-              </a:spcBef>
-              <a:spcAft>
-                <a:spcPts val="0"/>
-              </a:spcAft>
-              <a:buClr>
-                <a:schemeClr val="dk1"/>
-              </a:buClr>
-              <a:buSzPts val="1100"/>
-              <a:buFont typeface="Arial"/>
-              <a:buNone/>
-            </a:pPr>
-            <a:r>
-              <a:rPr lang="en" sz="1100" b="1">
-                <a:latin typeface="Arial"/>
-                <a:ea typeface="Arial"/>
-                <a:cs typeface="Arial"/>
-                <a:sym typeface="Arial"/>
-              </a:rPr>
-              <a:t>Example:</a:t>
-            </a:r>
-            <a:endParaRPr sz="1100">
-              <a:latin typeface="Arial"/>
-              <a:ea typeface="Arial"/>
-              <a:cs typeface="Arial"/>
-              <a:sym typeface="Arial"/>
-            </a:endParaRPr>
-          </a:p>
-          <a:p>
-            <a:pPr marL="0" marR="0" lvl="0" indent="0" algn="l" rtl="0">
-              <a:lnSpc>
-                <a:spcPct val="115000"/>
-              </a:lnSpc>
-              <a:spcBef>
-                <a:spcPts val="1200"/>
-              </a:spcBef>
-              <a:spcAft>
-                <a:spcPts val="0"/>
-              </a:spcAft>
-              <a:buNone/>
-            </a:pPr>
-            <a:r>
-              <a:rPr lang="en" sz="1100">
-                <a:solidFill>
-                  <a:srgbClr val="188038"/>
-                </a:solidFill>
-                <a:latin typeface="Roboto Mono"/>
-                <a:ea typeface="Roboto Mono"/>
-                <a:cs typeface="Roboto Mono"/>
-                <a:sym typeface="Roboto Mono"/>
-              </a:rPr>
-              <a:t>resource "aws_instance" "example" {</a:t>
-            </a:r>
-            <a:endParaRPr sz="1100">
-              <a:solidFill>
-                <a:srgbClr val="188038"/>
-              </a:solidFill>
-              <a:latin typeface="Roboto Mono"/>
-              <a:ea typeface="Roboto Mono"/>
-              <a:cs typeface="Roboto Mono"/>
-              <a:sym typeface="Roboto Mono"/>
-            </a:endParaRPr>
-          </a:p>
-          <a:p>
-            <a:pPr marL="0" marR="0" lvl="0" indent="0" algn="l" rtl="0">
-              <a:lnSpc>
-                <a:spcPct val="115000"/>
-              </a:lnSpc>
-              <a:spcBef>
-                <a:spcPts val="0"/>
-              </a:spcBef>
-              <a:spcAft>
-                <a:spcPts val="0"/>
-              </a:spcAft>
-              <a:buNone/>
-            </a:pPr>
-            <a:r>
-              <a:rPr lang="en" sz="1100">
-                <a:solidFill>
-                  <a:srgbClr val="188038"/>
-                </a:solidFill>
-                <a:latin typeface="Roboto Mono"/>
-                <a:ea typeface="Roboto Mono"/>
-                <a:cs typeface="Roboto Mono"/>
-                <a:sym typeface="Roboto Mono"/>
-              </a:rPr>
-              <a:t>  ami           = "ami-0c55b159cbfafe1f0"</a:t>
-            </a:r>
-            <a:endParaRPr sz="1100">
-              <a:solidFill>
-                <a:srgbClr val="188038"/>
-              </a:solidFill>
-              <a:latin typeface="Roboto Mono"/>
-              <a:ea typeface="Roboto Mono"/>
-              <a:cs typeface="Roboto Mono"/>
-              <a:sym typeface="Roboto Mono"/>
-            </a:endParaRPr>
-          </a:p>
-          <a:p>
-            <a:pPr marL="0" marR="0" lvl="0" indent="0" algn="l" rtl="0">
-              <a:lnSpc>
-                <a:spcPct val="115000"/>
-              </a:lnSpc>
-              <a:spcBef>
-                <a:spcPts val="0"/>
-              </a:spcBef>
-              <a:spcAft>
-                <a:spcPts val="0"/>
-              </a:spcAft>
-              <a:buNone/>
-            </a:pPr>
-            <a:r>
-              <a:rPr lang="en" sz="1100">
-                <a:solidFill>
-                  <a:srgbClr val="188038"/>
-                </a:solidFill>
-                <a:latin typeface="Roboto Mono"/>
-                <a:ea typeface="Roboto Mono"/>
-                <a:cs typeface="Roboto Mono"/>
-                <a:sym typeface="Roboto Mono"/>
-              </a:rPr>
-              <a:t>  instance_type = "t2.micro"</a:t>
-            </a:r>
-            <a:endParaRPr sz="1100">
-              <a:solidFill>
-                <a:srgbClr val="188038"/>
-              </a:solidFill>
-              <a:latin typeface="Roboto Mono"/>
-              <a:ea typeface="Roboto Mono"/>
-              <a:cs typeface="Roboto Mono"/>
-              <a:sym typeface="Roboto Mono"/>
-            </a:endParaRPr>
-          </a:p>
-          <a:p>
-            <a:pPr marL="0" marR="0" lvl="0" indent="0" algn="l" rtl="0">
-              <a:lnSpc>
-                <a:spcPct val="115000"/>
-              </a:lnSpc>
-              <a:spcBef>
-                <a:spcPts val="0"/>
-              </a:spcBef>
-              <a:spcAft>
-                <a:spcPts val="0"/>
-              </a:spcAft>
-              <a:buNone/>
-            </a:pPr>
-            <a:endParaRPr sz="1100">
-              <a:solidFill>
-                <a:srgbClr val="188038"/>
-              </a:solidFill>
-              <a:latin typeface="Roboto Mono"/>
-              <a:ea typeface="Roboto Mono"/>
-              <a:cs typeface="Roboto Mono"/>
-              <a:sym typeface="Roboto Mono"/>
-            </a:endParaRPr>
-          </a:p>
-          <a:p>
-            <a:pPr marL="0" marR="0" lvl="0" indent="0" algn="l" rtl="0">
-              <a:lnSpc>
-                <a:spcPct val="115000"/>
-              </a:lnSpc>
-              <a:spcBef>
-                <a:spcPts val="0"/>
-              </a:spcBef>
-              <a:spcAft>
-                <a:spcPts val="0"/>
-              </a:spcAft>
-              <a:buNone/>
-            </a:pPr>
-            <a:r>
-              <a:rPr lang="en" sz="1100">
-                <a:solidFill>
-                  <a:srgbClr val="188038"/>
-                </a:solidFill>
-                <a:latin typeface="Roboto Mono"/>
-                <a:ea typeface="Roboto Mono"/>
-                <a:cs typeface="Roboto Mono"/>
-                <a:sym typeface="Roboto Mono"/>
-              </a:rPr>
-              <a:t>  provisioner "local-exec" {</a:t>
-            </a:r>
-            <a:endParaRPr sz="1100">
-              <a:solidFill>
-                <a:srgbClr val="188038"/>
-              </a:solidFill>
-              <a:latin typeface="Roboto Mono"/>
-              <a:ea typeface="Roboto Mono"/>
-              <a:cs typeface="Roboto Mono"/>
-              <a:sym typeface="Roboto Mono"/>
-            </a:endParaRPr>
-          </a:p>
-          <a:p>
-            <a:pPr marL="0" marR="0" lvl="0" indent="0" algn="l" rtl="0">
-              <a:lnSpc>
-                <a:spcPct val="115000"/>
-              </a:lnSpc>
-              <a:spcBef>
-                <a:spcPts val="0"/>
-              </a:spcBef>
-              <a:spcAft>
-                <a:spcPts val="0"/>
-              </a:spcAft>
-              <a:buNone/>
-            </a:pPr>
-            <a:r>
-              <a:rPr lang="en" sz="1100">
-                <a:solidFill>
-                  <a:srgbClr val="188038"/>
-                </a:solidFill>
-                <a:latin typeface="Roboto Mono"/>
-                <a:ea typeface="Roboto Mono"/>
-                <a:cs typeface="Roboto Mono"/>
-                <a:sym typeface="Roboto Mono"/>
-              </a:rPr>
-              <a:t>    command = "echo ${self.public_ip} &gt;&gt; instance_ips.txt"</a:t>
-            </a:r>
-            <a:endParaRPr sz="1100">
-              <a:solidFill>
-                <a:srgbClr val="188038"/>
-              </a:solidFill>
-              <a:latin typeface="Roboto Mono"/>
-              <a:ea typeface="Roboto Mono"/>
-              <a:cs typeface="Roboto Mono"/>
-              <a:sym typeface="Roboto Mono"/>
-            </a:endParaRPr>
-          </a:p>
-          <a:p>
-            <a:pPr marL="0" marR="0" lvl="0" indent="0" algn="l" rtl="0">
-              <a:lnSpc>
-                <a:spcPct val="115000"/>
-              </a:lnSpc>
-              <a:spcBef>
-                <a:spcPts val="0"/>
-              </a:spcBef>
-              <a:spcAft>
-                <a:spcPts val="0"/>
-              </a:spcAft>
-              <a:buNone/>
-            </a:pPr>
-            <a:r>
-              <a:rPr lang="en" sz="1100">
-                <a:solidFill>
-                  <a:srgbClr val="188038"/>
-                </a:solidFill>
-                <a:latin typeface="Roboto Mono"/>
-                <a:ea typeface="Roboto Mono"/>
-                <a:cs typeface="Roboto Mono"/>
-                <a:sym typeface="Roboto Mono"/>
-              </a:rPr>
-              <a:t>  }</a:t>
-            </a:r>
-            <a:endParaRPr sz="1100">
-              <a:solidFill>
-                <a:srgbClr val="188038"/>
-              </a:solidFill>
-              <a:latin typeface="Roboto Mono"/>
-              <a:ea typeface="Roboto Mono"/>
-              <a:cs typeface="Roboto Mono"/>
-              <a:sym typeface="Roboto Mono"/>
-            </a:endParaRPr>
-          </a:p>
-          <a:p>
-            <a:pPr marL="0" lvl="0" indent="0" algn="l" rtl="0">
-              <a:spcBef>
-                <a:spcPts val="0"/>
-              </a:spcBef>
-              <a:spcAft>
-                <a:spcPts val="0"/>
-              </a:spcAft>
-              <a:buClr>
-                <a:schemeClr val="dk1"/>
-              </a:buClr>
-              <a:buSzPts val="1100"/>
-              <a:buFont typeface="Arial"/>
-              <a:buNone/>
-            </a:pPr>
-            <a:r>
-              <a:rPr lang="en" sz="1100">
-                <a:solidFill>
-                  <a:srgbClr val="188038"/>
-                </a:solidFill>
-                <a:latin typeface="Roboto Mono"/>
-                <a:ea typeface="Roboto Mono"/>
-                <a:cs typeface="Roboto Mono"/>
-                <a:sym typeface="Roboto Mono"/>
-              </a:rPr>
-              <a:t>}</a:t>
-            </a:r>
-            <a:endParaRPr sz="1100">
-              <a:solidFill>
-                <a:srgbClr val="188038"/>
-              </a:solidFill>
-              <a:latin typeface="Roboto Mono"/>
-              <a:ea typeface="Roboto Mono"/>
-              <a:cs typeface="Roboto Mono"/>
-              <a:sym typeface="Roboto Mono"/>
-            </a:endParaRPr>
-          </a:p>
-          <a:p>
-            <a:pPr marL="0" marR="0" lvl="0" indent="0" algn="l" rtl="0">
-              <a:lnSpc>
-                <a:spcPct val="115000"/>
-              </a:lnSpc>
-              <a:spcBef>
-                <a:spcPts val="0"/>
-              </a:spcBef>
-              <a:spcAft>
-                <a:spcPts val="0"/>
-              </a:spcAft>
-              <a:buNone/>
-            </a:pPr>
-            <a:endParaRPr sz="1100" b="1">
-              <a:latin typeface="Arial"/>
-              <a:ea typeface="Arial"/>
-              <a:cs typeface="Arial"/>
-              <a:sym typeface="Arial"/>
-            </a:endParaRPr>
-          </a:p>
-          <a:p>
-            <a:pPr marL="0" lvl="0" indent="0" algn="l" rtl="0">
-              <a:spcBef>
-                <a:spcPts val="1200"/>
-              </a:spcBef>
-              <a:spcAft>
-                <a:spcPts val="0"/>
-              </a:spcAft>
-              <a:buNone/>
-            </a:pPr>
-            <a:endParaRPr sz="1100" b="1">
-              <a:latin typeface="Arial"/>
-              <a:ea typeface="Arial"/>
-              <a:cs typeface="Arial"/>
-              <a:sym typeface="Arial"/>
-            </a:endParaRPr>
-          </a:p>
-          <a:p>
-            <a:pPr marL="0" lvl="0" indent="0" algn="l" rtl="0">
-              <a:spcBef>
-                <a:spcPts val="1200"/>
-              </a:spcBef>
-              <a:spcAft>
-                <a:spcPts val="1200"/>
-              </a:spcAft>
-              <a:buNone/>
-            </a:pPr>
-            <a:endParaRPr sz="1100">
-              <a:latin typeface="Arial"/>
-              <a:ea typeface="Arial"/>
-              <a:cs typeface="Arial"/>
-              <a:sym typeface="Arial"/>
-            </a:endParaRPr>
-          </a:p>
-        </p:txBody>
-      </p:sp>
-    </p:spTree>
-  </p:cSld>
-  <p:clrMapOvr>
-    <a:masterClrMapping/>
-  </p:clrMapOvr>
-</p:sld>
-</file>
-
-<file path=ppt/slides/slide41.xml><?xml version="1.0" encoding="utf-8"?>
-<p:sld xmlns:a="http://schemas.openxmlformats.org/drawingml/2006/main" xmlns:r="http://schemas.openxmlformats.org/officeDocument/2006/relationships" xmlns:p="http://schemas.openxmlformats.org/presentationml/2006/main">
-  <p:cSld>
-    <p:spTree>
-      <p:nvGrpSpPr>
-        <p:cNvPr id="1" name="Shape 345"/>
-        <p:cNvGrpSpPr/>
-        <p:nvPr/>
-      </p:nvGrpSpPr>
-      <p:grpSpPr>
-        <a:xfrm>
-          <a:off x="0" y="0"/>
-          <a:ext cx="0" cy="0"/>
-          <a:chOff x="0" y="0"/>
-          <a:chExt cx="0" cy="0"/>
-        </a:xfrm>
-      </p:grpSpPr>
-      <p:sp>
-        <p:nvSpPr>
-          <p:cNvPr id="346" name="Google Shape;346;p60"/>
-          <p:cNvSpPr txBox="1">
-            <a:spLocks noGrp="1"/>
-          </p:cNvSpPr>
-          <p:nvPr>
-            <p:ph type="title"/>
-          </p:nvPr>
-        </p:nvSpPr>
-        <p:spPr>
-          <a:xfrm>
-            <a:off x="311700" y="445025"/>
-            <a:ext cx="8520600" cy="613200"/>
-          </a:xfrm>
-          <a:prstGeom prst="rect">
-            <a:avLst/>
-          </a:prstGeom>
-        </p:spPr>
-        <p:txBody>
-          <a:bodyPr spcFirstLastPara="1" wrap="square" lIns="91425" tIns="91425" rIns="91425" bIns="91425" anchor="t" anchorCtr="0">
-            <a:noAutofit/>
-          </a:bodyPr>
-          <a:lstStyle/>
-          <a:p>
-            <a:pPr marL="0" lvl="0" indent="0" algn="l" rtl="0">
-              <a:spcBef>
-                <a:spcPts val="0"/>
-              </a:spcBef>
-              <a:spcAft>
-                <a:spcPts val="0"/>
-              </a:spcAft>
-              <a:buNone/>
-            </a:pPr>
-            <a:r>
-              <a:rPr lang="en"/>
-              <a:t>File Provisioner</a:t>
-            </a:r>
-            <a:endParaRPr/>
-          </a:p>
-        </p:txBody>
-      </p:sp>
-      <p:sp>
-        <p:nvSpPr>
-          <p:cNvPr id="347" name="Google Shape;347;p60"/>
-          <p:cNvSpPr txBox="1">
-            <a:spLocks noGrp="1"/>
-          </p:cNvSpPr>
-          <p:nvPr>
-            <p:ph type="body" idx="1"/>
-          </p:nvPr>
-        </p:nvSpPr>
-        <p:spPr>
-          <a:xfrm>
-            <a:off x="311700" y="942424"/>
-            <a:ext cx="7114800" cy="4470497"/>
-          </a:xfrm>
-          <a:prstGeom prst="rect">
-            <a:avLst/>
-          </a:prstGeom>
-        </p:spPr>
-        <p:txBody>
-          <a:bodyPr spcFirstLastPara="1" wrap="square" lIns="91425" tIns="91425" rIns="91425" bIns="91425" anchor="t" anchorCtr="0">
-            <a:noAutofit/>
-          </a:bodyPr>
-          <a:lstStyle/>
-          <a:p>
-            <a:pPr marL="0" lvl="0" indent="0" algn="l" rtl="0">
-              <a:spcBef>
-                <a:spcPts val="1200"/>
-              </a:spcBef>
-              <a:spcAft>
-                <a:spcPts val="0"/>
-              </a:spcAft>
-              <a:buNone/>
-            </a:pPr>
-            <a:endParaRPr sz="1100" b="1" dirty="0">
-              <a:latin typeface="Arial"/>
-              <a:ea typeface="Arial"/>
-              <a:cs typeface="Arial"/>
-              <a:sym typeface="Arial"/>
-            </a:endParaRPr>
-          </a:p>
-          <a:p>
-            <a:pPr marL="0" lvl="0" indent="0" algn="l" rtl="0">
-              <a:spcBef>
-                <a:spcPts val="1200"/>
-              </a:spcBef>
-              <a:spcAft>
-                <a:spcPts val="0"/>
-              </a:spcAft>
-              <a:buNone/>
-            </a:pPr>
-            <a:r>
-              <a:rPr lang="en" sz="1050" b="1" dirty="0">
-                <a:latin typeface="Arial"/>
-                <a:ea typeface="Arial"/>
-                <a:cs typeface="Arial"/>
-                <a:sym typeface="Arial"/>
-              </a:rPr>
-              <a:t>File Provisioner </a:t>
-            </a:r>
-            <a:r>
-              <a:rPr lang="en" sz="1050" dirty="0">
-                <a:latin typeface="Arial"/>
-                <a:ea typeface="Arial"/>
-                <a:cs typeface="Arial"/>
-                <a:sym typeface="Arial"/>
-              </a:rPr>
-              <a:t>transfers files from the local machine to the remote instance.</a:t>
-            </a:r>
-            <a:endParaRPr sz="1050" dirty="0">
-              <a:latin typeface="Arial"/>
-              <a:ea typeface="Arial"/>
-              <a:cs typeface="Arial"/>
-              <a:sym typeface="Arial"/>
-            </a:endParaRPr>
-          </a:p>
-          <a:p>
-            <a:pPr marL="0" marR="0" lvl="0" indent="0" algn="l" rtl="0">
-              <a:lnSpc>
-                <a:spcPct val="115000"/>
-              </a:lnSpc>
-              <a:spcBef>
-                <a:spcPts val="200"/>
-              </a:spcBef>
-              <a:spcAft>
-                <a:spcPts val="0"/>
-              </a:spcAft>
-              <a:buNone/>
-            </a:pPr>
-            <a:r>
-              <a:rPr lang="en" sz="1050" dirty="0">
-                <a:solidFill>
-                  <a:srgbClr val="188038"/>
-                </a:solidFill>
-                <a:latin typeface="Roboto Mono"/>
-                <a:ea typeface="Roboto Mono"/>
-                <a:cs typeface="Roboto Mono"/>
-                <a:sym typeface="Roboto Mono"/>
-              </a:rPr>
-              <a:t>resource "aws_instance" "example" {</a:t>
-            </a:r>
-            <a:endParaRPr sz="1050" dirty="0">
-              <a:solidFill>
-                <a:srgbClr val="188038"/>
-              </a:solidFill>
-              <a:latin typeface="Roboto Mono"/>
-              <a:ea typeface="Roboto Mono"/>
-              <a:cs typeface="Roboto Mono"/>
-              <a:sym typeface="Roboto Mono"/>
-            </a:endParaRPr>
-          </a:p>
-          <a:p>
-            <a:pPr marL="0" marR="0" lvl="0" indent="0" algn="l" rtl="0">
-              <a:lnSpc>
-                <a:spcPct val="115000"/>
-              </a:lnSpc>
-              <a:spcBef>
-                <a:spcPts val="0"/>
-              </a:spcBef>
-              <a:spcAft>
-                <a:spcPts val="0"/>
-              </a:spcAft>
-              <a:buNone/>
-            </a:pPr>
-            <a:r>
-              <a:rPr lang="en" sz="1050" dirty="0">
-                <a:solidFill>
-                  <a:srgbClr val="188038"/>
-                </a:solidFill>
-                <a:latin typeface="Roboto Mono"/>
-                <a:ea typeface="Roboto Mono"/>
-                <a:cs typeface="Roboto Mono"/>
-                <a:sym typeface="Roboto Mono"/>
-              </a:rPr>
-              <a:t>  ami           = "ami-0c55b159cbfafe1f0"</a:t>
-            </a:r>
-            <a:endParaRPr sz="1050" dirty="0">
-              <a:solidFill>
-                <a:srgbClr val="188038"/>
-              </a:solidFill>
-              <a:latin typeface="Roboto Mono"/>
-              <a:ea typeface="Roboto Mono"/>
-              <a:cs typeface="Roboto Mono"/>
-              <a:sym typeface="Roboto Mono"/>
-            </a:endParaRPr>
-          </a:p>
-          <a:p>
-            <a:pPr marL="0" marR="0" lvl="0" indent="0" algn="l" rtl="0">
-              <a:lnSpc>
-                <a:spcPct val="115000"/>
-              </a:lnSpc>
-              <a:spcBef>
-                <a:spcPts val="0"/>
-              </a:spcBef>
-              <a:spcAft>
-                <a:spcPts val="0"/>
-              </a:spcAft>
-              <a:buNone/>
-            </a:pPr>
-            <a:r>
-              <a:rPr lang="en" sz="1050" dirty="0">
-                <a:solidFill>
-                  <a:srgbClr val="188038"/>
-                </a:solidFill>
-                <a:latin typeface="Roboto Mono"/>
-                <a:ea typeface="Roboto Mono"/>
-                <a:cs typeface="Roboto Mono"/>
-                <a:sym typeface="Roboto Mono"/>
-              </a:rPr>
-              <a:t>  instance_type = "t2.micro"</a:t>
-            </a:r>
-            <a:endParaRPr sz="1050" dirty="0">
-              <a:solidFill>
-                <a:srgbClr val="188038"/>
-              </a:solidFill>
-              <a:latin typeface="Roboto Mono"/>
-              <a:ea typeface="Roboto Mono"/>
-              <a:cs typeface="Roboto Mono"/>
-              <a:sym typeface="Roboto Mono"/>
-            </a:endParaRPr>
-          </a:p>
-          <a:p>
-            <a:pPr marL="0" marR="0" lvl="0" indent="0" algn="l" rtl="0">
-              <a:lnSpc>
-                <a:spcPct val="115000"/>
-              </a:lnSpc>
-              <a:spcBef>
-                <a:spcPts val="0"/>
-              </a:spcBef>
-              <a:spcAft>
-                <a:spcPts val="0"/>
-              </a:spcAft>
-              <a:buNone/>
-            </a:pPr>
-            <a:r>
-              <a:rPr lang="en" sz="1050" dirty="0">
-                <a:solidFill>
-                  <a:srgbClr val="188038"/>
-                </a:solidFill>
-                <a:latin typeface="Roboto Mono"/>
-                <a:ea typeface="Roboto Mono"/>
-                <a:cs typeface="Roboto Mono"/>
-                <a:sym typeface="Roboto Mono"/>
-              </a:rPr>
-              <a:t>  vpc_security_group_ids = [aws_security_group.allow_ssh.id]</a:t>
-            </a:r>
-            <a:endParaRPr sz="1050" dirty="0">
-              <a:solidFill>
-                <a:srgbClr val="188038"/>
-              </a:solidFill>
-              <a:latin typeface="Roboto Mono"/>
-              <a:ea typeface="Roboto Mono"/>
-              <a:cs typeface="Roboto Mono"/>
-              <a:sym typeface="Roboto Mono"/>
-            </a:endParaRPr>
-          </a:p>
-          <a:p>
-            <a:pPr marL="0" lvl="0" indent="0" algn="l" rtl="0">
-              <a:spcBef>
-                <a:spcPts val="0"/>
-              </a:spcBef>
-              <a:spcAft>
-                <a:spcPts val="0"/>
-              </a:spcAft>
-              <a:buNone/>
-            </a:pPr>
-            <a:r>
-              <a:rPr lang="en" sz="1050" dirty="0">
-                <a:solidFill>
-                  <a:srgbClr val="188038"/>
-                </a:solidFill>
-                <a:latin typeface="Roboto Mono"/>
-                <a:ea typeface="Roboto Mono"/>
-                <a:cs typeface="Roboto Mono"/>
-                <a:sym typeface="Roboto Mono"/>
-              </a:rPr>
-              <a:t>  key_name      = aws_key_pair.my_key.key_name</a:t>
-            </a:r>
-            <a:endParaRPr sz="1050" dirty="0">
-              <a:solidFill>
-                <a:srgbClr val="188038"/>
-              </a:solidFill>
-              <a:latin typeface="Roboto Mono"/>
-              <a:ea typeface="Roboto Mono"/>
-              <a:cs typeface="Roboto Mono"/>
-              <a:sym typeface="Roboto Mono"/>
-            </a:endParaRPr>
-          </a:p>
-          <a:p>
-            <a:pPr marL="0" marR="0" lvl="0" indent="0" algn="l" rtl="0">
-              <a:lnSpc>
-                <a:spcPct val="115000"/>
-              </a:lnSpc>
-              <a:spcBef>
-                <a:spcPts val="0"/>
-              </a:spcBef>
-              <a:spcAft>
-                <a:spcPts val="0"/>
-              </a:spcAft>
-              <a:buNone/>
-            </a:pPr>
-            <a:r>
-              <a:rPr lang="en" sz="1050" dirty="0">
-                <a:solidFill>
-                  <a:srgbClr val="188038"/>
-                </a:solidFill>
-                <a:latin typeface="Roboto Mono"/>
-                <a:ea typeface="Roboto Mono"/>
-                <a:cs typeface="Roboto Mono"/>
-                <a:sym typeface="Roboto Mono"/>
-              </a:rPr>
-              <a:t>  </a:t>
-            </a:r>
-          </a:p>
-          <a:p>
-            <a:pPr marL="0" marR="0" lvl="0" indent="0" algn="l" rtl="0">
-              <a:lnSpc>
-                <a:spcPct val="115000"/>
-              </a:lnSpc>
-              <a:spcBef>
-                <a:spcPts val="0"/>
-              </a:spcBef>
-              <a:spcAft>
-                <a:spcPts val="0"/>
-              </a:spcAft>
-              <a:buNone/>
-            </a:pPr>
-            <a:r>
-              <a:rPr lang="en" sz="1050" dirty="0">
-                <a:solidFill>
-                  <a:srgbClr val="188038"/>
-                </a:solidFill>
-                <a:latin typeface="Roboto Mono"/>
-                <a:ea typeface="Roboto Mono"/>
-                <a:cs typeface="Roboto Mono"/>
-                <a:sym typeface="Roboto Mono"/>
-              </a:rPr>
-              <a:t>  provisioner "file" {</a:t>
-            </a:r>
-            <a:endParaRPr sz="1050" dirty="0">
-              <a:solidFill>
-                <a:srgbClr val="188038"/>
-              </a:solidFill>
-              <a:latin typeface="Roboto Mono"/>
-              <a:ea typeface="Roboto Mono"/>
-              <a:cs typeface="Roboto Mono"/>
-              <a:sym typeface="Roboto Mono"/>
-            </a:endParaRPr>
-          </a:p>
-          <a:p>
-            <a:pPr marL="0" marR="0" lvl="0" indent="0" algn="l" rtl="0">
-              <a:lnSpc>
-                <a:spcPct val="115000"/>
-              </a:lnSpc>
-              <a:spcBef>
-                <a:spcPts val="0"/>
-              </a:spcBef>
-              <a:spcAft>
-                <a:spcPts val="0"/>
-              </a:spcAft>
-              <a:buNone/>
-            </a:pPr>
-            <a:r>
-              <a:rPr lang="en" sz="1050" dirty="0">
-                <a:solidFill>
-                  <a:srgbClr val="188038"/>
-                </a:solidFill>
-                <a:latin typeface="Roboto Mono"/>
-                <a:ea typeface="Roboto Mono"/>
-                <a:cs typeface="Roboto Mono"/>
-                <a:sym typeface="Roboto Mono"/>
-              </a:rPr>
-              <a:t>    source      = "config/app.conf"   # Local file</a:t>
-            </a:r>
-            <a:endParaRPr sz="1050" dirty="0">
-              <a:solidFill>
-                <a:srgbClr val="188038"/>
-              </a:solidFill>
-              <a:latin typeface="Roboto Mono"/>
-              <a:ea typeface="Roboto Mono"/>
-              <a:cs typeface="Roboto Mono"/>
-              <a:sym typeface="Roboto Mono"/>
-            </a:endParaRPr>
-          </a:p>
-          <a:p>
-            <a:pPr marL="0" marR="0" lvl="0" indent="0" algn="l" rtl="0">
-              <a:lnSpc>
-                <a:spcPct val="115000"/>
-              </a:lnSpc>
-              <a:spcBef>
-                <a:spcPts val="0"/>
-              </a:spcBef>
-              <a:spcAft>
-                <a:spcPts val="0"/>
-              </a:spcAft>
-              <a:buNone/>
-            </a:pPr>
-            <a:r>
-              <a:rPr lang="en" sz="1050" dirty="0">
-                <a:solidFill>
-                  <a:srgbClr val="188038"/>
-                </a:solidFill>
-                <a:latin typeface="Roboto Mono"/>
-                <a:ea typeface="Roboto Mono"/>
-                <a:cs typeface="Roboto Mono"/>
-                <a:sym typeface="Roboto Mono"/>
-              </a:rPr>
-              <a:t>    destination = "/etc/app.conf"     # Remote destination</a:t>
-            </a:r>
-            <a:endParaRPr sz="1050" dirty="0">
-              <a:solidFill>
-                <a:srgbClr val="188038"/>
-              </a:solidFill>
-              <a:latin typeface="Roboto Mono"/>
-              <a:ea typeface="Roboto Mono"/>
-              <a:cs typeface="Roboto Mono"/>
-              <a:sym typeface="Roboto Mono"/>
-            </a:endParaRPr>
-          </a:p>
-          <a:p>
-            <a:pPr marL="0" marR="0" lvl="0" indent="0" algn="l" rtl="0">
-              <a:lnSpc>
-                <a:spcPct val="115000"/>
-              </a:lnSpc>
-              <a:spcBef>
-                <a:spcPts val="0"/>
-              </a:spcBef>
-              <a:spcAft>
-                <a:spcPts val="0"/>
-              </a:spcAft>
-              <a:buNone/>
-            </a:pPr>
-            <a:endParaRPr sz="1050" dirty="0">
-              <a:solidFill>
-                <a:srgbClr val="188038"/>
-              </a:solidFill>
-              <a:latin typeface="Roboto Mono"/>
-              <a:ea typeface="Roboto Mono"/>
-              <a:cs typeface="Roboto Mono"/>
-              <a:sym typeface="Roboto Mono"/>
-            </a:endParaRPr>
-          </a:p>
-          <a:p>
-            <a:pPr marL="0" marR="0" lvl="0" indent="0" algn="l" rtl="0">
-              <a:lnSpc>
-                <a:spcPct val="115000"/>
-              </a:lnSpc>
-              <a:spcBef>
-                <a:spcPts val="0"/>
-              </a:spcBef>
-              <a:spcAft>
-                <a:spcPts val="0"/>
-              </a:spcAft>
-              <a:buNone/>
-            </a:pPr>
-            <a:r>
-              <a:rPr lang="en" sz="1050" dirty="0">
-                <a:solidFill>
-                  <a:srgbClr val="188038"/>
-                </a:solidFill>
-                <a:latin typeface="Roboto Mono"/>
-                <a:ea typeface="Roboto Mono"/>
-                <a:cs typeface="Roboto Mono"/>
-                <a:sym typeface="Roboto Mono"/>
-              </a:rPr>
-              <a:t>    connection {</a:t>
-            </a:r>
-            <a:endParaRPr sz="1050" dirty="0">
-              <a:solidFill>
-                <a:srgbClr val="188038"/>
-              </a:solidFill>
-              <a:latin typeface="Roboto Mono"/>
-              <a:ea typeface="Roboto Mono"/>
-              <a:cs typeface="Roboto Mono"/>
-              <a:sym typeface="Roboto Mono"/>
-            </a:endParaRPr>
-          </a:p>
-          <a:p>
-            <a:pPr marL="0" marR="0" lvl="0" indent="0" algn="l" rtl="0">
-              <a:lnSpc>
-                <a:spcPct val="115000"/>
-              </a:lnSpc>
-              <a:spcBef>
-                <a:spcPts val="0"/>
-              </a:spcBef>
-              <a:spcAft>
-                <a:spcPts val="0"/>
-              </a:spcAft>
-              <a:buNone/>
-            </a:pPr>
-            <a:r>
-              <a:rPr lang="en" sz="1050" dirty="0">
-                <a:solidFill>
-                  <a:srgbClr val="188038"/>
-                </a:solidFill>
-                <a:latin typeface="Roboto Mono"/>
-                <a:ea typeface="Roboto Mono"/>
-                <a:cs typeface="Roboto Mono"/>
-                <a:sym typeface="Roboto Mono"/>
-              </a:rPr>
-              <a:t>      type        = "ssh"</a:t>
-            </a:r>
-            <a:endParaRPr sz="1050" dirty="0">
-              <a:solidFill>
-                <a:srgbClr val="188038"/>
-              </a:solidFill>
-              <a:latin typeface="Roboto Mono"/>
-              <a:ea typeface="Roboto Mono"/>
-              <a:cs typeface="Roboto Mono"/>
-              <a:sym typeface="Roboto Mono"/>
-            </a:endParaRPr>
-          </a:p>
-          <a:p>
-            <a:pPr marL="0" marR="0" lvl="0" indent="0" algn="l" rtl="0">
-              <a:lnSpc>
-                <a:spcPct val="115000"/>
-              </a:lnSpc>
-              <a:spcBef>
-                <a:spcPts val="0"/>
-              </a:spcBef>
-              <a:spcAft>
-                <a:spcPts val="0"/>
-              </a:spcAft>
-              <a:buNone/>
-            </a:pPr>
-            <a:r>
-              <a:rPr lang="en" sz="1050" dirty="0">
-                <a:solidFill>
-                  <a:srgbClr val="188038"/>
-                </a:solidFill>
-                <a:latin typeface="Roboto Mono"/>
-                <a:ea typeface="Roboto Mono"/>
-                <a:cs typeface="Roboto Mono"/>
-                <a:sym typeface="Roboto Mono"/>
-              </a:rPr>
-              <a:t>      user        = "ubuntu"</a:t>
-            </a:r>
-            <a:endParaRPr sz="1050" dirty="0">
-              <a:solidFill>
-                <a:srgbClr val="188038"/>
-              </a:solidFill>
-              <a:latin typeface="Roboto Mono"/>
-              <a:ea typeface="Roboto Mono"/>
-              <a:cs typeface="Roboto Mono"/>
-              <a:sym typeface="Roboto Mono"/>
-            </a:endParaRPr>
-          </a:p>
-          <a:p>
-            <a:pPr marL="0" marR="0" lvl="0" indent="0" algn="l" rtl="0">
-              <a:lnSpc>
-                <a:spcPct val="115000"/>
-              </a:lnSpc>
-              <a:spcBef>
-                <a:spcPts val="0"/>
-              </a:spcBef>
-              <a:spcAft>
-                <a:spcPts val="0"/>
-              </a:spcAft>
-              <a:buNone/>
-            </a:pPr>
-            <a:r>
-              <a:rPr lang="en" sz="1050" dirty="0">
-                <a:solidFill>
-                  <a:srgbClr val="188038"/>
-                </a:solidFill>
-                <a:latin typeface="Roboto Mono"/>
-                <a:ea typeface="Roboto Mono"/>
-                <a:cs typeface="Roboto Mono"/>
-                <a:sym typeface="Roboto Mono"/>
-              </a:rPr>
-              <a:t>      private_key = file("~/.ssh/id_rsa")</a:t>
-            </a:r>
-            <a:endParaRPr sz="1050" dirty="0">
-              <a:solidFill>
-                <a:srgbClr val="188038"/>
-              </a:solidFill>
-              <a:latin typeface="Roboto Mono"/>
-              <a:ea typeface="Roboto Mono"/>
-              <a:cs typeface="Roboto Mono"/>
-              <a:sym typeface="Roboto Mono"/>
-            </a:endParaRPr>
-          </a:p>
-          <a:p>
-            <a:pPr marL="0" marR="0" lvl="0" indent="0" algn="l" rtl="0">
-              <a:lnSpc>
-                <a:spcPct val="115000"/>
-              </a:lnSpc>
-              <a:spcBef>
-                <a:spcPts val="0"/>
-              </a:spcBef>
-              <a:spcAft>
-                <a:spcPts val="0"/>
-              </a:spcAft>
-              <a:buNone/>
-            </a:pPr>
-            <a:r>
-              <a:rPr lang="en" sz="1050" dirty="0">
-                <a:solidFill>
-                  <a:srgbClr val="188038"/>
-                </a:solidFill>
-                <a:latin typeface="Roboto Mono"/>
-                <a:ea typeface="Roboto Mono"/>
-                <a:cs typeface="Roboto Mono"/>
-                <a:sym typeface="Roboto Mono"/>
-              </a:rPr>
-              <a:t>      host        = self.public_ip</a:t>
-            </a:r>
-            <a:endParaRPr sz="1050" dirty="0">
-              <a:solidFill>
-                <a:srgbClr val="188038"/>
-              </a:solidFill>
-              <a:latin typeface="Roboto Mono"/>
-              <a:ea typeface="Roboto Mono"/>
-              <a:cs typeface="Roboto Mono"/>
-              <a:sym typeface="Roboto Mono"/>
-            </a:endParaRPr>
-          </a:p>
-          <a:p>
-            <a:pPr marL="0" marR="0" lvl="0" indent="0" algn="l" rtl="0">
-              <a:lnSpc>
-                <a:spcPct val="115000"/>
-              </a:lnSpc>
-              <a:spcBef>
-                <a:spcPts val="0"/>
-              </a:spcBef>
-              <a:spcAft>
-                <a:spcPts val="0"/>
-              </a:spcAft>
-              <a:buNone/>
-            </a:pPr>
-            <a:r>
-              <a:rPr lang="en" sz="1050" dirty="0">
-                <a:solidFill>
-                  <a:srgbClr val="188038"/>
-                </a:solidFill>
-                <a:latin typeface="Roboto Mono"/>
-                <a:ea typeface="Roboto Mono"/>
-                <a:cs typeface="Roboto Mono"/>
-                <a:sym typeface="Roboto Mono"/>
-              </a:rPr>
-              <a:t>    }</a:t>
-            </a:r>
-            <a:endParaRPr sz="1050" dirty="0">
-              <a:solidFill>
-                <a:srgbClr val="188038"/>
-              </a:solidFill>
-              <a:latin typeface="Roboto Mono"/>
-              <a:ea typeface="Roboto Mono"/>
-              <a:cs typeface="Roboto Mono"/>
-              <a:sym typeface="Roboto Mono"/>
-            </a:endParaRPr>
-          </a:p>
-          <a:p>
-            <a:pPr marL="0" marR="0" lvl="0" indent="0" algn="l" rtl="0">
-              <a:lnSpc>
-                <a:spcPct val="115000"/>
-              </a:lnSpc>
-              <a:spcBef>
-                <a:spcPts val="0"/>
-              </a:spcBef>
-              <a:spcAft>
-                <a:spcPts val="0"/>
-              </a:spcAft>
-              <a:buNone/>
-            </a:pPr>
-            <a:r>
-              <a:rPr lang="en" sz="1050" dirty="0">
-                <a:solidFill>
-                  <a:srgbClr val="188038"/>
-                </a:solidFill>
-                <a:latin typeface="Roboto Mono"/>
-                <a:ea typeface="Roboto Mono"/>
-                <a:cs typeface="Roboto Mono"/>
-                <a:sym typeface="Roboto Mono"/>
-              </a:rPr>
-              <a:t>  }</a:t>
-            </a:r>
-            <a:endParaRPr sz="1050" dirty="0">
-              <a:solidFill>
-                <a:srgbClr val="188038"/>
-              </a:solidFill>
-              <a:latin typeface="Roboto Mono"/>
-              <a:ea typeface="Roboto Mono"/>
-              <a:cs typeface="Roboto Mono"/>
-              <a:sym typeface="Roboto Mono"/>
-            </a:endParaRPr>
-          </a:p>
-          <a:p>
-            <a:pPr marL="0" marR="0" lvl="0" indent="0" algn="l" rtl="0">
-              <a:lnSpc>
-                <a:spcPct val="115000"/>
-              </a:lnSpc>
-              <a:spcBef>
-                <a:spcPts val="0"/>
-              </a:spcBef>
-              <a:spcAft>
-                <a:spcPts val="0"/>
-              </a:spcAft>
-              <a:buNone/>
-            </a:pPr>
-            <a:r>
-              <a:rPr lang="en" sz="1050" dirty="0">
-                <a:solidFill>
-                  <a:srgbClr val="188038"/>
-                </a:solidFill>
-                <a:latin typeface="Roboto Mono"/>
-                <a:ea typeface="Roboto Mono"/>
-                <a:cs typeface="Roboto Mono"/>
-                <a:sym typeface="Roboto Mono"/>
-              </a:rPr>
-              <a:t>}</a:t>
-            </a:r>
-            <a:endParaRPr lang="en-IN" sz="1100" dirty="0">
-              <a:latin typeface="Arial"/>
-              <a:ea typeface="Arial"/>
-              <a:cs typeface="Arial"/>
-              <a:sym typeface="Arial"/>
-            </a:endParaRPr>
-          </a:p>
-        </p:txBody>
-      </p:sp>
-    </p:spTree>
-  </p:cSld>
-  <p:clrMapOvr>
-    <a:masterClrMapping/>
-  </p:clrMapOvr>
-</p:sld>
-</file>
-
-<file path=ppt/slides/slide42.xml><?xml version="1.0" encoding="utf-8"?>
-<p:sld xmlns:a="http://schemas.openxmlformats.org/drawingml/2006/main" xmlns:r="http://schemas.openxmlformats.org/officeDocument/2006/relationships" xmlns:p="http://schemas.openxmlformats.org/presentationml/2006/main">
-  <p:cSld>
-    <p:spTree>
-      <p:nvGrpSpPr>
-        <p:cNvPr id="1" name="Shape 351"/>
-        <p:cNvGrpSpPr/>
-        <p:nvPr/>
-      </p:nvGrpSpPr>
-      <p:grpSpPr>
-        <a:xfrm>
-          <a:off x="0" y="0"/>
-          <a:ext cx="0" cy="0"/>
-          <a:chOff x="0" y="0"/>
-          <a:chExt cx="0" cy="0"/>
-        </a:xfrm>
-      </p:grpSpPr>
-      <p:sp>
-        <p:nvSpPr>
-          <p:cNvPr id="352" name="Google Shape;352;p61"/>
-          <p:cNvSpPr txBox="1">
-            <a:spLocks noGrp="1"/>
-          </p:cNvSpPr>
-          <p:nvPr>
-            <p:ph type="title"/>
-          </p:nvPr>
-        </p:nvSpPr>
-        <p:spPr>
-          <a:xfrm>
-            <a:off x="311700" y="445025"/>
-            <a:ext cx="8520600" cy="613200"/>
-          </a:xfrm>
-          <a:prstGeom prst="rect">
-            <a:avLst/>
-          </a:prstGeom>
-        </p:spPr>
-        <p:txBody>
-          <a:bodyPr spcFirstLastPara="1" wrap="square" lIns="91425" tIns="91425" rIns="91425" bIns="91425" anchor="t" anchorCtr="0">
-            <a:noAutofit/>
-          </a:bodyPr>
-          <a:lstStyle/>
-          <a:p>
-            <a:pPr marL="0" lvl="0" indent="0" algn="l" rtl="0">
-              <a:spcBef>
-                <a:spcPts val="0"/>
-              </a:spcBef>
-              <a:spcAft>
-                <a:spcPts val="0"/>
-              </a:spcAft>
-              <a:buNone/>
-            </a:pPr>
-            <a:r>
-              <a:rPr lang="en"/>
-              <a:t>File Provisioner</a:t>
-            </a:r>
-            <a:endParaRPr/>
-          </a:p>
-        </p:txBody>
-      </p:sp>
-      <p:sp>
-        <p:nvSpPr>
-          <p:cNvPr id="353" name="Google Shape;353;p61"/>
-          <p:cNvSpPr txBox="1">
-            <a:spLocks noGrp="1"/>
-          </p:cNvSpPr>
-          <p:nvPr>
-            <p:ph type="body" idx="1"/>
-          </p:nvPr>
-        </p:nvSpPr>
-        <p:spPr>
-          <a:xfrm>
-            <a:off x="400050" y="935274"/>
-            <a:ext cx="7826550" cy="4028611"/>
-          </a:xfrm>
-          <a:prstGeom prst="rect">
-            <a:avLst/>
-          </a:prstGeom>
-        </p:spPr>
-        <p:txBody>
-          <a:bodyPr spcFirstLastPara="1" wrap="square" lIns="91425" tIns="91425" rIns="91425" bIns="91425" anchor="t" anchorCtr="0">
-            <a:noAutofit/>
-          </a:bodyPr>
-          <a:lstStyle/>
-          <a:p>
-            <a:pPr marL="0" lvl="0" indent="0" algn="l" rtl="0">
-              <a:spcBef>
-                <a:spcPts val="1200"/>
-              </a:spcBef>
-              <a:spcAft>
-                <a:spcPts val="0"/>
-              </a:spcAft>
-              <a:buNone/>
-            </a:pPr>
-            <a:endParaRPr sz="1100" dirty="0">
-              <a:latin typeface="Arial"/>
-              <a:ea typeface="Arial"/>
-              <a:cs typeface="Arial"/>
-              <a:sym typeface="Arial"/>
-            </a:endParaRPr>
-          </a:p>
-          <a:p>
-            <a:pPr marL="0" lvl="0" indent="0" algn="l" rtl="0">
-              <a:spcBef>
-                <a:spcPts val="200"/>
-              </a:spcBef>
-              <a:spcAft>
-                <a:spcPts val="0"/>
-              </a:spcAft>
-              <a:buClr>
-                <a:schemeClr val="dk1"/>
-              </a:buClr>
-              <a:buSzPts val="1100"/>
-              <a:buFont typeface="Arial"/>
-              <a:buNone/>
-            </a:pPr>
-            <a:r>
-              <a:rPr lang="en" sz="1100" dirty="0">
-                <a:solidFill>
-                  <a:srgbClr val="188038"/>
-                </a:solidFill>
-                <a:latin typeface="Roboto Mono"/>
-                <a:ea typeface="Roboto Mono"/>
-                <a:cs typeface="Roboto Mono"/>
-                <a:sym typeface="Roboto Mono"/>
-              </a:rPr>
-              <a:t>resource "aws_key_pair" "my_key" {</a:t>
-            </a:r>
-            <a:endParaRPr sz="1100" dirty="0">
-              <a:solidFill>
-                <a:srgbClr val="188038"/>
-              </a:solidFill>
-              <a:latin typeface="Roboto Mono"/>
-              <a:ea typeface="Roboto Mono"/>
-              <a:cs typeface="Roboto Mono"/>
-              <a:sym typeface="Roboto Mono"/>
-            </a:endParaRPr>
-          </a:p>
-          <a:p>
-            <a:pPr marL="0" lvl="0" indent="0" algn="l" rtl="0">
-              <a:spcBef>
-                <a:spcPts val="0"/>
-              </a:spcBef>
-              <a:spcAft>
-                <a:spcPts val="0"/>
-              </a:spcAft>
-              <a:buClr>
-                <a:schemeClr val="dk1"/>
-              </a:buClr>
-              <a:buSzPts val="1100"/>
-              <a:buFont typeface="Arial"/>
-              <a:buNone/>
-            </a:pPr>
-            <a:r>
-              <a:rPr lang="en" sz="1100" dirty="0">
-                <a:solidFill>
-                  <a:srgbClr val="188038"/>
-                </a:solidFill>
-                <a:latin typeface="Roboto Mono"/>
-                <a:ea typeface="Roboto Mono"/>
-                <a:cs typeface="Roboto Mono"/>
-                <a:sym typeface="Roboto Mono"/>
-              </a:rPr>
-              <a:t>  key_name   = "my_key"</a:t>
-            </a:r>
-            <a:endParaRPr sz="1100" dirty="0">
-              <a:solidFill>
-                <a:srgbClr val="188038"/>
-              </a:solidFill>
-              <a:latin typeface="Roboto Mono"/>
-              <a:ea typeface="Roboto Mono"/>
-              <a:cs typeface="Roboto Mono"/>
-              <a:sym typeface="Roboto Mono"/>
-            </a:endParaRPr>
-          </a:p>
-          <a:p>
-            <a:pPr marL="0" lvl="0" indent="0" algn="l" rtl="0">
-              <a:spcBef>
-                <a:spcPts val="0"/>
-              </a:spcBef>
-              <a:spcAft>
-                <a:spcPts val="0"/>
-              </a:spcAft>
-              <a:buClr>
-                <a:schemeClr val="dk1"/>
-              </a:buClr>
-              <a:buSzPts val="1100"/>
-              <a:buFont typeface="Arial"/>
-              <a:buNone/>
-            </a:pPr>
-            <a:r>
-              <a:rPr lang="en" sz="1100" dirty="0">
-                <a:solidFill>
-                  <a:srgbClr val="188038"/>
-                </a:solidFill>
-                <a:latin typeface="Roboto Mono"/>
-                <a:ea typeface="Roboto Mono"/>
-                <a:cs typeface="Roboto Mono"/>
-                <a:sym typeface="Roboto Mono"/>
-              </a:rPr>
-              <a:t>  public_key = file("~/.ssh/id_rsa.pub")</a:t>
-            </a:r>
-            <a:endParaRPr sz="1100" dirty="0">
-              <a:solidFill>
-                <a:srgbClr val="188038"/>
-              </a:solidFill>
-              <a:latin typeface="Roboto Mono"/>
-              <a:ea typeface="Roboto Mono"/>
-              <a:cs typeface="Roboto Mono"/>
-              <a:sym typeface="Roboto Mono"/>
-            </a:endParaRPr>
-          </a:p>
-          <a:p>
-            <a:pPr marL="0" lvl="0" indent="0" algn="l" rtl="0">
-              <a:spcBef>
-                <a:spcPts val="0"/>
-              </a:spcBef>
-              <a:spcAft>
-                <a:spcPts val="0"/>
-              </a:spcAft>
-              <a:buClr>
-                <a:schemeClr val="dk1"/>
-              </a:buClr>
-              <a:buSzPts val="1100"/>
-              <a:buFont typeface="Arial"/>
-              <a:buNone/>
-            </a:pPr>
-            <a:r>
-              <a:rPr lang="en" sz="1100" dirty="0">
-                <a:solidFill>
-                  <a:srgbClr val="188038"/>
-                </a:solidFill>
-                <a:latin typeface="Roboto Mono"/>
-                <a:ea typeface="Roboto Mono"/>
-                <a:cs typeface="Roboto Mono"/>
-                <a:sym typeface="Roboto Mono"/>
-              </a:rPr>
-              <a:t>}</a:t>
-            </a:r>
-            <a:endParaRPr sz="1100" dirty="0">
-              <a:solidFill>
-                <a:srgbClr val="188038"/>
-              </a:solidFill>
-              <a:latin typeface="Roboto Mono"/>
-              <a:ea typeface="Roboto Mono"/>
-              <a:cs typeface="Roboto Mono"/>
-              <a:sym typeface="Roboto Mono"/>
-            </a:endParaRPr>
-          </a:p>
-          <a:p>
-            <a:pPr marL="0" marR="0" lvl="0" indent="0" algn="l" rtl="0">
-              <a:lnSpc>
-                <a:spcPct val="115000"/>
-              </a:lnSpc>
-              <a:spcBef>
-                <a:spcPts val="0"/>
-              </a:spcBef>
-              <a:spcAft>
-                <a:spcPts val="0"/>
-              </a:spcAft>
-              <a:buNone/>
-            </a:pPr>
-            <a:endParaRPr sz="1100" dirty="0">
-              <a:solidFill>
-                <a:srgbClr val="188038"/>
-              </a:solidFill>
-              <a:latin typeface="Roboto Mono"/>
-              <a:ea typeface="Roboto Mono"/>
-              <a:cs typeface="Roboto Mono"/>
-              <a:sym typeface="Roboto Mono"/>
-            </a:endParaRPr>
-          </a:p>
-          <a:p>
-            <a:pPr marL="0" lvl="0" indent="0" algn="l" rtl="0">
-              <a:spcBef>
-                <a:spcPts val="0"/>
-              </a:spcBef>
-              <a:spcAft>
-                <a:spcPts val="0"/>
-              </a:spcAft>
-              <a:buClr>
-                <a:schemeClr val="dk1"/>
-              </a:buClr>
-              <a:buSzPts val="1100"/>
-              <a:buFont typeface="Arial"/>
-              <a:buNone/>
-            </a:pPr>
-            <a:r>
-              <a:rPr lang="en" sz="1100" dirty="0">
-                <a:solidFill>
-                  <a:srgbClr val="188038"/>
-                </a:solidFill>
-                <a:latin typeface="Roboto Mono"/>
-                <a:ea typeface="Roboto Mono"/>
-                <a:cs typeface="Roboto Mono"/>
-                <a:sym typeface="Roboto Mono"/>
-              </a:rPr>
-              <a:t>resource "aws_security_group" "allow_ssh" {</a:t>
-            </a:r>
-            <a:endParaRPr sz="1100" dirty="0">
-              <a:solidFill>
-                <a:srgbClr val="188038"/>
-              </a:solidFill>
-              <a:latin typeface="Roboto Mono"/>
-              <a:ea typeface="Roboto Mono"/>
-              <a:cs typeface="Roboto Mono"/>
-              <a:sym typeface="Roboto Mono"/>
-            </a:endParaRPr>
-          </a:p>
-          <a:p>
-            <a:pPr marL="0" lvl="0" indent="0" algn="l" rtl="0">
-              <a:spcBef>
-                <a:spcPts val="0"/>
-              </a:spcBef>
-              <a:spcAft>
-                <a:spcPts val="0"/>
-              </a:spcAft>
-              <a:buClr>
-                <a:schemeClr val="dk1"/>
-              </a:buClr>
-              <a:buSzPts val="1100"/>
-              <a:buFont typeface="Arial"/>
-              <a:buNone/>
-            </a:pPr>
-            <a:r>
-              <a:rPr lang="en" sz="1100" dirty="0">
-                <a:solidFill>
-                  <a:srgbClr val="188038"/>
-                </a:solidFill>
-                <a:latin typeface="Roboto Mono"/>
-                <a:ea typeface="Roboto Mono"/>
-                <a:cs typeface="Roboto Mono"/>
-                <a:sym typeface="Roboto Mono"/>
-              </a:rPr>
-              <a:t>  name        = "allow_ssh_provisioner"</a:t>
-            </a:r>
-            <a:endParaRPr sz="1100" dirty="0">
-              <a:solidFill>
-                <a:srgbClr val="188038"/>
-              </a:solidFill>
-              <a:latin typeface="Roboto Mono"/>
-              <a:ea typeface="Roboto Mono"/>
-              <a:cs typeface="Roboto Mono"/>
-              <a:sym typeface="Roboto Mono"/>
-            </a:endParaRPr>
-          </a:p>
-          <a:p>
-            <a:pPr marL="0" lvl="0" indent="0" algn="l" rtl="0">
-              <a:spcBef>
-                <a:spcPts val="0"/>
-              </a:spcBef>
-              <a:spcAft>
-                <a:spcPts val="0"/>
-              </a:spcAft>
-              <a:buClr>
-                <a:schemeClr val="dk1"/>
-              </a:buClr>
-              <a:buSzPts val="1100"/>
-              <a:buFont typeface="Arial"/>
-              <a:buNone/>
-            </a:pPr>
-            <a:r>
-              <a:rPr lang="en" sz="1100" dirty="0">
-                <a:solidFill>
-                  <a:srgbClr val="188038"/>
-                </a:solidFill>
-                <a:latin typeface="Roboto Mono"/>
-                <a:ea typeface="Roboto Mono"/>
-                <a:cs typeface="Roboto Mono"/>
-                <a:sym typeface="Roboto Mono"/>
-              </a:rPr>
-              <a:t>  description = "Allow SSH inbound traffic and all outbound traffic"</a:t>
-            </a:r>
-            <a:endParaRPr sz="1100" dirty="0">
-              <a:solidFill>
-                <a:srgbClr val="188038"/>
-              </a:solidFill>
-              <a:latin typeface="Roboto Mono"/>
-              <a:ea typeface="Roboto Mono"/>
-              <a:cs typeface="Roboto Mono"/>
-              <a:sym typeface="Roboto Mono"/>
-            </a:endParaRPr>
-          </a:p>
-          <a:p>
-            <a:pPr marL="0" lvl="0" indent="0" algn="l" rtl="0">
-              <a:spcBef>
-                <a:spcPts val="0"/>
-              </a:spcBef>
-              <a:spcAft>
-                <a:spcPts val="0"/>
-              </a:spcAft>
-              <a:buClr>
-                <a:schemeClr val="dk1"/>
-              </a:buClr>
-              <a:buSzPts val="1100"/>
-              <a:buFont typeface="Arial"/>
-              <a:buNone/>
-            </a:pPr>
-            <a:r>
-              <a:rPr lang="en" sz="1100" dirty="0">
-                <a:solidFill>
-                  <a:srgbClr val="188038"/>
-                </a:solidFill>
-                <a:latin typeface="Roboto Mono"/>
-                <a:ea typeface="Roboto Mono"/>
-                <a:cs typeface="Roboto Mono"/>
-                <a:sym typeface="Roboto Mono"/>
-              </a:rPr>
-              <a:t>  ingress {</a:t>
-            </a:r>
-            <a:endParaRPr sz="1100" dirty="0">
-              <a:solidFill>
-                <a:srgbClr val="188038"/>
-              </a:solidFill>
-              <a:latin typeface="Roboto Mono"/>
-              <a:ea typeface="Roboto Mono"/>
-              <a:cs typeface="Roboto Mono"/>
-              <a:sym typeface="Roboto Mono"/>
-            </a:endParaRPr>
-          </a:p>
-          <a:p>
-            <a:pPr marL="0" lvl="0" indent="0" algn="l" rtl="0">
-              <a:spcBef>
-                <a:spcPts val="0"/>
-              </a:spcBef>
-              <a:spcAft>
-                <a:spcPts val="0"/>
-              </a:spcAft>
-              <a:buClr>
-                <a:schemeClr val="dk1"/>
-              </a:buClr>
-              <a:buSzPts val="1100"/>
-              <a:buFont typeface="Arial"/>
-              <a:buNone/>
-            </a:pPr>
-            <a:r>
-              <a:rPr lang="en" sz="1100" dirty="0">
-                <a:solidFill>
-                  <a:srgbClr val="188038"/>
-                </a:solidFill>
-                <a:latin typeface="Roboto Mono"/>
-                <a:ea typeface="Roboto Mono"/>
-                <a:cs typeface="Roboto Mono"/>
-                <a:sym typeface="Roboto Mono"/>
-              </a:rPr>
-              <a:t>    from_port        = 22</a:t>
-            </a:r>
-            <a:endParaRPr sz="1100" dirty="0">
-              <a:solidFill>
-                <a:srgbClr val="188038"/>
-              </a:solidFill>
-              <a:latin typeface="Roboto Mono"/>
-              <a:ea typeface="Roboto Mono"/>
-              <a:cs typeface="Roboto Mono"/>
-              <a:sym typeface="Roboto Mono"/>
-            </a:endParaRPr>
-          </a:p>
-          <a:p>
-            <a:pPr marL="0" lvl="0" indent="0" algn="l" rtl="0">
-              <a:spcBef>
-                <a:spcPts val="0"/>
-              </a:spcBef>
-              <a:spcAft>
-                <a:spcPts val="0"/>
-              </a:spcAft>
-              <a:buClr>
-                <a:schemeClr val="dk1"/>
-              </a:buClr>
-              <a:buSzPts val="1100"/>
-              <a:buFont typeface="Arial"/>
-              <a:buNone/>
-            </a:pPr>
-            <a:r>
-              <a:rPr lang="en" sz="1100" dirty="0">
-                <a:solidFill>
-                  <a:srgbClr val="188038"/>
-                </a:solidFill>
-                <a:latin typeface="Roboto Mono"/>
-                <a:ea typeface="Roboto Mono"/>
-                <a:cs typeface="Roboto Mono"/>
-                <a:sym typeface="Roboto Mono"/>
-              </a:rPr>
-              <a:t>    to_port          = 22</a:t>
-            </a:r>
-            <a:endParaRPr sz="1100" dirty="0">
-              <a:solidFill>
-                <a:srgbClr val="188038"/>
-              </a:solidFill>
-              <a:latin typeface="Roboto Mono"/>
-              <a:ea typeface="Roboto Mono"/>
-              <a:cs typeface="Roboto Mono"/>
-              <a:sym typeface="Roboto Mono"/>
-            </a:endParaRPr>
-          </a:p>
-          <a:p>
-            <a:pPr marL="0" lvl="0" indent="0" algn="l" rtl="0">
-              <a:spcBef>
-                <a:spcPts val="0"/>
-              </a:spcBef>
-              <a:spcAft>
-                <a:spcPts val="0"/>
-              </a:spcAft>
-              <a:buClr>
-                <a:schemeClr val="dk1"/>
-              </a:buClr>
-              <a:buSzPts val="1100"/>
-              <a:buFont typeface="Arial"/>
-              <a:buNone/>
-            </a:pPr>
-            <a:r>
-              <a:rPr lang="en" sz="1100" dirty="0">
-                <a:solidFill>
-                  <a:srgbClr val="188038"/>
-                </a:solidFill>
-                <a:latin typeface="Roboto Mono"/>
-                <a:ea typeface="Roboto Mono"/>
-                <a:cs typeface="Roboto Mono"/>
-                <a:sym typeface="Roboto Mono"/>
-              </a:rPr>
-              <a:t>    protocol         = "tcp"</a:t>
-            </a:r>
-            <a:endParaRPr sz="1100" dirty="0">
-              <a:solidFill>
-                <a:srgbClr val="188038"/>
-              </a:solidFill>
-              <a:latin typeface="Roboto Mono"/>
-              <a:ea typeface="Roboto Mono"/>
-              <a:cs typeface="Roboto Mono"/>
-              <a:sym typeface="Roboto Mono"/>
-            </a:endParaRPr>
-          </a:p>
-          <a:p>
-            <a:pPr marL="0" lvl="0" indent="0" algn="l" rtl="0">
-              <a:spcBef>
-                <a:spcPts val="0"/>
-              </a:spcBef>
-              <a:spcAft>
-                <a:spcPts val="0"/>
-              </a:spcAft>
-              <a:buClr>
-                <a:schemeClr val="dk1"/>
-              </a:buClr>
-              <a:buSzPts val="1100"/>
-              <a:buFont typeface="Arial"/>
-              <a:buNone/>
-            </a:pPr>
-            <a:r>
-              <a:rPr lang="en" sz="1100" dirty="0">
-                <a:solidFill>
-                  <a:srgbClr val="188038"/>
-                </a:solidFill>
-                <a:latin typeface="Roboto Mono"/>
-                <a:ea typeface="Roboto Mono"/>
-                <a:cs typeface="Roboto Mono"/>
-                <a:sym typeface="Roboto Mono"/>
-              </a:rPr>
-              <a:t>    cidr_blocks      = ["0.0.0.0/0"]</a:t>
-            </a:r>
-            <a:endParaRPr sz="1100" dirty="0">
-              <a:solidFill>
-                <a:srgbClr val="188038"/>
-              </a:solidFill>
-              <a:latin typeface="Roboto Mono"/>
-              <a:ea typeface="Roboto Mono"/>
-              <a:cs typeface="Roboto Mono"/>
-              <a:sym typeface="Roboto Mono"/>
-            </a:endParaRPr>
-          </a:p>
-          <a:p>
-            <a:pPr marL="0" lvl="0" indent="0" algn="l" rtl="0">
-              <a:spcBef>
-                <a:spcPts val="0"/>
-              </a:spcBef>
-              <a:spcAft>
-                <a:spcPts val="0"/>
-              </a:spcAft>
-              <a:buClr>
-                <a:schemeClr val="dk1"/>
-              </a:buClr>
-              <a:buSzPts val="1100"/>
-              <a:buFont typeface="Arial"/>
-              <a:buNone/>
-            </a:pPr>
-            <a:r>
-              <a:rPr lang="en" sz="1100" dirty="0">
-                <a:solidFill>
-                  <a:srgbClr val="188038"/>
-                </a:solidFill>
-                <a:latin typeface="Roboto Mono"/>
-                <a:ea typeface="Roboto Mono"/>
-                <a:cs typeface="Roboto Mono"/>
-                <a:sym typeface="Roboto Mono"/>
-              </a:rPr>
-              <a:t>  }</a:t>
-            </a:r>
-            <a:endParaRPr sz="1100" dirty="0">
-              <a:solidFill>
-                <a:srgbClr val="188038"/>
-              </a:solidFill>
-              <a:latin typeface="Roboto Mono"/>
-              <a:ea typeface="Roboto Mono"/>
-              <a:cs typeface="Roboto Mono"/>
-              <a:sym typeface="Roboto Mono"/>
-            </a:endParaRPr>
-          </a:p>
-          <a:p>
-            <a:pPr marL="0" lvl="0" indent="0" algn="l" rtl="0">
-              <a:spcBef>
-                <a:spcPts val="0"/>
-              </a:spcBef>
-              <a:spcAft>
-                <a:spcPts val="0"/>
-              </a:spcAft>
-              <a:buClr>
-                <a:schemeClr val="dk1"/>
-              </a:buClr>
-              <a:buSzPts val="1100"/>
-              <a:buFont typeface="Arial"/>
-              <a:buNone/>
-            </a:pPr>
-            <a:r>
-              <a:rPr lang="en" sz="1100" dirty="0">
-                <a:solidFill>
-                  <a:srgbClr val="188038"/>
-                </a:solidFill>
-                <a:latin typeface="Roboto Mono"/>
-                <a:ea typeface="Roboto Mono"/>
-                <a:cs typeface="Roboto Mono"/>
-                <a:sym typeface="Roboto Mono"/>
-              </a:rPr>
-              <a:t>  tags = {</a:t>
-            </a:r>
-            <a:endParaRPr sz="1100" dirty="0">
-              <a:solidFill>
-                <a:srgbClr val="188038"/>
-              </a:solidFill>
-              <a:latin typeface="Roboto Mono"/>
-              <a:ea typeface="Roboto Mono"/>
-              <a:cs typeface="Roboto Mono"/>
-              <a:sym typeface="Roboto Mono"/>
-            </a:endParaRPr>
-          </a:p>
-          <a:p>
-            <a:pPr marL="0" lvl="0" indent="0" algn="l" rtl="0">
-              <a:spcBef>
-                <a:spcPts val="0"/>
-              </a:spcBef>
-              <a:spcAft>
-                <a:spcPts val="0"/>
-              </a:spcAft>
-              <a:buClr>
-                <a:schemeClr val="dk1"/>
-              </a:buClr>
-              <a:buSzPts val="1100"/>
-              <a:buFont typeface="Arial"/>
-              <a:buNone/>
-            </a:pPr>
-            <a:r>
-              <a:rPr lang="en" sz="1100" dirty="0">
-                <a:solidFill>
-                  <a:srgbClr val="188038"/>
-                </a:solidFill>
-                <a:latin typeface="Roboto Mono"/>
-                <a:ea typeface="Roboto Mono"/>
-                <a:cs typeface="Roboto Mono"/>
-                <a:sym typeface="Roboto Mono"/>
-              </a:rPr>
-              <a:t>    Name = "allow_tls"</a:t>
-            </a:r>
-            <a:endParaRPr sz="1100" dirty="0">
-              <a:solidFill>
-                <a:srgbClr val="188038"/>
-              </a:solidFill>
-              <a:latin typeface="Roboto Mono"/>
-              <a:ea typeface="Roboto Mono"/>
-              <a:cs typeface="Roboto Mono"/>
-              <a:sym typeface="Roboto Mono"/>
-            </a:endParaRPr>
-          </a:p>
-          <a:p>
-            <a:pPr marL="0" lvl="0" indent="0" algn="l" rtl="0">
-              <a:spcBef>
-                <a:spcPts val="0"/>
-              </a:spcBef>
-              <a:spcAft>
-                <a:spcPts val="0"/>
-              </a:spcAft>
-              <a:buClr>
-                <a:schemeClr val="dk1"/>
-              </a:buClr>
-              <a:buSzPts val="1100"/>
-              <a:buFont typeface="Arial"/>
-              <a:buNone/>
-            </a:pPr>
-            <a:r>
-              <a:rPr lang="en" sz="1100" dirty="0">
-                <a:solidFill>
-                  <a:srgbClr val="188038"/>
-                </a:solidFill>
-                <a:latin typeface="Roboto Mono"/>
-                <a:ea typeface="Roboto Mono"/>
-                <a:cs typeface="Roboto Mono"/>
-                <a:sym typeface="Roboto Mono"/>
-              </a:rPr>
-              <a:t>  }</a:t>
-            </a:r>
-            <a:endParaRPr sz="1100" dirty="0">
-              <a:solidFill>
-                <a:srgbClr val="188038"/>
-              </a:solidFill>
-              <a:latin typeface="Roboto Mono"/>
-              <a:ea typeface="Roboto Mono"/>
-              <a:cs typeface="Roboto Mono"/>
-              <a:sym typeface="Roboto Mono"/>
-            </a:endParaRPr>
-          </a:p>
-          <a:p>
-            <a:pPr marL="0" lvl="0" indent="0" algn="l" rtl="0">
-              <a:spcBef>
-                <a:spcPts val="0"/>
-              </a:spcBef>
-              <a:spcAft>
-                <a:spcPts val="0"/>
-              </a:spcAft>
-              <a:buClr>
-                <a:schemeClr val="dk1"/>
-              </a:buClr>
-              <a:buSzPts val="1100"/>
-              <a:buFont typeface="Arial"/>
-              <a:buNone/>
-            </a:pPr>
-            <a:r>
-              <a:rPr lang="en" sz="1100" dirty="0">
-                <a:solidFill>
-                  <a:srgbClr val="188038"/>
-                </a:solidFill>
-                <a:latin typeface="Roboto Mono"/>
-                <a:ea typeface="Roboto Mono"/>
-                <a:cs typeface="Roboto Mono"/>
-                <a:sym typeface="Roboto Mono"/>
-              </a:rPr>
-              <a:t>}</a:t>
-            </a:r>
-            <a:endParaRPr sz="1100" dirty="0">
-              <a:solidFill>
-                <a:srgbClr val="188038"/>
-              </a:solidFill>
-              <a:latin typeface="Roboto Mono"/>
-              <a:ea typeface="Roboto Mono"/>
-              <a:cs typeface="Roboto Mono"/>
-              <a:sym typeface="Roboto Mono"/>
-            </a:endParaRPr>
-          </a:p>
-          <a:p>
-            <a:pPr marL="0" marR="0" lvl="0" indent="0" algn="l" rtl="0">
-              <a:lnSpc>
-                <a:spcPct val="115000"/>
-              </a:lnSpc>
-              <a:spcBef>
-                <a:spcPts val="0"/>
-              </a:spcBef>
-              <a:spcAft>
-                <a:spcPts val="0"/>
-              </a:spcAft>
-              <a:buNone/>
-            </a:pPr>
-            <a:endParaRPr sz="1100" dirty="0">
-              <a:solidFill>
-                <a:srgbClr val="188038"/>
-              </a:solidFill>
-              <a:latin typeface="Roboto Mono"/>
-              <a:ea typeface="Roboto Mono"/>
-              <a:cs typeface="Roboto Mono"/>
-              <a:sym typeface="Roboto Mono"/>
-            </a:endParaRPr>
-          </a:p>
-          <a:p>
-            <a:pPr marL="0" lvl="0" indent="0" algn="l" rtl="0">
-              <a:spcBef>
-                <a:spcPts val="1200"/>
-              </a:spcBef>
-              <a:spcAft>
-                <a:spcPts val="1200"/>
-              </a:spcAft>
-              <a:buNone/>
-            </a:pPr>
-            <a:endParaRPr sz="1100" dirty="0">
-              <a:latin typeface="Arial"/>
-              <a:ea typeface="Arial"/>
-              <a:cs typeface="Arial"/>
-              <a:sym typeface="Arial"/>
-            </a:endParaRPr>
-          </a:p>
-        </p:txBody>
-      </p:sp>
-    </p:spTree>
-  </p:cSld>
-  <p:clrMapOvr>
-    <a:masterClrMapping/>
-  </p:clrMapOvr>
-</p:sld>
-</file>
-
-<file path=ppt/slides/slide43.xml><?xml version="1.0" encoding="utf-8"?>
-<p:sld xmlns:a="http://schemas.openxmlformats.org/drawingml/2006/main" xmlns:r="http://schemas.openxmlformats.org/officeDocument/2006/relationships" xmlns:p="http://schemas.openxmlformats.org/presentationml/2006/main">
-  <p:cSld>
-    <p:spTree>
-      <p:nvGrpSpPr>
-        <p:cNvPr id="1" name="Shape 357"/>
-        <p:cNvGrpSpPr/>
-        <p:nvPr/>
-      </p:nvGrpSpPr>
-      <p:grpSpPr>
-        <a:xfrm>
-          <a:off x="0" y="0"/>
-          <a:ext cx="0" cy="0"/>
-          <a:chOff x="0" y="0"/>
-          <a:chExt cx="0" cy="0"/>
-        </a:xfrm>
-      </p:grpSpPr>
-      <p:sp>
-        <p:nvSpPr>
-          <p:cNvPr id="358" name="Google Shape;358;p62"/>
-          <p:cNvSpPr txBox="1">
-            <a:spLocks noGrp="1"/>
-          </p:cNvSpPr>
-          <p:nvPr>
-            <p:ph type="title"/>
-          </p:nvPr>
-        </p:nvSpPr>
-        <p:spPr>
-          <a:xfrm>
-            <a:off x="311700" y="445025"/>
-            <a:ext cx="8520600" cy="613200"/>
-          </a:xfrm>
-          <a:prstGeom prst="rect">
-            <a:avLst/>
-          </a:prstGeom>
-        </p:spPr>
-        <p:txBody>
-          <a:bodyPr spcFirstLastPara="1" wrap="square" lIns="91425" tIns="91425" rIns="91425" bIns="91425" anchor="t" anchorCtr="0">
-            <a:noAutofit/>
-          </a:bodyPr>
-          <a:lstStyle/>
-          <a:p>
-            <a:pPr marL="0" lvl="0" indent="0" algn="l" rtl="0">
-              <a:spcBef>
-                <a:spcPts val="0"/>
-              </a:spcBef>
-              <a:spcAft>
-                <a:spcPts val="0"/>
-              </a:spcAft>
-              <a:buNone/>
-            </a:pPr>
-            <a:r>
-              <a:rPr lang="en"/>
-              <a:t>Remote-Exec Provisioner</a:t>
-            </a:r>
-            <a:endParaRPr/>
-          </a:p>
-        </p:txBody>
-      </p:sp>
-      <p:sp>
-        <p:nvSpPr>
-          <p:cNvPr id="359" name="Google Shape;359;p62"/>
-          <p:cNvSpPr txBox="1">
-            <a:spLocks noGrp="1"/>
-          </p:cNvSpPr>
-          <p:nvPr>
-            <p:ph type="body" idx="1"/>
-          </p:nvPr>
-        </p:nvSpPr>
-        <p:spPr>
-          <a:xfrm>
-            <a:off x="311700" y="942424"/>
-            <a:ext cx="7114800" cy="4119433"/>
-          </a:xfrm>
-          <a:prstGeom prst="rect">
-            <a:avLst/>
-          </a:prstGeom>
-        </p:spPr>
-        <p:txBody>
-          <a:bodyPr spcFirstLastPara="1" wrap="square" lIns="91425" tIns="91425" rIns="91425" bIns="91425" anchor="t" anchorCtr="0">
-            <a:noAutofit/>
-          </a:bodyPr>
-          <a:lstStyle/>
-          <a:p>
-            <a:pPr marL="0" lvl="0" indent="0" algn="l" rtl="0">
-              <a:spcBef>
-                <a:spcPts val="1200"/>
-              </a:spcBef>
-              <a:spcAft>
-                <a:spcPts val="0"/>
-              </a:spcAft>
-              <a:buClr>
-                <a:schemeClr val="dk1"/>
-              </a:buClr>
-              <a:buSzPts val="1100"/>
-              <a:buFont typeface="Arial"/>
-              <a:buNone/>
-            </a:pPr>
-            <a:r>
-              <a:rPr lang="en" sz="1100" b="1" dirty="0">
-                <a:latin typeface="Arial"/>
-                <a:ea typeface="Arial"/>
-                <a:cs typeface="Arial"/>
-                <a:sym typeface="Arial"/>
-              </a:rPr>
-              <a:t>Remote-Exec Provisioner </a:t>
-            </a:r>
-            <a:r>
-              <a:rPr lang="en" sz="1100" dirty="0">
-                <a:latin typeface="Arial"/>
-                <a:ea typeface="Arial"/>
-                <a:cs typeface="Arial"/>
-                <a:sym typeface="Arial"/>
-              </a:rPr>
-              <a:t>runs commands on the remote instance after it is created.</a:t>
-            </a:r>
-            <a:endParaRPr sz="1100" dirty="0">
-              <a:latin typeface="Arial"/>
-              <a:ea typeface="Arial"/>
-              <a:cs typeface="Arial"/>
-              <a:sym typeface="Arial"/>
-            </a:endParaRPr>
-          </a:p>
-          <a:p>
-            <a:pPr marL="0" marR="0" lvl="0" indent="0" algn="l" rtl="0">
-              <a:lnSpc>
-                <a:spcPct val="115000"/>
-              </a:lnSpc>
-              <a:spcBef>
-                <a:spcPts val="200"/>
-              </a:spcBef>
-              <a:spcAft>
-                <a:spcPts val="0"/>
-              </a:spcAft>
-              <a:buNone/>
-            </a:pPr>
-            <a:r>
-              <a:rPr lang="en" sz="1100" dirty="0">
-                <a:solidFill>
-                  <a:srgbClr val="188038"/>
-                </a:solidFill>
-                <a:latin typeface="Roboto Mono"/>
-                <a:ea typeface="Roboto Mono"/>
-                <a:cs typeface="Roboto Mono"/>
-                <a:sym typeface="Roboto Mono"/>
-              </a:rPr>
-              <a:t>resource "aws_instance" "example" {</a:t>
-            </a:r>
-            <a:endParaRPr sz="1100" dirty="0">
-              <a:solidFill>
-                <a:srgbClr val="188038"/>
-              </a:solidFill>
-              <a:latin typeface="Roboto Mono"/>
-              <a:ea typeface="Roboto Mono"/>
-              <a:cs typeface="Roboto Mono"/>
-              <a:sym typeface="Roboto Mono"/>
-            </a:endParaRPr>
-          </a:p>
-          <a:p>
-            <a:pPr marL="0" marR="0" lvl="0" indent="0" algn="l" rtl="0">
-              <a:lnSpc>
-                <a:spcPct val="115000"/>
-              </a:lnSpc>
-              <a:spcBef>
-                <a:spcPts val="0"/>
-              </a:spcBef>
-              <a:spcAft>
-                <a:spcPts val="0"/>
-              </a:spcAft>
-              <a:buNone/>
-            </a:pPr>
-            <a:r>
-              <a:rPr lang="en" sz="1100" dirty="0">
-                <a:solidFill>
-                  <a:srgbClr val="188038"/>
-                </a:solidFill>
-                <a:latin typeface="Roboto Mono"/>
-                <a:ea typeface="Roboto Mono"/>
-                <a:cs typeface="Roboto Mono"/>
-                <a:sym typeface="Roboto Mono"/>
-              </a:rPr>
-              <a:t>  ami           = "ami-0c55b159cbfafe1f0"</a:t>
-            </a:r>
-            <a:endParaRPr sz="1100" dirty="0">
-              <a:solidFill>
-                <a:srgbClr val="188038"/>
-              </a:solidFill>
-              <a:latin typeface="Roboto Mono"/>
-              <a:ea typeface="Roboto Mono"/>
-              <a:cs typeface="Roboto Mono"/>
-              <a:sym typeface="Roboto Mono"/>
-            </a:endParaRPr>
-          </a:p>
-          <a:p>
-            <a:pPr marL="0" marR="0" lvl="0" indent="0" algn="l" rtl="0">
-              <a:lnSpc>
-                <a:spcPct val="115000"/>
-              </a:lnSpc>
-              <a:spcBef>
-                <a:spcPts val="0"/>
-              </a:spcBef>
-              <a:spcAft>
-                <a:spcPts val="0"/>
-              </a:spcAft>
-              <a:buNone/>
-            </a:pPr>
-            <a:r>
-              <a:rPr lang="en" sz="1100" dirty="0">
-                <a:solidFill>
-                  <a:srgbClr val="188038"/>
-                </a:solidFill>
-                <a:latin typeface="Roboto Mono"/>
-                <a:ea typeface="Roboto Mono"/>
-                <a:cs typeface="Roboto Mono"/>
-                <a:sym typeface="Roboto Mono"/>
-              </a:rPr>
-              <a:t>  instance_type = "t2.micro"</a:t>
-            </a:r>
-            <a:endParaRPr sz="1100" dirty="0">
-              <a:solidFill>
-                <a:srgbClr val="188038"/>
-              </a:solidFill>
-              <a:latin typeface="Roboto Mono"/>
-              <a:ea typeface="Roboto Mono"/>
-              <a:cs typeface="Roboto Mono"/>
-              <a:sym typeface="Roboto Mono"/>
-            </a:endParaRPr>
-          </a:p>
-          <a:p>
-            <a:pPr marL="0" marR="0" lvl="0" indent="0" algn="l" rtl="0">
-              <a:lnSpc>
-                <a:spcPct val="115000"/>
-              </a:lnSpc>
-              <a:spcBef>
-                <a:spcPts val="0"/>
-              </a:spcBef>
-              <a:spcAft>
-                <a:spcPts val="0"/>
-              </a:spcAft>
-              <a:buNone/>
-            </a:pPr>
-            <a:endParaRPr sz="1100" dirty="0">
-              <a:solidFill>
-                <a:srgbClr val="188038"/>
-              </a:solidFill>
-              <a:latin typeface="Roboto Mono"/>
-              <a:ea typeface="Roboto Mono"/>
-              <a:cs typeface="Roboto Mono"/>
-              <a:sym typeface="Roboto Mono"/>
-            </a:endParaRPr>
-          </a:p>
-          <a:p>
-            <a:pPr marL="0" marR="0" lvl="0" indent="0" algn="l" rtl="0">
-              <a:lnSpc>
-                <a:spcPct val="115000"/>
-              </a:lnSpc>
-              <a:spcBef>
-                <a:spcPts val="0"/>
-              </a:spcBef>
-              <a:spcAft>
-                <a:spcPts val="0"/>
-              </a:spcAft>
-              <a:buNone/>
-            </a:pPr>
-            <a:r>
-              <a:rPr lang="en" sz="1100" dirty="0">
-                <a:solidFill>
-                  <a:srgbClr val="188038"/>
-                </a:solidFill>
-                <a:latin typeface="Roboto Mono"/>
-                <a:ea typeface="Roboto Mono"/>
-                <a:cs typeface="Roboto Mono"/>
-                <a:sym typeface="Roboto Mono"/>
-              </a:rPr>
-              <a:t>  provisioner "remote-exec" {</a:t>
-            </a:r>
-            <a:endParaRPr sz="1100" dirty="0">
-              <a:solidFill>
-                <a:srgbClr val="188038"/>
-              </a:solidFill>
-              <a:latin typeface="Roboto Mono"/>
-              <a:ea typeface="Roboto Mono"/>
-              <a:cs typeface="Roboto Mono"/>
-              <a:sym typeface="Roboto Mono"/>
-            </a:endParaRPr>
-          </a:p>
-          <a:p>
-            <a:pPr marL="0" marR="0" lvl="0" indent="0" algn="l" rtl="0">
-              <a:lnSpc>
-                <a:spcPct val="115000"/>
-              </a:lnSpc>
-              <a:spcBef>
-                <a:spcPts val="0"/>
-              </a:spcBef>
-              <a:spcAft>
-                <a:spcPts val="0"/>
-              </a:spcAft>
-              <a:buNone/>
-            </a:pPr>
-            <a:r>
-              <a:rPr lang="en" sz="1100" dirty="0">
-                <a:solidFill>
-                  <a:srgbClr val="188038"/>
-                </a:solidFill>
-                <a:latin typeface="Roboto Mono"/>
-                <a:ea typeface="Roboto Mono"/>
-                <a:cs typeface="Roboto Mono"/>
-                <a:sym typeface="Roboto Mono"/>
-              </a:rPr>
-              <a:t>    inline = [</a:t>
-            </a:r>
-            <a:endParaRPr sz="1100" dirty="0">
-              <a:solidFill>
-                <a:srgbClr val="188038"/>
-              </a:solidFill>
-              <a:latin typeface="Roboto Mono"/>
-              <a:ea typeface="Roboto Mono"/>
-              <a:cs typeface="Roboto Mono"/>
-              <a:sym typeface="Roboto Mono"/>
-            </a:endParaRPr>
-          </a:p>
-          <a:p>
-            <a:pPr marL="0" marR="0" lvl="0" indent="0" algn="l" rtl="0">
-              <a:lnSpc>
-                <a:spcPct val="115000"/>
-              </a:lnSpc>
-              <a:spcBef>
-                <a:spcPts val="0"/>
-              </a:spcBef>
-              <a:spcAft>
-                <a:spcPts val="0"/>
-              </a:spcAft>
-              <a:buNone/>
-            </a:pPr>
-            <a:r>
-              <a:rPr lang="en" sz="1100" dirty="0">
-                <a:solidFill>
-                  <a:srgbClr val="188038"/>
-                </a:solidFill>
-                <a:latin typeface="Roboto Mono"/>
-                <a:ea typeface="Roboto Mono"/>
-                <a:cs typeface="Roboto Mono"/>
-                <a:sym typeface="Roboto Mono"/>
-              </a:rPr>
-              <a:t>      "sudo apt update",</a:t>
-            </a:r>
-            <a:endParaRPr sz="1100" dirty="0">
-              <a:solidFill>
-                <a:srgbClr val="188038"/>
-              </a:solidFill>
-              <a:latin typeface="Roboto Mono"/>
-              <a:ea typeface="Roboto Mono"/>
-              <a:cs typeface="Roboto Mono"/>
-              <a:sym typeface="Roboto Mono"/>
-            </a:endParaRPr>
-          </a:p>
-          <a:p>
-            <a:pPr marL="0" marR="0" lvl="0" indent="0" algn="l" rtl="0">
-              <a:lnSpc>
-                <a:spcPct val="115000"/>
-              </a:lnSpc>
-              <a:spcBef>
-                <a:spcPts val="0"/>
-              </a:spcBef>
-              <a:spcAft>
-                <a:spcPts val="0"/>
-              </a:spcAft>
-              <a:buNone/>
-            </a:pPr>
-            <a:r>
-              <a:rPr lang="en" sz="1100" dirty="0">
-                <a:solidFill>
-                  <a:srgbClr val="188038"/>
-                </a:solidFill>
-                <a:latin typeface="Roboto Mono"/>
-                <a:ea typeface="Roboto Mono"/>
-                <a:cs typeface="Roboto Mono"/>
-                <a:sym typeface="Roboto Mono"/>
-              </a:rPr>
-              <a:t>      "sudo apt install -y nginx",</a:t>
-            </a:r>
-            <a:endParaRPr sz="1100" dirty="0">
-              <a:solidFill>
-                <a:srgbClr val="188038"/>
-              </a:solidFill>
-              <a:latin typeface="Roboto Mono"/>
-              <a:ea typeface="Roboto Mono"/>
-              <a:cs typeface="Roboto Mono"/>
-              <a:sym typeface="Roboto Mono"/>
-            </a:endParaRPr>
-          </a:p>
-          <a:p>
-            <a:pPr marL="0" marR="0" lvl="0" indent="0" algn="l" rtl="0">
-              <a:lnSpc>
-                <a:spcPct val="115000"/>
-              </a:lnSpc>
-              <a:spcBef>
-                <a:spcPts val="0"/>
-              </a:spcBef>
-              <a:spcAft>
-                <a:spcPts val="0"/>
-              </a:spcAft>
-              <a:buNone/>
-            </a:pPr>
-            <a:r>
-              <a:rPr lang="en" sz="1100" dirty="0">
-                <a:solidFill>
-                  <a:srgbClr val="188038"/>
-                </a:solidFill>
-                <a:latin typeface="Roboto Mono"/>
-                <a:ea typeface="Roboto Mono"/>
-                <a:cs typeface="Roboto Mono"/>
-                <a:sym typeface="Roboto Mono"/>
-              </a:rPr>
-              <a:t>      "sudo mv /tmp/message.txt /var/www/html/index.html",</a:t>
-            </a:r>
-            <a:endParaRPr sz="1100" dirty="0">
-              <a:solidFill>
-                <a:srgbClr val="188038"/>
-              </a:solidFill>
-              <a:latin typeface="Roboto Mono"/>
-              <a:ea typeface="Roboto Mono"/>
-              <a:cs typeface="Roboto Mono"/>
-              <a:sym typeface="Roboto Mono"/>
-            </a:endParaRPr>
-          </a:p>
-          <a:p>
-            <a:pPr marL="0" marR="0" lvl="0" indent="0" algn="l" rtl="0">
-              <a:lnSpc>
-                <a:spcPct val="115000"/>
-              </a:lnSpc>
-              <a:spcBef>
-                <a:spcPts val="0"/>
-              </a:spcBef>
-              <a:spcAft>
-                <a:spcPts val="0"/>
-              </a:spcAft>
-              <a:buNone/>
-            </a:pPr>
-            <a:r>
-              <a:rPr lang="en" sz="1100" dirty="0">
-                <a:solidFill>
-                  <a:srgbClr val="188038"/>
-                </a:solidFill>
-                <a:latin typeface="Roboto Mono"/>
-                <a:ea typeface="Roboto Mono"/>
-                <a:cs typeface="Roboto Mono"/>
-                <a:sym typeface="Roboto Mono"/>
-              </a:rPr>
-              <a:t>      "sudo systemctl restart nginx"</a:t>
-            </a:r>
-            <a:endParaRPr sz="1100" dirty="0">
-              <a:solidFill>
-                <a:srgbClr val="188038"/>
-              </a:solidFill>
-              <a:latin typeface="Roboto Mono"/>
-              <a:ea typeface="Roboto Mono"/>
-              <a:cs typeface="Roboto Mono"/>
-              <a:sym typeface="Roboto Mono"/>
-            </a:endParaRPr>
-          </a:p>
-          <a:p>
-            <a:pPr marL="0" marR="0" lvl="0" indent="0" algn="l" rtl="0">
-              <a:lnSpc>
-                <a:spcPct val="115000"/>
-              </a:lnSpc>
-              <a:spcBef>
-                <a:spcPts val="0"/>
-              </a:spcBef>
-              <a:spcAft>
-                <a:spcPts val="0"/>
-              </a:spcAft>
-              <a:buNone/>
-            </a:pPr>
-            <a:r>
-              <a:rPr lang="en" sz="1100" dirty="0">
-                <a:solidFill>
-                  <a:srgbClr val="188038"/>
-                </a:solidFill>
-                <a:latin typeface="Roboto Mono"/>
-                <a:ea typeface="Roboto Mono"/>
-                <a:cs typeface="Roboto Mono"/>
-                <a:sym typeface="Roboto Mono"/>
-              </a:rPr>
-              <a:t>    ]</a:t>
-            </a:r>
-            <a:endParaRPr sz="1100" dirty="0">
-              <a:solidFill>
-                <a:srgbClr val="188038"/>
-              </a:solidFill>
-              <a:latin typeface="Roboto Mono"/>
-              <a:ea typeface="Roboto Mono"/>
-              <a:cs typeface="Roboto Mono"/>
-              <a:sym typeface="Roboto Mono"/>
-            </a:endParaRPr>
-          </a:p>
-          <a:p>
-            <a:pPr marL="0" marR="0" lvl="0" indent="0" algn="l" rtl="0">
-              <a:lnSpc>
-                <a:spcPct val="115000"/>
-              </a:lnSpc>
-              <a:spcBef>
-                <a:spcPts val="0"/>
-              </a:spcBef>
-              <a:spcAft>
-                <a:spcPts val="0"/>
-              </a:spcAft>
-              <a:buNone/>
-            </a:pPr>
-            <a:endParaRPr sz="1100" dirty="0">
-              <a:solidFill>
-                <a:srgbClr val="188038"/>
-              </a:solidFill>
-              <a:latin typeface="Roboto Mono"/>
-              <a:ea typeface="Roboto Mono"/>
-              <a:cs typeface="Roboto Mono"/>
-              <a:sym typeface="Roboto Mono"/>
-            </a:endParaRPr>
-          </a:p>
-          <a:p>
-            <a:pPr marL="0" marR="0" lvl="0" indent="0" algn="l" rtl="0">
-              <a:lnSpc>
-                <a:spcPct val="115000"/>
-              </a:lnSpc>
-              <a:spcBef>
-                <a:spcPts val="0"/>
-              </a:spcBef>
-              <a:spcAft>
-                <a:spcPts val="0"/>
-              </a:spcAft>
-              <a:buNone/>
-            </a:pPr>
-            <a:r>
-              <a:rPr lang="en" sz="1100" dirty="0">
-                <a:solidFill>
-                  <a:srgbClr val="188038"/>
-                </a:solidFill>
-                <a:latin typeface="Roboto Mono"/>
-                <a:ea typeface="Roboto Mono"/>
-                <a:cs typeface="Roboto Mono"/>
-                <a:sym typeface="Roboto Mono"/>
-              </a:rPr>
-              <a:t>    connection {</a:t>
-            </a:r>
-            <a:endParaRPr sz="1100" dirty="0">
-              <a:solidFill>
-                <a:srgbClr val="188038"/>
-              </a:solidFill>
-              <a:latin typeface="Roboto Mono"/>
-              <a:ea typeface="Roboto Mono"/>
-              <a:cs typeface="Roboto Mono"/>
-              <a:sym typeface="Roboto Mono"/>
-            </a:endParaRPr>
-          </a:p>
-          <a:p>
-            <a:pPr marL="0" marR="0" lvl="0" indent="0" algn="l" rtl="0">
-              <a:lnSpc>
-                <a:spcPct val="115000"/>
-              </a:lnSpc>
-              <a:spcBef>
-                <a:spcPts val="0"/>
-              </a:spcBef>
-              <a:spcAft>
-                <a:spcPts val="0"/>
-              </a:spcAft>
-              <a:buNone/>
-            </a:pPr>
-            <a:r>
-              <a:rPr lang="en" sz="1100" dirty="0">
-                <a:solidFill>
-                  <a:srgbClr val="188038"/>
-                </a:solidFill>
-                <a:latin typeface="Roboto Mono"/>
-                <a:ea typeface="Roboto Mono"/>
-                <a:cs typeface="Roboto Mono"/>
-                <a:sym typeface="Roboto Mono"/>
-              </a:rPr>
-              <a:t>      type        = "ssh"</a:t>
-            </a:r>
-            <a:endParaRPr sz="1100" dirty="0">
-              <a:solidFill>
-                <a:srgbClr val="188038"/>
-              </a:solidFill>
-              <a:latin typeface="Roboto Mono"/>
-              <a:ea typeface="Roboto Mono"/>
-              <a:cs typeface="Roboto Mono"/>
-              <a:sym typeface="Roboto Mono"/>
-            </a:endParaRPr>
-          </a:p>
-          <a:p>
-            <a:pPr marL="0" marR="0" lvl="0" indent="0" algn="l" rtl="0">
-              <a:lnSpc>
-                <a:spcPct val="115000"/>
-              </a:lnSpc>
-              <a:spcBef>
-                <a:spcPts val="0"/>
-              </a:spcBef>
-              <a:spcAft>
-                <a:spcPts val="0"/>
-              </a:spcAft>
-              <a:buNone/>
-            </a:pPr>
-            <a:r>
-              <a:rPr lang="en" sz="1100" dirty="0">
-                <a:solidFill>
-                  <a:srgbClr val="188038"/>
-                </a:solidFill>
-                <a:latin typeface="Roboto Mono"/>
-                <a:ea typeface="Roboto Mono"/>
-                <a:cs typeface="Roboto Mono"/>
-                <a:sym typeface="Roboto Mono"/>
-              </a:rPr>
-              <a:t>      user        = "ubuntu"</a:t>
-            </a:r>
-            <a:endParaRPr sz="1100" dirty="0">
-              <a:solidFill>
-                <a:srgbClr val="188038"/>
-              </a:solidFill>
-              <a:latin typeface="Roboto Mono"/>
-              <a:ea typeface="Roboto Mono"/>
-              <a:cs typeface="Roboto Mono"/>
-              <a:sym typeface="Roboto Mono"/>
-            </a:endParaRPr>
-          </a:p>
-          <a:p>
-            <a:pPr marL="0" marR="0" lvl="0" indent="0" algn="l" rtl="0">
-              <a:lnSpc>
-                <a:spcPct val="115000"/>
-              </a:lnSpc>
-              <a:spcBef>
-                <a:spcPts val="0"/>
-              </a:spcBef>
-              <a:spcAft>
-                <a:spcPts val="0"/>
-              </a:spcAft>
-              <a:buNone/>
-            </a:pPr>
-            <a:r>
-              <a:rPr lang="en" sz="1100" dirty="0">
-                <a:solidFill>
-                  <a:srgbClr val="188038"/>
-                </a:solidFill>
-                <a:latin typeface="Roboto Mono"/>
-                <a:ea typeface="Roboto Mono"/>
-                <a:cs typeface="Roboto Mono"/>
-                <a:sym typeface="Roboto Mono"/>
-              </a:rPr>
-              <a:t>      private_key = file("~/.ssh/id_rsa")</a:t>
-            </a:r>
-            <a:endParaRPr sz="1100" dirty="0">
-              <a:solidFill>
-                <a:srgbClr val="188038"/>
-              </a:solidFill>
-              <a:latin typeface="Roboto Mono"/>
-              <a:ea typeface="Roboto Mono"/>
-              <a:cs typeface="Roboto Mono"/>
-              <a:sym typeface="Roboto Mono"/>
-            </a:endParaRPr>
-          </a:p>
-          <a:p>
-            <a:pPr marL="0" marR="0" lvl="0" indent="0" algn="l" rtl="0">
-              <a:lnSpc>
-                <a:spcPct val="115000"/>
-              </a:lnSpc>
-              <a:spcBef>
-                <a:spcPts val="0"/>
-              </a:spcBef>
-              <a:spcAft>
-                <a:spcPts val="0"/>
-              </a:spcAft>
-              <a:buNone/>
-            </a:pPr>
-            <a:r>
-              <a:rPr lang="en" sz="1100" dirty="0">
-                <a:solidFill>
-                  <a:srgbClr val="188038"/>
-                </a:solidFill>
-                <a:latin typeface="Roboto Mono"/>
-                <a:ea typeface="Roboto Mono"/>
-                <a:cs typeface="Roboto Mono"/>
-                <a:sym typeface="Roboto Mono"/>
-              </a:rPr>
-              <a:t>      host        = self.public_ip</a:t>
-            </a:r>
-            <a:endParaRPr sz="1100" dirty="0">
-              <a:solidFill>
-                <a:srgbClr val="188038"/>
-              </a:solidFill>
-              <a:latin typeface="Roboto Mono"/>
-              <a:ea typeface="Roboto Mono"/>
-              <a:cs typeface="Roboto Mono"/>
-              <a:sym typeface="Roboto Mono"/>
-            </a:endParaRPr>
-          </a:p>
-          <a:p>
-            <a:pPr marL="0" marR="0" lvl="0" indent="0" algn="l" rtl="0">
-              <a:lnSpc>
-                <a:spcPct val="115000"/>
-              </a:lnSpc>
-              <a:spcBef>
-                <a:spcPts val="0"/>
-              </a:spcBef>
-              <a:spcAft>
-                <a:spcPts val="0"/>
-              </a:spcAft>
-              <a:buNone/>
-            </a:pPr>
-            <a:r>
-              <a:rPr lang="en" sz="1100" dirty="0">
-                <a:solidFill>
-                  <a:srgbClr val="188038"/>
-                </a:solidFill>
-                <a:latin typeface="Roboto Mono"/>
-                <a:ea typeface="Roboto Mono"/>
-                <a:cs typeface="Roboto Mono"/>
-                <a:sym typeface="Roboto Mono"/>
-              </a:rPr>
-              <a:t>    }</a:t>
-            </a:r>
-            <a:endParaRPr sz="1100" dirty="0">
-              <a:solidFill>
-                <a:srgbClr val="188038"/>
-              </a:solidFill>
-              <a:latin typeface="Roboto Mono"/>
-              <a:ea typeface="Roboto Mono"/>
-              <a:cs typeface="Roboto Mono"/>
-              <a:sym typeface="Roboto Mono"/>
-            </a:endParaRPr>
-          </a:p>
-          <a:p>
-            <a:pPr marL="0" marR="0" lvl="0" indent="0" algn="l" rtl="0">
-              <a:lnSpc>
-                <a:spcPct val="115000"/>
-              </a:lnSpc>
-              <a:spcBef>
-                <a:spcPts val="0"/>
-              </a:spcBef>
-              <a:spcAft>
-                <a:spcPts val="0"/>
-              </a:spcAft>
-              <a:buNone/>
-            </a:pPr>
-            <a:r>
-              <a:rPr lang="en" sz="1100" dirty="0">
-                <a:solidFill>
-                  <a:srgbClr val="188038"/>
-                </a:solidFill>
-                <a:latin typeface="Roboto Mono"/>
-                <a:ea typeface="Roboto Mono"/>
-                <a:cs typeface="Roboto Mono"/>
-                <a:sym typeface="Roboto Mono"/>
-              </a:rPr>
-              <a:t>  }</a:t>
-            </a:r>
-            <a:endParaRPr sz="1100" dirty="0">
-              <a:solidFill>
-                <a:srgbClr val="188038"/>
-              </a:solidFill>
-              <a:latin typeface="Roboto Mono"/>
-              <a:ea typeface="Roboto Mono"/>
-              <a:cs typeface="Roboto Mono"/>
-              <a:sym typeface="Roboto Mono"/>
-            </a:endParaRPr>
-          </a:p>
-          <a:p>
-            <a:pPr marL="0" marR="0" lvl="0" indent="0" algn="l" rtl="0">
-              <a:lnSpc>
-                <a:spcPct val="115000"/>
-              </a:lnSpc>
-              <a:spcBef>
-                <a:spcPts val="0"/>
-              </a:spcBef>
-              <a:spcAft>
-                <a:spcPts val="0"/>
-              </a:spcAft>
-              <a:buNone/>
-            </a:pPr>
-            <a:r>
-              <a:rPr lang="en" sz="1100" dirty="0">
-                <a:solidFill>
-                  <a:srgbClr val="188038"/>
-                </a:solidFill>
-                <a:latin typeface="Roboto Mono"/>
-                <a:ea typeface="Roboto Mono"/>
-                <a:cs typeface="Roboto Mono"/>
-                <a:sym typeface="Roboto Mono"/>
-              </a:rPr>
-              <a:t>}</a:t>
-            </a:r>
-            <a:endParaRPr sz="1100" dirty="0">
-              <a:solidFill>
-                <a:srgbClr val="188038"/>
-              </a:solidFill>
-              <a:latin typeface="Roboto Mono"/>
-              <a:ea typeface="Roboto Mono"/>
-              <a:cs typeface="Roboto Mono"/>
-              <a:sym typeface="Roboto Mono"/>
-            </a:endParaRPr>
-          </a:p>
-          <a:p>
-            <a:pPr marL="0" lvl="0" indent="0" algn="l" rtl="0">
-              <a:spcBef>
-                <a:spcPts val="1200"/>
-              </a:spcBef>
-              <a:spcAft>
-                <a:spcPts val="0"/>
-              </a:spcAft>
-              <a:buNone/>
-            </a:pPr>
-            <a:endParaRPr sz="1100" b="1" dirty="0">
-              <a:latin typeface="Arial"/>
-              <a:ea typeface="Arial"/>
-              <a:cs typeface="Arial"/>
-              <a:sym typeface="Arial"/>
-            </a:endParaRPr>
-          </a:p>
-          <a:p>
-            <a:pPr marL="0" lvl="0" indent="0" algn="l" rtl="0">
-              <a:spcBef>
-                <a:spcPts val="1200"/>
-              </a:spcBef>
-              <a:spcAft>
-                <a:spcPts val="1200"/>
-              </a:spcAft>
-              <a:buNone/>
-            </a:pPr>
-            <a:endParaRPr sz="1100" dirty="0">
-              <a:latin typeface="Arial"/>
-              <a:ea typeface="Arial"/>
-              <a:cs typeface="Arial"/>
-              <a:sym typeface="Arial"/>
-            </a:endParaRPr>
-          </a:p>
-        </p:txBody>
-      </p:sp>
-    </p:spTree>
-  </p:cSld>
-  <p:clrMapOvr>
-    <a:masterClrMapping/>
-  </p:clrMapOvr>
-</p:sld>
-</file>
-
-<file path=ppt/slides/slide44.xml><?xml version="1.0" encoding="utf-8"?>
-<p:sld xmlns:a="http://schemas.openxmlformats.org/drawingml/2006/main" xmlns:r="http://schemas.openxmlformats.org/officeDocument/2006/relationships" xmlns:p="http://schemas.openxmlformats.org/presentationml/2006/main">
-  <p:cSld>
-    <p:spTree>
-      <p:nvGrpSpPr>
         <p:cNvPr id="1" name="Shape 363"/>
         <p:cNvGrpSpPr/>
         <p:nvPr/>
@@ -26866,7 +18634,7 @@
 </p:sld>
 </file>
 
-<file path=ppt/slides/slide45.xml><?xml version="1.0" encoding="utf-8"?>
+<file path=ppt/slides/slide32.xml><?xml version="1.0" encoding="utf-8"?>
 <p:sld xmlns:a="http://schemas.openxmlformats.org/drawingml/2006/main" xmlns:r="http://schemas.openxmlformats.org/officeDocument/2006/relationships" xmlns:p="http://schemas.openxmlformats.org/presentationml/2006/main">
   <p:cSld>
     <p:spTree>
@@ -27470,7 +19238,7 @@
 </p:sld>
 </file>
 
-<file path=ppt/slides/slide46.xml><?xml version="1.0" encoding="utf-8"?>
+<file path=ppt/slides/slide33.xml><?xml version="1.0" encoding="utf-8"?>
 <p:sld xmlns:a="http://schemas.openxmlformats.org/drawingml/2006/main" xmlns:r="http://schemas.openxmlformats.org/officeDocument/2006/relationships" xmlns:p="http://schemas.openxmlformats.org/presentationml/2006/main">
   <p:cSld>
     <p:spTree>
@@ -28097,7 +19865,7 @@
 </p:sld>
 </file>
 
-<file path=ppt/slides/slide47.xml><?xml version="1.0" encoding="utf-8"?>
+<file path=ppt/slides/slide34.xml><?xml version="1.0" encoding="utf-8"?>
 <p:sld xmlns:a="http://schemas.openxmlformats.org/drawingml/2006/main" xmlns:r="http://schemas.openxmlformats.org/officeDocument/2006/relationships" xmlns:p="http://schemas.openxmlformats.org/presentationml/2006/main">
   <p:cSld>
     <p:spTree>
@@ -28500,7 +20268,7 @@
 </p:sld>
 </file>
 
-<file path=ppt/slides/slide48.xml><?xml version="1.0" encoding="utf-8"?>
+<file path=ppt/slides/slide35.xml><?xml version="1.0" encoding="utf-8"?>
 <p:sld xmlns:a="http://schemas.openxmlformats.org/drawingml/2006/main" xmlns:r="http://schemas.openxmlformats.org/officeDocument/2006/relationships" xmlns:p="http://schemas.openxmlformats.org/presentationml/2006/main">
   <p:cSld>
     <p:spTree>
@@ -28755,7 +20523,7 @@
 </p:sld>
 </file>
 
-<file path=ppt/slides/slide49.xml><?xml version="1.0" encoding="utf-8"?>
+<file path=ppt/slides/slide36.xml><?xml version="1.0" encoding="utf-8"?>
 <p:sld xmlns:a="http://schemas.openxmlformats.org/drawingml/2006/main" xmlns:r="http://schemas.openxmlformats.org/officeDocument/2006/relationships" xmlns:p="http://schemas.openxmlformats.org/presentationml/2006/main">
   <p:cSld>
     <p:spTree>
@@ -29339,6 +21107,73 @@
 </p:sld>
 </file>
 
+<file path=ppt/slides/slide4.xml><?xml version="1.0" encoding="utf-8"?>
+<p:sld xmlns:a="http://schemas.openxmlformats.org/drawingml/2006/main" xmlns:r="http://schemas.openxmlformats.org/officeDocument/2006/relationships" xmlns:p="http://schemas.openxmlformats.org/presentationml/2006/main">
+  <p:cSld>
+    <p:spTree>
+      <p:nvGrpSpPr>
+        <p:cNvPr id="1" name="Shape 76"/>
+        <p:cNvGrpSpPr/>
+        <p:nvPr/>
+      </p:nvGrpSpPr>
+      <p:grpSpPr>
+        <a:xfrm>
+          <a:off x="0" y="0"/>
+          <a:ext cx="0" cy="0"/>
+          <a:chOff x="0" y="0"/>
+          <a:chExt cx="0" cy="0"/>
+        </a:xfrm>
+      </p:grpSpPr>
+      <p:sp>
+        <p:nvSpPr>
+          <p:cNvPr id="77" name="Google Shape;77;p16"/>
+          <p:cNvSpPr txBox="1">
+            <a:spLocks noGrp="1"/>
+          </p:cNvSpPr>
+          <p:nvPr>
+            <p:ph type="title"/>
+          </p:nvPr>
+        </p:nvSpPr>
+        <p:spPr>
+          <a:xfrm>
+            <a:off x="512700" y="1893300"/>
+            <a:ext cx="8118600" cy="1522800"/>
+          </a:xfrm>
+          <a:prstGeom prst="rect">
+            <a:avLst/>
+          </a:prstGeom>
+        </p:spPr>
+        <p:txBody>
+          <a:bodyPr spcFirstLastPara="1" wrap="square" lIns="91425" tIns="91425" rIns="91425" bIns="91425" anchor="b" anchorCtr="0">
+            <a:noAutofit/>
+          </a:bodyPr>
+          <a:lstStyle/>
+          <a:p>
+            <a:pPr marL="0" lvl="0" indent="0" algn="l" rtl="0">
+              <a:spcBef>
+                <a:spcPts val="0"/>
+              </a:spcBef>
+              <a:spcAft>
+                <a:spcPts val="0"/>
+              </a:spcAft>
+              <a:buNone/>
+            </a:pPr>
+            <a:r>
+              <a:rPr lang="en"/>
+              <a:t>What is IAC</a:t>
+            </a:r>
+            <a:endParaRPr/>
+          </a:p>
+        </p:txBody>
+      </p:sp>
+    </p:spTree>
+  </p:cSld>
+  <p:clrMapOvr>
+    <a:masterClrMapping/>
+  </p:clrMapOvr>
+</p:sld>
+</file>
+
 <file path=ppt/slides/slide5.xml><?xml version="1.0" encoding="utf-8"?>
 <p:sld xmlns:a="http://schemas.openxmlformats.org/drawingml/2006/main" xmlns:r="http://schemas.openxmlformats.org/officeDocument/2006/relationships" xmlns:p="http://schemas.openxmlformats.org/presentationml/2006/main">
   <p:cSld>
@@ -29632,593 +21467,6 @@
         </p:txBody>
       </p:sp>
     </p:spTree>
-  </p:cSld>
-  <p:clrMapOvr>
-    <a:masterClrMapping/>
-  </p:clrMapOvr>
-</p:sld>
-</file>
-
-<file path=ppt/slides/slide50.xml><?xml version="1.0" encoding="utf-8"?>
-<p:sld xmlns:a="http://schemas.openxmlformats.org/drawingml/2006/main" xmlns:r="http://schemas.openxmlformats.org/officeDocument/2006/relationships" xmlns:p="http://schemas.openxmlformats.org/presentationml/2006/main">
-  <p:cSld>
-    <p:spTree>
-      <p:nvGrpSpPr>
-        <p:cNvPr id="1" name="Shape 387">
-          <a:extLst>
-            <a:ext uri="{FF2B5EF4-FFF2-40B4-BE49-F238E27FC236}">
-              <a16:creationId xmlns:a16="http://schemas.microsoft.com/office/drawing/2014/main" id="{FB612692-AA4D-8784-FC5C-17CBA23935D1}"/>
-            </a:ext>
-          </a:extLst>
-        </p:cNvPr>
-        <p:cNvGrpSpPr/>
-        <p:nvPr/>
-      </p:nvGrpSpPr>
-      <p:grpSpPr>
-        <a:xfrm>
-          <a:off x="0" y="0"/>
-          <a:ext cx="0" cy="0"/>
-          <a:chOff x="0" y="0"/>
-          <a:chExt cx="0" cy="0"/>
-        </a:xfrm>
-      </p:grpSpPr>
-      <p:sp>
-        <p:nvSpPr>
-          <p:cNvPr id="388" name="Google Shape;388;p67">
-            <a:extLst>
-              <a:ext uri="{FF2B5EF4-FFF2-40B4-BE49-F238E27FC236}">
-                <a16:creationId xmlns:a16="http://schemas.microsoft.com/office/drawing/2014/main" id="{8DEB082B-8A2B-4539-A1B3-0A87A07C103B}"/>
-              </a:ext>
-            </a:extLst>
-          </p:cNvPr>
-          <p:cNvSpPr txBox="1">
-            <a:spLocks noGrp="1"/>
-          </p:cNvSpPr>
-          <p:nvPr>
-            <p:ph type="title"/>
-          </p:nvPr>
-        </p:nvSpPr>
-        <p:spPr>
-          <a:xfrm>
-            <a:off x="311700" y="224589"/>
-            <a:ext cx="8520600" cy="613200"/>
-          </a:xfrm>
-          <a:prstGeom prst="rect">
-            <a:avLst/>
-          </a:prstGeom>
-        </p:spPr>
-        <p:txBody>
-          <a:bodyPr spcFirstLastPara="1" wrap="square" lIns="91425" tIns="91425" rIns="91425" bIns="91425" anchor="t" anchorCtr="0">
-            <a:noAutofit/>
-          </a:bodyPr>
-          <a:lstStyle/>
-          <a:p>
-            <a:pPr lvl="0"/>
-            <a:r>
-              <a:rPr lang="en" dirty="0"/>
-              <a:t>Troubleshoot: </a:t>
-            </a:r>
-            <a:r>
-              <a:rPr lang="en-IN" dirty="0"/>
-              <a:t>State Lock Errors</a:t>
-            </a:r>
-            <a:endParaRPr dirty="0"/>
-          </a:p>
-        </p:txBody>
-      </p:sp>
-      <p:sp>
-        <p:nvSpPr>
-          <p:cNvPr id="389" name="Google Shape;389;p67">
-            <a:extLst>
-              <a:ext uri="{FF2B5EF4-FFF2-40B4-BE49-F238E27FC236}">
-                <a16:creationId xmlns:a16="http://schemas.microsoft.com/office/drawing/2014/main" id="{FD79381C-07DC-D40E-1029-9B86500A4F02}"/>
-              </a:ext>
-            </a:extLst>
-          </p:cNvPr>
-          <p:cNvSpPr txBox="1">
-            <a:spLocks noGrp="1"/>
-          </p:cNvSpPr>
-          <p:nvPr>
-            <p:ph type="body" idx="1"/>
-          </p:nvPr>
-        </p:nvSpPr>
-        <p:spPr>
-          <a:xfrm>
-            <a:off x="311700" y="801999"/>
-            <a:ext cx="8636358" cy="4341501"/>
-          </a:xfrm>
-          <a:prstGeom prst="rect">
-            <a:avLst/>
-          </a:prstGeom>
-        </p:spPr>
-        <p:txBody>
-          <a:bodyPr spcFirstLastPara="1" wrap="square" lIns="91425" tIns="91425" rIns="91425" bIns="91425" anchor="t" anchorCtr="0">
-            <a:noAutofit/>
-          </a:bodyPr>
-          <a:lstStyle/>
-          <a:p>
-            <a:pPr marL="0" lvl="0" indent="0">
-              <a:buNone/>
-            </a:pPr>
-            <a:r>
-              <a:rPr lang="en-US" sz="900" b="1" dirty="0">
-                <a:latin typeface="Arial"/>
-                <a:cs typeface="Arial"/>
-              </a:rPr>
-              <a:t>Error: </a:t>
-            </a:r>
-            <a:r>
-              <a:rPr lang="en-US" sz="900" dirty="0">
-                <a:latin typeface="Arial"/>
-                <a:cs typeface="Arial"/>
-              </a:rPr>
-              <a:t>A state lock error occurs when you try to run a command like terraform apply while another Terraform process already holds a lock on the state file. This is a safety mechanism to prevent concurrent operations from corrupting your state.</a:t>
-            </a:r>
-          </a:p>
-          <a:p>
-            <a:pPr marL="0" lvl="0" indent="0">
-              <a:buNone/>
-            </a:pPr>
-            <a:endParaRPr lang="en-US" sz="900" dirty="0">
-              <a:latin typeface="Arial"/>
-              <a:cs typeface="Arial"/>
-            </a:endParaRPr>
-          </a:p>
-          <a:p>
-            <a:pPr marL="0" lvl="0" indent="0">
-              <a:buNone/>
-            </a:pPr>
-            <a:r>
-              <a:rPr lang="en-US" sz="900" b="1" dirty="0">
-                <a:latin typeface="Arial"/>
-                <a:cs typeface="Arial"/>
-                <a:sym typeface="Arial"/>
-              </a:rPr>
-              <a:t>Why it happens: </a:t>
-            </a:r>
-            <a:r>
-              <a:rPr lang="en-US" sz="900" dirty="0">
-                <a:latin typeface="Arial"/>
-                <a:cs typeface="Arial"/>
-                <a:sym typeface="Arial"/>
-              </a:rPr>
-              <a:t>A legitimate process is running, or a previous process crashed without releasing the lock, creating a "stale lock.“</a:t>
-            </a:r>
-          </a:p>
-          <a:p>
-            <a:pPr marL="0" lvl="0" indent="0">
-              <a:buNone/>
-            </a:pPr>
-            <a:endParaRPr lang="en-US" sz="900" b="1" dirty="0">
-              <a:latin typeface="Arial"/>
-              <a:cs typeface="Arial"/>
-              <a:sym typeface="Arial"/>
-            </a:endParaRPr>
-          </a:p>
-          <a:p>
-            <a:pPr marL="0" lvl="0" indent="0">
-              <a:buNone/>
-            </a:pPr>
-            <a:r>
-              <a:rPr lang="en-US" sz="900" b="1" dirty="0">
-                <a:latin typeface="Arial"/>
-                <a:cs typeface="Arial"/>
-                <a:sym typeface="Arial"/>
-              </a:rPr>
-              <a:t>The Error Message: </a:t>
-            </a:r>
-            <a:r>
-              <a:rPr lang="en-US" sz="900" dirty="0">
-                <a:latin typeface="Arial"/>
-                <a:cs typeface="Arial"/>
-                <a:sym typeface="Arial"/>
-              </a:rPr>
-              <a:t>You will see a clear error indicating who holds the lock.</a:t>
-            </a:r>
-          </a:p>
-          <a:p>
-            <a:pPr marL="0" lvl="0" indent="0">
-              <a:buNone/>
-            </a:pPr>
-            <a:r>
-              <a:rPr lang="en-IN" sz="800" dirty="0">
-                <a:solidFill>
-                  <a:srgbClr val="188038"/>
-                </a:solidFill>
-                <a:latin typeface="Roboto Mono"/>
-                <a:ea typeface="Roboto Mono"/>
-                <a:sym typeface="Arial"/>
-              </a:rPr>
-              <a:t>Error: Error acquiring the state lock</a:t>
-            </a:r>
-          </a:p>
-          <a:p>
-            <a:pPr marL="0" lvl="0" indent="0">
-              <a:buNone/>
-            </a:pPr>
-            <a:endParaRPr lang="en-IN" sz="800" dirty="0">
-              <a:solidFill>
-                <a:srgbClr val="188038"/>
-              </a:solidFill>
-              <a:latin typeface="Roboto Mono"/>
-              <a:ea typeface="Roboto Mono"/>
-              <a:sym typeface="Arial"/>
-            </a:endParaRPr>
-          </a:p>
-          <a:p>
-            <a:pPr marL="0" lvl="0" indent="0">
-              <a:buNone/>
-            </a:pPr>
-            <a:r>
-              <a:rPr lang="en-IN" sz="800" dirty="0">
-                <a:solidFill>
-                  <a:srgbClr val="188038"/>
-                </a:solidFill>
-                <a:latin typeface="Roboto Mono"/>
-                <a:ea typeface="Roboto Mono"/>
-                <a:sym typeface="Arial"/>
-              </a:rPr>
-              <a:t>Error message: a state lock is held</a:t>
-            </a:r>
-          </a:p>
-          <a:p>
-            <a:pPr marL="0" lvl="0" indent="0">
-              <a:buNone/>
-            </a:pPr>
-            <a:r>
-              <a:rPr lang="en-IN" sz="800" dirty="0">
-                <a:solidFill>
-                  <a:srgbClr val="188038"/>
-                </a:solidFill>
-                <a:latin typeface="Roboto Mono"/>
-                <a:ea typeface="Roboto Mono"/>
-                <a:sym typeface="Arial"/>
-              </a:rPr>
-              <a:t>Lock Info:</a:t>
-            </a:r>
-          </a:p>
-          <a:p>
-            <a:pPr marL="0" lvl="0" indent="0">
-              <a:buNone/>
-            </a:pPr>
-            <a:r>
-              <a:rPr lang="en-IN" sz="800" dirty="0">
-                <a:solidFill>
-                  <a:srgbClr val="188038"/>
-                </a:solidFill>
-                <a:latin typeface="Roboto Mono"/>
-                <a:ea typeface="Roboto Mono"/>
-                <a:sym typeface="Arial"/>
-              </a:rPr>
-              <a:t>  ID:        1a2b3c4d-5e6f-7a8b-9c0d-1e2f3a4b5c6d</a:t>
-            </a:r>
-          </a:p>
-          <a:p>
-            <a:pPr marL="0" lvl="0" indent="0">
-              <a:buNone/>
-            </a:pPr>
-            <a:r>
-              <a:rPr lang="en-IN" sz="800" dirty="0">
-                <a:solidFill>
-                  <a:srgbClr val="188038"/>
-                </a:solidFill>
-                <a:latin typeface="Roboto Mono"/>
-                <a:ea typeface="Roboto Mono"/>
-                <a:sym typeface="Arial"/>
-              </a:rPr>
-              <a:t>  Path:      my-terraform-bucket/web-app/</a:t>
-            </a:r>
-            <a:r>
-              <a:rPr lang="en-IN" sz="800" dirty="0" err="1">
-                <a:solidFill>
-                  <a:srgbClr val="188038"/>
-                </a:solidFill>
-                <a:latin typeface="Roboto Mono"/>
-                <a:ea typeface="Roboto Mono"/>
-                <a:sym typeface="Arial"/>
-              </a:rPr>
-              <a:t>terraform.tfstate</a:t>
-            </a:r>
-            <a:endParaRPr lang="en-IN" sz="800" dirty="0">
-              <a:solidFill>
-                <a:srgbClr val="188038"/>
-              </a:solidFill>
-              <a:latin typeface="Roboto Mono"/>
-              <a:ea typeface="Roboto Mono"/>
-              <a:sym typeface="Arial"/>
-            </a:endParaRPr>
-          </a:p>
-          <a:p>
-            <a:pPr marL="0" lvl="0" indent="0">
-              <a:buNone/>
-            </a:pPr>
-            <a:r>
-              <a:rPr lang="en-IN" sz="800" dirty="0">
-                <a:solidFill>
-                  <a:srgbClr val="188038"/>
-                </a:solidFill>
-                <a:latin typeface="Roboto Mono"/>
-                <a:ea typeface="Roboto Mono"/>
-                <a:sym typeface="Arial"/>
-              </a:rPr>
-              <a:t>  Operation: Plan</a:t>
-            </a:r>
-          </a:p>
-          <a:p>
-            <a:pPr marL="0" lvl="0" indent="0">
-              <a:buNone/>
-            </a:pPr>
-            <a:r>
-              <a:rPr lang="en-IN" sz="800" dirty="0">
-                <a:solidFill>
-                  <a:srgbClr val="188038"/>
-                </a:solidFill>
-                <a:latin typeface="Roboto Mono"/>
-                <a:ea typeface="Roboto Mono"/>
-                <a:sym typeface="Arial"/>
-              </a:rPr>
-              <a:t>  Who:       </a:t>
-            </a:r>
-            <a:r>
-              <a:rPr lang="en-IN" sz="800" dirty="0" err="1">
-                <a:solidFill>
-                  <a:srgbClr val="188038"/>
-                </a:solidFill>
-                <a:latin typeface="Roboto Mono"/>
-                <a:ea typeface="Roboto Mono"/>
-                <a:sym typeface="Arial"/>
-              </a:rPr>
-              <a:t>user@machine-name</a:t>
-            </a:r>
-            <a:endParaRPr lang="en-IN" sz="800" dirty="0">
-              <a:solidFill>
-                <a:srgbClr val="188038"/>
-              </a:solidFill>
-              <a:latin typeface="Roboto Mono"/>
-              <a:ea typeface="Roboto Mono"/>
-              <a:sym typeface="Arial"/>
-            </a:endParaRPr>
-          </a:p>
-          <a:p>
-            <a:pPr marL="0" lvl="0" indent="0">
-              <a:buNone/>
-            </a:pPr>
-            <a:r>
-              <a:rPr lang="en-IN" sz="800" dirty="0">
-                <a:solidFill>
-                  <a:srgbClr val="188038"/>
-                </a:solidFill>
-                <a:latin typeface="Roboto Mono"/>
-                <a:ea typeface="Roboto Mono"/>
-                <a:sym typeface="Arial"/>
-              </a:rPr>
-              <a:t>  When:      2023-10-27T10:30:00Z</a:t>
-            </a:r>
-          </a:p>
-          <a:p>
-            <a:pPr marL="0" lvl="0" indent="0">
-              <a:buNone/>
-            </a:pPr>
-            <a:endParaRPr lang="en-IN" sz="800" dirty="0">
-              <a:solidFill>
-                <a:srgbClr val="188038"/>
-              </a:solidFill>
-              <a:latin typeface="Roboto Mono"/>
-              <a:ea typeface="Roboto Mono"/>
-              <a:sym typeface="Arial"/>
-            </a:endParaRPr>
-          </a:p>
-          <a:p>
-            <a:pPr marL="0" lvl="0" indent="0">
-              <a:buNone/>
-            </a:pPr>
-            <a:r>
-              <a:rPr lang="en-IN" sz="800" dirty="0">
-                <a:solidFill>
-                  <a:srgbClr val="188038"/>
-                </a:solidFill>
-                <a:latin typeface="Roboto Mono"/>
-                <a:ea typeface="Roboto Mono"/>
-                <a:sym typeface="Arial"/>
-              </a:rPr>
-              <a:t>Terraform state has been locked by </a:t>
-            </a:r>
-            <a:r>
-              <a:rPr lang="en-IN" sz="800" dirty="0" err="1">
-                <a:solidFill>
-                  <a:srgbClr val="188038"/>
-                </a:solidFill>
-                <a:latin typeface="Roboto Mono"/>
-                <a:ea typeface="Roboto Mono"/>
-                <a:sym typeface="Arial"/>
-              </a:rPr>
-              <a:t>user@machine-name</a:t>
-            </a:r>
-            <a:r>
-              <a:rPr lang="en-IN" sz="800" dirty="0">
-                <a:solidFill>
-                  <a:srgbClr val="188038"/>
-                </a:solidFill>
-                <a:latin typeface="Roboto Mono"/>
-                <a:ea typeface="Roboto Mono"/>
-                <a:sym typeface="Arial"/>
-              </a:rPr>
-              <a:t>.</a:t>
-            </a:r>
-          </a:p>
-          <a:p>
-            <a:pPr marL="0" lvl="0" indent="0">
-              <a:buNone/>
-            </a:pPr>
-            <a:endParaRPr lang="en-IN" sz="900" dirty="0">
-              <a:solidFill>
-                <a:srgbClr val="188038"/>
-              </a:solidFill>
-              <a:latin typeface="Roboto Mono"/>
-              <a:ea typeface="Roboto Mono"/>
-              <a:sym typeface="Arial"/>
-            </a:endParaRPr>
-          </a:p>
-          <a:p>
-            <a:pPr marL="0" lvl="0" indent="0">
-              <a:buNone/>
-            </a:pPr>
-            <a:r>
-              <a:rPr lang="en-IN" sz="900" b="1" dirty="0">
-                <a:latin typeface="Arial"/>
-                <a:cs typeface="Arial"/>
-                <a:sym typeface="Arial"/>
-              </a:rPr>
-              <a:t>How to Resolve this error:</a:t>
-            </a:r>
-          </a:p>
-          <a:p>
-            <a:pPr marL="0" lvl="0" indent="0">
-              <a:buNone/>
-            </a:pPr>
-            <a:r>
-              <a:rPr lang="en-US" sz="900" b="1" dirty="0">
-                <a:latin typeface="Arial"/>
-                <a:cs typeface="Arial"/>
-                <a:sym typeface="Arial"/>
-              </a:rPr>
-              <a:t>Step 1: </a:t>
-            </a:r>
-            <a:r>
-              <a:rPr lang="en-US" sz="900" dirty="0">
-                <a:latin typeface="Arial"/>
-                <a:cs typeface="Arial"/>
-                <a:sym typeface="Arial"/>
-              </a:rPr>
-              <a:t>Wait and Check with Your Team</a:t>
-            </a:r>
-          </a:p>
-          <a:p>
-            <a:pPr marL="0" lvl="0" indent="0">
-              <a:buNone/>
-            </a:pPr>
-            <a:r>
-              <a:rPr lang="en-US" sz="900" b="1" dirty="0">
-                <a:latin typeface="Arial"/>
-                <a:cs typeface="Arial"/>
-                <a:sym typeface="Arial"/>
-              </a:rPr>
-              <a:t>Step 2: </a:t>
-            </a:r>
-            <a:r>
-              <a:rPr lang="en-US" sz="900" dirty="0">
-                <a:latin typeface="Arial"/>
-                <a:cs typeface="Arial"/>
-                <a:sym typeface="Arial"/>
-              </a:rPr>
-              <a:t>Investigate the Lock Info: If no one is actively running Terraform, the lock is likely "stale" from a crashed or interrupted process. Look at the Who and When fields in the error message </a:t>
-            </a:r>
-          </a:p>
-          <a:p>
-            <a:pPr marL="0" indent="0">
-              <a:buNone/>
-            </a:pPr>
-            <a:r>
-              <a:rPr lang="en-US" sz="900" b="1" dirty="0">
-                <a:latin typeface="Arial"/>
-                <a:cs typeface="Arial"/>
-                <a:sym typeface="Arial"/>
-              </a:rPr>
-              <a:t>Step 3: </a:t>
-            </a:r>
-            <a:r>
-              <a:rPr lang="en-US" sz="900" dirty="0">
-                <a:latin typeface="Arial"/>
-                <a:cs typeface="Arial"/>
-                <a:sym typeface="Arial"/>
-              </a:rPr>
-              <a:t>Force Unlock the State (Use with Extreme Caution): If you are 100% certain that no other process is running and the lock is stale, you can manually remove it.</a:t>
-            </a:r>
-          </a:p>
-          <a:p>
-            <a:pPr marL="0" lvl="0" indent="0">
-              <a:buNone/>
-            </a:pPr>
-            <a:r>
-              <a:rPr lang="en-US" sz="900" b="1" dirty="0">
-                <a:latin typeface="Arial"/>
-                <a:cs typeface="Arial"/>
-                <a:sym typeface="Arial"/>
-              </a:rPr>
-              <a:t>Action:</a:t>
-            </a:r>
-            <a:r>
-              <a:rPr lang="en-US" sz="900" dirty="0">
-                <a:latin typeface="Arial"/>
-                <a:cs typeface="Arial"/>
-                <a:sym typeface="Arial"/>
-              </a:rPr>
-              <a:t> Use the force-unlock command with the Lock ID from the error message.</a:t>
-            </a:r>
-          </a:p>
-          <a:p>
-            <a:pPr marL="0" lvl="0" indent="0">
-              <a:buNone/>
-            </a:pPr>
-            <a:r>
-              <a:rPr lang="en-IN" sz="900" dirty="0">
-                <a:solidFill>
-                  <a:srgbClr val="188038"/>
-                </a:solidFill>
-                <a:latin typeface="Roboto Mono"/>
-                <a:ea typeface="Roboto Mono"/>
-                <a:sym typeface="Arial"/>
-              </a:rPr>
-              <a:t>terraform force-unlock 1a2b3c4d-5e6f-7a8b-9c0d-1e2f3a4b5c6d</a:t>
-            </a:r>
-          </a:p>
-          <a:p>
-            <a:pPr marL="0" lvl="0" indent="0">
-              <a:buNone/>
-            </a:pPr>
-            <a:endParaRPr lang="en-IN" sz="900" dirty="0">
-              <a:solidFill>
-                <a:srgbClr val="188038"/>
-              </a:solidFill>
-              <a:latin typeface="Roboto Mono"/>
-              <a:ea typeface="Roboto Mono"/>
-              <a:sym typeface="Arial"/>
-            </a:endParaRPr>
-          </a:p>
-          <a:p>
-            <a:pPr marL="0" lvl="0" indent="0">
-              <a:buNone/>
-            </a:pPr>
-            <a:r>
-              <a:rPr lang="en-US" sz="900" b="1" i="1" dirty="0">
-                <a:latin typeface="Arial"/>
-                <a:cs typeface="Arial"/>
-                <a:sym typeface="Arial"/>
-              </a:rPr>
-              <a:t>Warning: Never use force-unlock if you are not sure the lock is stale. Forcibly unlocking a state file while another process is writing to it is the fastest way to corrupt your state and cause major infrastructure problems</a:t>
-            </a:r>
-            <a:r>
-              <a:rPr lang="en-US" sz="900" b="1" dirty="0">
-                <a:latin typeface="Arial"/>
-                <a:cs typeface="Arial"/>
-                <a:sym typeface="Arial"/>
-              </a:rPr>
-              <a:t>.</a:t>
-            </a:r>
-            <a:endParaRPr sz="900" b="1" dirty="0">
-              <a:latin typeface="Arial"/>
-              <a:cs typeface="Arial"/>
-              <a:sym typeface="Arial"/>
-            </a:endParaRPr>
-          </a:p>
-        </p:txBody>
-      </p:sp>
-    </p:spTree>
-    <p:extLst>
-      <p:ext uri="{BB962C8B-B14F-4D97-AF65-F5344CB8AC3E}">
-        <p14:creationId xmlns:p14="http://schemas.microsoft.com/office/powerpoint/2010/main" val="4125399974"/>
-      </p:ext>
-    </p:extLst>
   </p:cSld>
   <p:clrMapOvr>
     <a:masterClrMapping/>
